--- a/pptx/LLM_SEC.pptx
+++ b/pptx/LLM_SEC.pptx
@@ -4,8 +4,11 @@
   <p:sldMasterIdLst>
     <p:sldMasterId id="2147483672" r:id="rId1"/>
   </p:sldMasterIdLst>
+  <p:notesMasterIdLst>
+    <p:notesMasterId r:id="rId3"/>
+  </p:notesMasterIdLst>
   <p:sldIdLst>
-    <p:sldId id="256" r:id="rId2"/>
+    <p:sldId id="257" r:id="rId2"/>
   </p:sldIdLst>
   <p:sldSz cx="12599988" cy="12192000"/>
   <p:notesSz cx="6858000" cy="9144000"/>
@@ -141,204 +144,6 @@
             <pc:docMk/>
             <pc:sldMk cId="854095543" sldId="256"/>
             <ac:spMk id="27" creationId="{07B0B8F4-E8A7-5AA6-4E71-D12391340D4F}"/>
-          </ac:spMkLst>
-        </pc:spChg>
-      </pc:sldChg>
-    </pc:docChg>
-  </pc:docChgLst>
-  <pc:docChgLst>
-    <pc:chgData name="Yuichi Hattori" userId="c842edf0-40f4-4363-a2a1-86c6494c0f64" providerId="ADAL" clId="{1F004791-01D8-42AB-AC0B-527DC6BE7D58}"/>
-    <pc:docChg chg="undo custSel addSld delSld modSld">
-      <pc:chgData name="Yuichi Hattori" userId="c842edf0-40f4-4363-a2a1-86c6494c0f64" providerId="ADAL" clId="{1F004791-01D8-42AB-AC0B-527DC6BE7D58}" dt="2024-08-13T12:32:31.682" v="2523" actId="47"/>
-      <pc:docMkLst>
-        <pc:docMk/>
-      </pc:docMkLst>
-      <pc:sldChg chg="modSp mod">
-        <pc:chgData name="Yuichi Hattori" userId="c842edf0-40f4-4363-a2a1-86c6494c0f64" providerId="ADAL" clId="{1F004791-01D8-42AB-AC0B-527DC6BE7D58}" dt="2024-08-13T12:19:57.013" v="2521" actId="20577"/>
-        <pc:sldMkLst>
-          <pc:docMk/>
-          <pc:sldMk cId="854095543" sldId="256"/>
-        </pc:sldMkLst>
-        <pc:spChg chg="mod">
-          <ac:chgData name="Yuichi Hattori" userId="c842edf0-40f4-4363-a2a1-86c6494c0f64" providerId="ADAL" clId="{1F004791-01D8-42AB-AC0B-527DC6BE7D58}" dt="2024-08-13T12:19:21.040" v="2482" actId="20577"/>
-          <ac:spMkLst>
-            <pc:docMk/>
-            <pc:sldMk cId="854095543" sldId="256"/>
-            <ac:spMk id="12" creationId="{E5C9C006-4A67-8AC6-2330-45916F5BFB3B}"/>
-          </ac:spMkLst>
-        </pc:spChg>
-        <pc:spChg chg="mod">
-          <ac:chgData name="Yuichi Hattori" userId="c842edf0-40f4-4363-a2a1-86c6494c0f64" providerId="ADAL" clId="{1F004791-01D8-42AB-AC0B-527DC6BE7D58}" dt="2024-08-13T12:19:25.568" v="2487" actId="20577"/>
-          <ac:spMkLst>
-            <pc:docMk/>
-            <pc:sldMk cId="854095543" sldId="256"/>
-            <ac:spMk id="13" creationId="{B7FFE671-5460-1AA2-90B2-8B616F6A45EE}"/>
-          </ac:spMkLst>
-        </pc:spChg>
-        <pc:spChg chg="mod">
-          <ac:chgData name="Yuichi Hattori" userId="c842edf0-40f4-4363-a2a1-86c6494c0f64" providerId="ADAL" clId="{1F004791-01D8-42AB-AC0B-527DC6BE7D58}" dt="2024-08-13T12:19:57.013" v="2521" actId="20577"/>
-          <ac:spMkLst>
-            <pc:docMk/>
-            <pc:sldMk cId="854095543" sldId="256"/>
-            <ac:spMk id="14" creationId="{F9D6C107-45ED-2AC5-FAA7-454EAEAA6A99}"/>
-          </ac:spMkLst>
-        </pc:spChg>
-        <pc:spChg chg="mod">
-          <ac:chgData name="Yuichi Hattori" userId="c842edf0-40f4-4363-a2a1-86c6494c0f64" providerId="ADAL" clId="{1F004791-01D8-42AB-AC0B-527DC6BE7D58}" dt="2024-08-13T12:19:34.272" v="2497" actId="20577"/>
-          <ac:spMkLst>
-            <pc:docMk/>
-            <pc:sldMk cId="854095543" sldId="256"/>
-            <ac:spMk id="15" creationId="{B8376F84-8A9B-A021-F029-41468E96DBD3}"/>
-          </ac:spMkLst>
-        </pc:spChg>
-        <pc:spChg chg="mod">
-          <ac:chgData name="Yuichi Hattori" userId="c842edf0-40f4-4363-a2a1-86c6494c0f64" providerId="ADAL" clId="{1F004791-01D8-42AB-AC0B-527DC6BE7D58}" dt="2024-08-13T12:19:09.527" v="2477" actId="20577"/>
-          <ac:spMkLst>
-            <pc:docMk/>
-            <pc:sldMk cId="854095543" sldId="256"/>
-            <ac:spMk id="17" creationId="{4AF3BE93-18DC-B112-0497-CAFFEDDD16B1}"/>
-          </ac:spMkLst>
-        </pc:spChg>
-        <pc:spChg chg="mod">
-          <ac:chgData name="Yuichi Hattori" userId="c842edf0-40f4-4363-a2a1-86c6494c0f64" providerId="ADAL" clId="{1F004791-01D8-42AB-AC0B-527DC6BE7D58}" dt="2024-08-13T12:18:59.323" v="2468" actId="20577"/>
-          <ac:spMkLst>
-            <pc:docMk/>
-            <pc:sldMk cId="854095543" sldId="256"/>
-            <ac:spMk id="19" creationId="{4B33A1A1-1482-2C67-EFA2-6FE3062DF2E2}"/>
-          </ac:spMkLst>
-        </pc:spChg>
-        <pc:spChg chg="mod">
-          <ac:chgData name="Yuichi Hattori" userId="c842edf0-40f4-4363-a2a1-86c6494c0f64" providerId="ADAL" clId="{1F004791-01D8-42AB-AC0B-527DC6BE7D58}" dt="2024-08-13T12:18:24.552" v="2448" actId="20577"/>
-          <ac:spMkLst>
-            <pc:docMk/>
-            <pc:sldMk cId="854095543" sldId="256"/>
-            <ac:spMk id="20" creationId="{472DCB68-BD79-6F43-6B2B-49CADD2683DE}"/>
-          </ac:spMkLst>
-        </pc:spChg>
-        <pc:spChg chg="mod">
-          <ac:chgData name="Yuichi Hattori" userId="c842edf0-40f4-4363-a2a1-86c6494c0f64" providerId="ADAL" clId="{1F004791-01D8-42AB-AC0B-527DC6BE7D58}" dt="2024-08-13T12:19:45.311" v="2509" actId="20577"/>
-          <ac:spMkLst>
-            <pc:docMk/>
-            <pc:sldMk cId="854095543" sldId="256"/>
-            <ac:spMk id="22" creationId="{6941B6DE-D326-2F14-9300-2495EB3A31F6}"/>
-          </ac:spMkLst>
-        </pc:spChg>
-        <pc:spChg chg="mod">
-          <ac:chgData name="Yuichi Hattori" userId="c842edf0-40f4-4363-a2a1-86c6494c0f64" providerId="ADAL" clId="{1F004791-01D8-42AB-AC0B-527DC6BE7D58}" dt="2024-08-13T12:17:58.550" v="2423" actId="404"/>
-          <ac:spMkLst>
-            <pc:docMk/>
-            <pc:sldMk cId="854095543" sldId="256"/>
-            <ac:spMk id="24" creationId="{1B11573A-8199-7EDA-C27B-8F442BEC3541}"/>
-          </ac:spMkLst>
-        </pc:spChg>
-        <pc:spChg chg="mod">
-          <ac:chgData name="Yuichi Hattori" userId="c842edf0-40f4-4363-a2a1-86c6494c0f64" providerId="ADAL" clId="{1F004791-01D8-42AB-AC0B-527DC6BE7D58}" dt="2024-08-13T12:18:13.585" v="2441" actId="20577"/>
-          <ac:spMkLst>
-            <pc:docMk/>
-            <pc:sldMk cId="854095543" sldId="256"/>
-            <ac:spMk id="26" creationId="{782E8FB4-5743-C5D1-A438-374CD5D45378}"/>
-          </ac:spMkLst>
-        </pc:spChg>
-        <pc:spChg chg="mod">
-          <ac:chgData name="Yuichi Hattori" userId="c842edf0-40f4-4363-a2a1-86c6494c0f64" providerId="ADAL" clId="{1F004791-01D8-42AB-AC0B-527DC6BE7D58}" dt="2024-08-13T12:18:07.114" v="2436" actId="20577"/>
-          <ac:spMkLst>
-            <pc:docMk/>
-            <pc:sldMk cId="854095543" sldId="256"/>
-            <ac:spMk id="27" creationId="{07B0B8F4-E8A7-5AA6-4E71-D12391340D4F}"/>
-          </ac:spMkLst>
-        </pc:spChg>
-        <pc:spChg chg="mod">
-          <ac:chgData name="Yuichi Hattori" userId="c842edf0-40f4-4363-a2a1-86c6494c0f64" providerId="ADAL" clId="{1F004791-01D8-42AB-AC0B-527DC6BE7D58}" dt="2024-08-13T12:19:41.021" v="2504" actId="20577"/>
-          <ac:spMkLst>
-            <pc:docMk/>
-            <pc:sldMk cId="854095543" sldId="256"/>
-            <ac:spMk id="28" creationId="{E111E584-CAE6-0464-5BC1-D05A8874BC5B}"/>
-          </ac:spMkLst>
-        </pc:spChg>
-        <pc:spChg chg="mod">
-          <ac:chgData name="Yuichi Hattori" userId="c842edf0-40f4-4363-a2a1-86c6494c0f64" providerId="ADAL" clId="{1F004791-01D8-42AB-AC0B-527DC6BE7D58}" dt="2024-08-13T12:19:51.801" v="2514" actId="20577"/>
-          <ac:spMkLst>
-            <pc:docMk/>
-            <pc:sldMk cId="854095543" sldId="256"/>
-            <ac:spMk id="30" creationId="{CAC70A18-77DE-724C-BB7F-6D52062E27B9}"/>
-          </ac:spMkLst>
-        </pc:spChg>
-        <pc:spChg chg="mod">
-          <ac:chgData name="Yuichi Hattori" userId="c842edf0-40f4-4363-a2a1-86c6494c0f64" providerId="ADAL" clId="{1F004791-01D8-42AB-AC0B-527DC6BE7D58}" dt="2024-08-13T12:18:43.642" v="2463" actId="20577"/>
-          <ac:spMkLst>
-            <pc:docMk/>
-            <pc:sldMk cId="854095543" sldId="256"/>
-            <ac:spMk id="31" creationId="{2FDCE38D-35FE-6355-2B91-87E25B1A6842}"/>
-          </ac:spMkLst>
-        </pc:spChg>
-        <pc:spChg chg="mod">
-          <ac:chgData name="Yuichi Hattori" userId="c842edf0-40f4-4363-a2a1-86c6494c0f64" providerId="ADAL" clId="{1F004791-01D8-42AB-AC0B-527DC6BE7D58}" dt="2024-08-13T12:18:33.839" v="2453" actId="20577"/>
-          <ac:spMkLst>
-            <pc:docMk/>
-            <pc:sldMk cId="854095543" sldId="256"/>
-            <ac:spMk id="32" creationId="{B186B924-59C7-DFEF-9A68-D688879BB6AE}"/>
-          </ac:spMkLst>
-        </pc:spChg>
-        <pc:spChg chg="mod">
-          <ac:chgData name="Yuichi Hattori" userId="c842edf0-40f4-4363-a2a1-86c6494c0f64" providerId="ADAL" clId="{1F004791-01D8-42AB-AC0B-527DC6BE7D58}" dt="2024-08-13T12:18:37.975" v="2458" actId="20577"/>
-          <ac:spMkLst>
-            <pc:docMk/>
-            <pc:sldMk cId="854095543" sldId="256"/>
-            <ac:spMk id="36" creationId="{7334DB38-816D-720D-0FD1-36379171817E}"/>
-          </ac:spMkLst>
-        </pc:spChg>
-      </pc:sldChg>
-      <pc:sldChg chg="addSp delSp modSp new del mod">
-        <pc:chgData name="Yuichi Hattori" userId="c842edf0-40f4-4363-a2a1-86c6494c0f64" providerId="ADAL" clId="{1F004791-01D8-42AB-AC0B-527DC6BE7D58}" dt="2024-08-13T12:31:11.577" v="2522" actId="47"/>
-        <pc:sldMkLst>
-          <pc:docMk/>
-          <pc:sldMk cId="731119452" sldId="257"/>
-        </pc:sldMkLst>
-        <pc:spChg chg="mod">
-          <ac:chgData name="Yuichi Hattori" userId="c842edf0-40f4-4363-a2a1-86c6494c0f64" providerId="ADAL" clId="{1F004791-01D8-42AB-AC0B-527DC6BE7D58}" dt="2024-08-07T06:45:48.369" v="15" actId="1076"/>
-          <ac:spMkLst>
-            <pc:docMk/>
-            <pc:sldMk cId="731119452" sldId="257"/>
-            <ac:spMk id="2" creationId="{A5D8ACF6-6BB1-708D-DE6C-C32D5B3361A0}"/>
-          </ac:spMkLst>
-        </pc:spChg>
-        <pc:spChg chg="del mod">
-          <ac:chgData name="Yuichi Hattori" userId="c842edf0-40f4-4363-a2a1-86c6494c0f64" providerId="ADAL" clId="{1F004791-01D8-42AB-AC0B-527DC6BE7D58}" dt="2024-08-07T06:45:28.127" v="10" actId="478"/>
-          <ac:spMkLst>
-            <pc:docMk/>
-            <pc:sldMk cId="731119452" sldId="257"/>
-            <ac:spMk id="3" creationId="{5AE622C4-F73D-1636-CA1C-5B17F175A739}"/>
-          </ac:spMkLst>
-        </pc:spChg>
-        <pc:spChg chg="add mod">
-          <ac:chgData name="Yuichi Hattori" userId="c842edf0-40f4-4363-a2a1-86c6494c0f64" providerId="ADAL" clId="{1F004791-01D8-42AB-AC0B-527DC6BE7D58}" dt="2024-08-07T11:23:25.082" v="2409" actId="20577"/>
-          <ac:spMkLst>
-            <pc:docMk/>
-            <pc:sldMk cId="731119452" sldId="257"/>
-            <ac:spMk id="4" creationId="{BBBEC10A-94ED-336A-A2EB-8A5EF40E2505}"/>
-          </ac:spMkLst>
-        </pc:spChg>
-      </pc:sldChg>
-      <pc:sldChg chg="modSp add del mod">
-        <pc:chgData name="Yuichi Hattori" userId="c842edf0-40f4-4363-a2a1-86c6494c0f64" providerId="ADAL" clId="{1F004791-01D8-42AB-AC0B-527DC6BE7D58}" dt="2024-08-13T12:32:31.682" v="2523" actId="47"/>
-        <pc:sldMkLst>
-          <pc:docMk/>
-          <pc:sldMk cId="4031894111" sldId="258"/>
-        </pc:sldMkLst>
-        <pc:spChg chg="mod">
-          <ac:chgData name="Yuichi Hattori" userId="c842edf0-40f4-4363-a2a1-86c6494c0f64" providerId="ADAL" clId="{1F004791-01D8-42AB-AC0B-527DC6BE7D58}" dt="2024-08-07T06:50:56.706" v="144" actId="20577"/>
-          <ac:spMkLst>
-            <pc:docMk/>
-            <pc:sldMk cId="4031894111" sldId="258"/>
-            <ac:spMk id="2" creationId="{A5D8ACF6-6BB1-708D-DE6C-C32D5B3361A0}"/>
-          </ac:spMkLst>
-        </pc:spChg>
-        <pc:spChg chg="mod">
-          <ac:chgData name="Yuichi Hattori" userId="c842edf0-40f4-4363-a2a1-86c6494c0f64" providerId="ADAL" clId="{1F004791-01D8-42AB-AC0B-527DC6BE7D58}" dt="2024-08-07T11:02:27.999" v="1668" actId="20577"/>
-          <ac:spMkLst>
-            <pc:docMk/>
-            <pc:sldMk cId="4031894111" sldId="258"/>
-            <ac:spMk id="4" creationId="{BBBEC10A-94ED-336A-A2EB-8A5EF40E2505}"/>
           </ac:spMkLst>
         </pc:spChg>
       </pc:sldChg>
@@ -680,7 +485,670 @@
       </pc:sldChg>
     </pc:docChg>
   </pc:docChgLst>
+  <pc:docChgLst>
+    <pc:chgData name="Yuichi Hattori" userId="c842edf0-40f4-4363-a2a1-86c6494c0f64" providerId="ADAL" clId="{1F004791-01D8-42AB-AC0B-527DC6BE7D58}"/>
+    <pc:docChg chg="undo custSel addSld delSld modSld">
+      <pc:chgData name="Yuichi Hattori" userId="c842edf0-40f4-4363-a2a1-86c6494c0f64" providerId="ADAL" clId="{1F004791-01D8-42AB-AC0B-527DC6BE7D58}" dt="2024-08-13T12:32:31.682" v="2523" actId="47"/>
+      <pc:docMkLst>
+        <pc:docMk/>
+      </pc:docMkLst>
+      <pc:sldChg chg="modSp mod">
+        <pc:chgData name="Yuichi Hattori" userId="c842edf0-40f4-4363-a2a1-86c6494c0f64" providerId="ADAL" clId="{1F004791-01D8-42AB-AC0B-527DC6BE7D58}" dt="2024-08-13T12:19:57.013" v="2521" actId="20577"/>
+        <pc:sldMkLst>
+          <pc:docMk/>
+          <pc:sldMk cId="854095543" sldId="256"/>
+        </pc:sldMkLst>
+        <pc:spChg chg="mod">
+          <ac:chgData name="Yuichi Hattori" userId="c842edf0-40f4-4363-a2a1-86c6494c0f64" providerId="ADAL" clId="{1F004791-01D8-42AB-AC0B-527DC6BE7D58}" dt="2024-08-13T12:19:21.040" v="2482" actId="20577"/>
+          <ac:spMkLst>
+            <pc:docMk/>
+            <pc:sldMk cId="854095543" sldId="256"/>
+            <ac:spMk id="12" creationId="{E5C9C006-4A67-8AC6-2330-45916F5BFB3B}"/>
+          </ac:spMkLst>
+        </pc:spChg>
+        <pc:spChg chg="mod">
+          <ac:chgData name="Yuichi Hattori" userId="c842edf0-40f4-4363-a2a1-86c6494c0f64" providerId="ADAL" clId="{1F004791-01D8-42AB-AC0B-527DC6BE7D58}" dt="2024-08-13T12:19:25.568" v="2487" actId="20577"/>
+          <ac:spMkLst>
+            <pc:docMk/>
+            <pc:sldMk cId="854095543" sldId="256"/>
+            <ac:spMk id="13" creationId="{B7FFE671-5460-1AA2-90B2-8B616F6A45EE}"/>
+          </ac:spMkLst>
+        </pc:spChg>
+        <pc:spChg chg="mod">
+          <ac:chgData name="Yuichi Hattori" userId="c842edf0-40f4-4363-a2a1-86c6494c0f64" providerId="ADAL" clId="{1F004791-01D8-42AB-AC0B-527DC6BE7D58}" dt="2024-08-13T12:19:57.013" v="2521" actId="20577"/>
+          <ac:spMkLst>
+            <pc:docMk/>
+            <pc:sldMk cId="854095543" sldId="256"/>
+            <ac:spMk id="14" creationId="{F9D6C107-45ED-2AC5-FAA7-454EAEAA6A99}"/>
+          </ac:spMkLst>
+        </pc:spChg>
+        <pc:spChg chg="mod">
+          <ac:chgData name="Yuichi Hattori" userId="c842edf0-40f4-4363-a2a1-86c6494c0f64" providerId="ADAL" clId="{1F004791-01D8-42AB-AC0B-527DC6BE7D58}" dt="2024-08-13T12:19:34.272" v="2497" actId="20577"/>
+          <ac:spMkLst>
+            <pc:docMk/>
+            <pc:sldMk cId="854095543" sldId="256"/>
+            <ac:spMk id="15" creationId="{B8376F84-8A9B-A021-F029-41468E96DBD3}"/>
+          </ac:spMkLst>
+        </pc:spChg>
+        <pc:spChg chg="mod">
+          <ac:chgData name="Yuichi Hattori" userId="c842edf0-40f4-4363-a2a1-86c6494c0f64" providerId="ADAL" clId="{1F004791-01D8-42AB-AC0B-527DC6BE7D58}" dt="2024-08-13T12:19:09.527" v="2477" actId="20577"/>
+          <ac:spMkLst>
+            <pc:docMk/>
+            <pc:sldMk cId="854095543" sldId="256"/>
+            <ac:spMk id="17" creationId="{4AF3BE93-18DC-B112-0497-CAFFEDDD16B1}"/>
+          </ac:spMkLst>
+        </pc:spChg>
+        <pc:spChg chg="mod">
+          <ac:chgData name="Yuichi Hattori" userId="c842edf0-40f4-4363-a2a1-86c6494c0f64" providerId="ADAL" clId="{1F004791-01D8-42AB-AC0B-527DC6BE7D58}" dt="2024-08-13T12:18:59.323" v="2468" actId="20577"/>
+          <ac:spMkLst>
+            <pc:docMk/>
+            <pc:sldMk cId="854095543" sldId="256"/>
+            <ac:spMk id="19" creationId="{4B33A1A1-1482-2C67-EFA2-6FE3062DF2E2}"/>
+          </ac:spMkLst>
+        </pc:spChg>
+        <pc:spChg chg="mod">
+          <ac:chgData name="Yuichi Hattori" userId="c842edf0-40f4-4363-a2a1-86c6494c0f64" providerId="ADAL" clId="{1F004791-01D8-42AB-AC0B-527DC6BE7D58}" dt="2024-08-13T12:18:24.552" v="2448" actId="20577"/>
+          <ac:spMkLst>
+            <pc:docMk/>
+            <pc:sldMk cId="854095543" sldId="256"/>
+            <ac:spMk id="20" creationId="{472DCB68-BD79-6F43-6B2B-49CADD2683DE}"/>
+          </ac:spMkLst>
+        </pc:spChg>
+        <pc:spChg chg="mod">
+          <ac:chgData name="Yuichi Hattori" userId="c842edf0-40f4-4363-a2a1-86c6494c0f64" providerId="ADAL" clId="{1F004791-01D8-42AB-AC0B-527DC6BE7D58}" dt="2024-08-13T12:19:45.311" v="2509" actId="20577"/>
+          <ac:spMkLst>
+            <pc:docMk/>
+            <pc:sldMk cId="854095543" sldId="256"/>
+            <ac:spMk id="22" creationId="{6941B6DE-D326-2F14-9300-2495EB3A31F6}"/>
+          </ac:spMkLst>
+        </pc:spChg>
+        <pc:spChg chg="mod">
+          <ac:chgData name="Yuichi Hattori" userId="c842edf0-40f4-4363-a2a1-86c6494c0f64" providerId="ADAL" clId="{1F004791-01D8-42AB-AC0B-527DC6BE7D58}" dt="2024-08-13T12:17:58.550" v="2423" actId="404"/>
+          <ac:spMkLst>
+            <pc:docMk/>
+            <pc:sldMk cId="854095543" sldId="256"/>
+            <ac:spMk id="24" creationId="{1B11573A-8199-7EDA-C27B-8F442BEC3541}"/>
+          </ac:spMkLst>
+        </pc:spChg>
+        <pc:spChg chg="mod">
+          <ac:chgData name="Yuichi Hattori" userId="c842edf0-40f4-4363-a2a1-86c6494c0f64" providerId="ADAL" clId="{1F004791-01D8-42AB-AC0B-527DC6BE7D58}" dt="2024-08-13T12:18:13.585" v="2441" actId="20577"/>
+          <ac:spMkLst>
+            <pc:docMk/>
+            <pc:sldMk cId="854095543" sldId="256"/>
+            <ac:spMk id="26" creationId="{782E8FB4-5743-C5D1-A438-374CD5D45378}"/>
+          </ac:spMkLst>
+        </pc:spChg>
+        <pc:spChg chg="mod">
+          <ac:chgData name="Yuichi Hattori" userId="c842edf0-40f4-4363-a2a1-86c6494c0f64" providerId="ADAL" clId="{1F004791-01D8-42AB-AC0B-527DC6BE7D58}" dt="2024-08-13T12:18:07.114" v="2436" actId="20577"/>
+          <ac:spMkLst>
+            <pc:docMk/>
+            <pc:sldMk cId="854095543" sldId="256"/>
+            <ac:spMk id="27" creationId="{07B0B8F4-E8A7-5AA6-4E71-D12391340D4F}"/>
+          </ac:spMkLst>
+        </pc:spChg>
+        <pc:spChg chg="mod">
+          <ac:chgData name="Yuichi Hattori" userId="c842edf0-40f4-4363-a2a1-86c6494c0f64" providerId="ADAL" clId="{1F004791-01D8-42AB-AC0B-527DC6BE7D58}" dt="2024-08-13T12:19:41.021" v="2504" actId="20577"/>
+          <ac:spMkLst>
+            <pc:docMk/>
+            <pc:sldMk cId="854095543" sldId="256"/>
+            <ac:spMk id="28" creationId="{E111E584-CAE6-0464-5BC1-D05A8874BC5B}"/>
+          </ac:spMkLst>
+        </pc:spChg>
+        <pc:spChg chg="mod">
+          <ac:chgData name="Yuichi Hattori" userId="c842edf0-40f4-4363-a2a1-86c6494c0f64" providerId="ADAL" clId="{1F004791-01D8-42AB-AC0B-527DC6BE7D58}" dt="2024-08-13T12:19:51.801" v="2514" actId="20577"/>
+          <ac:spMkLst>
+            <pc:docMk/>
+            <pc:sldMk cId="854095543" sldId="256"/>
+            <ac:spMk id="30" creationId="{CAC70A18-77DE-724C-BB7F-6D52062E27B9}"/>
+          </ac:spMkLst>
+        </pc:spChg>
+        <pc:spChg chg="mod">
+          <ac:chgData name="Yuichi Hattori" userId="c842edf0-40f4-4363-a2a1-86c6494c0f64" providerId="ADAL" clId="{1F004791-01D8-42AB-AC0B-527DC6BE7D58}" dt="2024-08-13T12:18:43.642" v="2463" actId="20577"/>
+          <ac:spMkLst>
+            <pc:docMk/>
+            <pc:sldMk cId="854095543" sldId="256"/>
+            <ac:spMk id="31" creationId="{2FDCE38D-35FE-6355-2B91-87E25B1A6842}"/>
+          </ac:spMkLst>
+        </pc:spChg>
+        <pc:spChg chg="mod">
+          <ac:chgData name="Yuichi Hattori" userId="c842edf0-40f4-4363-a2a1-86c6494c0f64" providerId="ADAL" clId="{1F004791-01D8-42AB-AC0B-527DC6BE7D58}" dt="2024-08-13T12:18:33.839" v="2453" actId="20577"/>
+          <ac:spMkLst>
+            <pc:docMk/>
+            <pc:sldMk cId="854095543" sldId="256"/>
+            <ac:spMk id="32" creationId="{B186B924-59C7-DFEF-9A68-D688879BB6AE}"/>
+          </ac:spMkLst>
+        </pc:spChg>
+        <pc:spChg chg="mod">
+          <ac:chgData name="Yuichi Hattori" userId="c842edf0-40f4-4363-a2a1-86c6494c0f64" providerId="ADAL" clId="{1F004791-01D8-42AB-AC0B-527DC6BE7D58}" dt="2024-08-13T12:18:37.975" v="2458" actId="20577"/>
+          <ac:spMkLst>
+            <pc:docMk/>
+            <pc:sldMk cId="854095543" sldId="256"/>
+            <ac:spMk id="36" creationId="{7334DB38-816D-720D-0FD1-36379171817E}"/>
+          </ac:spMkLst>
+        </pc:spChg>
+      </pc:sldChg>
+      <pc:sldChg chg="addSp delSp modSp new del mod">
+        <pc:chgData name="Yuichi Hattori" userId="c842edf0-40f4-4363-a2a1-86c6494c0f64" providerId="ADAL" clId="{1F004791-01D8-42AB-AC0B-527DC6BE7D58}" dt="2024-08-13T12:31:11.577" v="2522" actId="47"/>
+        <pc:sldMkLst>
+          <pc:docMk/>
+          <pc:sldMk cId="731119452" sldId="257"/>
+        </pc:sldMkLst>
+        <pc:spChg chg="mod">
+          <ac:chgData name="Yuichi Hattori" userId="c842edf0-40f4-4363-a2a1-86c6494c0f64" providerId="ADAL" clId="{1F004791-01D8-42AB-AC0B-527DC6BE7D58}" dt="2024-08-07T06:45:48.369" v="15" actId="1076"/>
+          <ac:spMkLst>
+            <pc:docMk/>
+            <pc:sldMk cId="731119452" sldId="257"/>
+            <ac:spMk id="2" creationId="{A5D8ACF6-6BB1-708D-DE6C-C32D5B3361A0}"/>
+          </ac:spMkLst>
+        </pc:spChg>
+        <pc:spChg chg="del mod">
+          <ac:chgData name="Yuichi Hattori" userId="c842edf0-40f4-4363-a2a1-86c6494c0f64" providerId="ADAL" clId="{1F004791-01D8-42AB-AC0B-527DC6BE7D58}" dt="2024-08-07T06:45:28.127" v="10" actId="478"/>
+          <ac:spMkLst>
+            <pc:docMk/>
+            <pc:sldMk cId="731119452" sldId="257"/>
+            <ac:spMk id="3" creationId="{5AE622C4-F73D-1636-CA1C-5B17F175A739}"/>
+          </ac:spMkLst>
+        </pc:spChg>
+        <pc:spChg chg="add mod">
+          <ac:chgData name="Yuichi Hattori" userId="c842edf0-40f4-4363-a2a1-86c6494c0f64" providerId="ADAL" clId="{1F004791-01D8-42AB-AC0B-527DC6BE7D58}" dt="2024-08-07T11:23:25.082" v="2409" actId="20577"/>
+          <ac:spMkLst>
+            <pc:docMk/>
+            <pc:sldMk cId="731119452" sldId="257"/>
+            <ac:spMk id="4" creationId="{BBBEC10A-94ED-336A-A2EB-8A5EF40E2505}"/>
+          </ac:spMkLst>
+        </pc:spChg>
+      </pc:sldChg>
+      <pc:sldChg chg="modSp add del mod">
+        <pc:chgData name="Yuichi Hattori" userId="c842edf0-40f4-4363-a2a1-86c6494c0f64" providerId="ADAL" clId="{1F004791-01D8-42AB-AC0B-527DC6BE7D58}" dt="2024-08-13T12:32:31.682" v="2523" actId="47"/>
+        <pc:sldMkLst>
+          <pc:docMk/>
+          <pc:sldMk cId="4031894111" sldId="258"/>
+        </pc:sldMkLst>
+        <pc:spChg chg="mod">
+          <ac:chgData name="Yuichi Hattori" userId="c842edf0-40f4-4363-a2a1-86c6494c0f64" providerId="ADAL" clId="{1F004791-01D8-42AB-AC0B-527DC6BE7D58}" dt="2024-08-07T06:50:56.706" v="144" actId="20577"/>
+          <ac:spMkLst>
+            <pc:docMk/>
+            <pc:sldMk cId="4031894111" sldId="258"/>
+            <ac:spMk id="2" creationId="{A5D8ACF6-6BB1-708D-DE6C-C32D5B3361A0}"/>
+          </ac:spMkLst>
+        </pc:spChg>
+        <pc:spChg chg="mod">
+          <ac:chgData name="Yuichi Hattori" userId="c842edf0-40f4-4363-a2a1-86c6494c0f64" providerId="ADAL" clId="{1F004791-01D8-42AB-AC0B-527DC6BE7D58}" dt="2024-08-07T11:02:27.999" v="1668" actId="20577"/>
+          <ac:spMkLst>
+            <pc:docMk/>
+            <pc:sldMk cId="4031894111" sldId="258"/>
+            <ac:spMk id="4" creationId="{BBBEC10A-94ED-336A-A2EB-8A5EF40E2505}"/>
+          </ac:spMkLst>
+        </pc:spChg>
+      </pc:sldChg>
+    </pc:docChg>
+  </pc:docChgLst>
 </pc:chgInfo>
+</file>
+
+<file path=ppt/notesMasters/notesMaster1.xml><?xml version="1.0" encoding="utf-8"?>
+<p:notesMaster xmlns:a="http://schemas.openxmlformats.org/drawingml/2006/main" xmlns:r="http://schemas.openxmlformats.org/officeDocument/2006/relationships" xmlns:p="http://schemas.openxmlformats.org/presentationml/2006/main">
+  <p:cSld>
+    <p:bg>
+      <p:bgRef idx="1001">
+        <a:schemeClr val="bg1"/>
+      </p:bgRef>
+    </p:bg>
+    <p:spTree>
+      <p:nvGrpSpPr>
+        <p:cNvPr id="1" name=""/>
+        <p:cNvGrpSpPr/>
+        <p:nvPr/>
+      </p:nvGrpSpPr>
+      <p:grpSpPr>
+        <a:xfrm>
+          <a:off x="0" y="0"/>
+          <a:ext cx="0" cy="0"/>
+          <a:chOff x="0" y="0"/>
+          <a:chExt cx="0" cy="0"/>
+        </a:xfrm>
+      </p:grpSpPr>
+      <p:sp>
+        <p:nvSpPr>
+          <p:cNvPr id="2" name="ヘッダー プレースホルダー 1"/>
+          <p:cNvSpPr>
+            <a:spLocks noGrp="1"/>
+          </p:cNvSpPr>
+          <p:nvPr>
+            <p:ph type="hdr" sz="quarter"/>
+          </p:nvPr>
+        </p:nvSpPr>
+        <p:spPr>
+          <a:xfrm>
+            <a:off x="0" y="0"/>
+            <a:ext cx="2971800" cy="458788"/>
+          </a:xfrm>
+          <a:prstGeom prst="rect">
+            <a:avLst/>
+          </a:prstGeom>
+        </p:spPr>
+        <p:txBody>
+          <a:bodyPr vert="horz" lIns="91440" tIns="45720" rIns="91440" bIns="45720" rtlCol="0"/>
+          <a:lstStyle>
+            <a:lvl1pPr algn="l">
+              <a:defRPr sz="1200"/>
+            </a:lvl1pPr>
+          </a:lstStyle>
+          <a:p>
+            <a:endParaRPr kumimoji="1" lang="ja-JP" altLang="en-US"/>
+          </a:p>
+        </p:txBody>
+      </p:sp>
+      <p:sp>
+        <p:nvSpPr>
+          <p:cNvPr id="3" name="日付プレースホルダー 2"/>
+          <p:cNvSpPr>
+            <a:spLocks noGrp="1"/>
+          </p:cNvSpPr>
+          <p:nvPr>
+            <p:ph type="dt" idx="1"/>
+          </p:nvPr>
+        </p:nvSpPr>
+        <p:spPr>
+          <a:xfrm>
+            <a:off x="3884613" y="0"/>
+            <a:ext cx="2971800" cy="458788"/>
+          </a:xfrm>
+          <a:prstGeom prst="rect">
+            <a:avLst/>
+          </a:prstGeom>
+        </p:spPr>
+        <p:txBody>
+          <a:bodyPr vert="horz" lIns="91440" tIns="45720" rIns="91440" bIns="45720" rtlCol="0"/>
+          <a:lstStyle>
+            <a:lvl1pPr algn="r">
+              <a:defRPr sz="1200"/>
+            </a:lvl1pPr>
+          </a:lstStyle>
+          <a:p>
+            <a:fld id="{7B734C14-2306-2545-BC6B-4C22FF154C55}" type="datetimeFigureOut">
+              <a:rPr kumimoji="1" lang="ja-JP" altLang="en-US" smtClean="0"/>
+              <a:t>2025/1/31</a:t>
+            </a:fld>
+            <a:endParaRPr kumimoji="1" lang="ja-JP" altLang="en-US"/>
+          </a:p>
+        </p:txBody>
+      </p:sp>
+      <p:sp>
+        <p:nvSpPr>
+          <p:cNvPr id="4" name="スライド イメージ プレースホルダー 3"/>
+          <p:cNvSpPr>
+            <a:spLocks noGrp="1" noRot="1" noChangeAspect="1"/>
+          </p:cNvSpPr>
+          <p:nvPr>
+            <p:ph type="sldImg" idx="2"/>
+          </p:nvPr>
+        </p:nvSpPr>
+        <p:spPr>
+          <a:xfrm>
+            <a:off x="1833563" y="1143000"/>
+            <a:ext cx="3190875" cy="3086100"/>
+          </a:xfrm>
+          <a:prstGeom prst="rect">
+            <a:avLst/>
+          </a:prstGeom>
+          <a:noFill/>
+          <a:ln w="12700">
+            <a:solidFill>
+              <a:prstClr val="black"/>
+            </a:solidFill>
+          </a:ln>
+        </p:spPr>
+        <p:txBody>
+          <a:bodyPr vert="horz" lIns="91440" tIns="45720" rIns="91440" bIns="45720" rtlCol="0" anchor="ctr"/>
+          <a:lstStyle/>
+          <a:p>
+            <a:endParaRPr lang="ja-JP" altLang="en-US"/>
+          </a:p>
+        </p:txBody>
+      </p:sp>
+      <p:sp>
+        <p:nvSpPr>
+          <p:cNvPr id="5" name="ノート プレースホルダー 4"/>
+          <p:cNvSpPr>
+            <a:spLocks noGrp="1"/>
+          </p:cNvSpPr>
+          <p:nvPr>
+            <p:ph type="body" sz="quarter" idx="3"/>
+          </p:nvPr>
+        </p:nvSpPr>
+        <p:spPr>
+          <a:xfrm>
+            <a:off x="685800" y="4400550"/>
+            <a:ext cx="5486400" cy="3600450"/>
+          </a:xfrm>
+          <a:prstGeom prst="rect">
+            <a:avLst/>
+          </a:prstGeom>
+        </p:spPr>
+        <p:txBody>
+          <a:bodyPr vert="horz" lIns="91440" tIns="45720" rIns="91440" bIns="45720" rtlCol="0"/>
+          <a:lstStyle/>
+          <a:p>
+            <a:pPr lvl="0"/>
+            <a:r>
+              <a:rPr kumimoji="1" lang="ja-JP" altLang="en-US"/>
+              <a:t>マスター テキストの書式設定</a:t>
+            </a:r>
+          </a:p>
+          <a:p>
+            <a:pPr lvl="1"/>
+            <a:r>
+              <a:rPr kumimoji="1" lang="ja-JP" altLang="en-US"/>
+              <a:t>第 </a:t>
+            </a:r>
+            <a:r>
+              <a:rPr kumimoji="1" lang="en-US" altLang="ja-JP"/>
+              <a:t>2 </a:t>
+            </a:r>
+            <a:r>
+              <a:rPr kumimoji="1" lang="ja-JP" altLang="en-US"/>
+              <a:t>レベル</a:t>
+            </a:r>
+          </a:p>
+          <a:p>
+            <a:pPr lvl="2"/>
+            <a:r>
+              <a:rPr kumimoji="1" lang="ja-JP" altLang="en-US"/>
+              <a:t>第 </a:t>
+            </a:r>
+            <a:r>
+              <a:rPr kumimoji="1" lang="en-US" altLang="ja-JP"/>
+              <a:t>3 </a:t>
+            </a:r>
+            <a:r>
+              <a:rPr kumimoji="1" lang="ja-JP" altLang="en-US"/>
+              <a:t>レベル</a:t>
+            </a:r>
+          </a:p>
+          <a:p>
+            <a:pPr lvl="3"/>
+            <a:r>
+              <a:rPr kumimoji="1" lang="ja-JP" altLang="en-US"/>
+              <a:t>第 </a:t>
+            </a:r>
+            <a:r>
+              <a:rPr kumimoji="1" lang="en-US" altLang="ja-JP"/>
+              <a:t>4 </a:t>
+            </a:r>
+            <a:r>
+              <a:rPr kumimoji="1" lang="ja-JP" altLang="en-US"/>
+              <a:t>レベル</a:t>
+            </a:r>
+          </a:p>
+          <a:p>
+            <a:pPr lvl="4"/>
+            <a:r>
+              <a:rPr kumimoji="1" lang="ja-JP" altLang="en-US"/>
+              <a:t>第 </a:t>
+            </a:r>
+            <a:r>
+              <a:rPr kumimoji="1" lang="en-US" altLang="ja-JP"/>
+              <a:t>5 </a:t>
+            </a:r>
+            <a:r>
+              <a:rPr kumimoji="1" lang="ja-JP" altLang="en-US"/>
+              <a:t>レベル</a:t>
+            </a:r>
+          </a:p>
+        </p:txBody>
+      </p:sp>
+      <p:sp>
+        <p:nvSpPr>
+          <p:cNvPr id="6" name="フッター プレースホルダー 5"/>
+          <p:cNvSpPr>
+            <a:spLocks noGrp="1"/>
+          </p:cNvSpPr>
+          <p:nvPr>
+            <p:ph type="ftr" sz="quarter" idx="4"/>
+          </p:nvPr>
+        </p:nvSpPr>
+        <p:spPr>
+          <a:xfrm>
+            <a:off x="0" y="8685213"/>
+            <a:ext cx="2971800" cy="458787"/>
+          </a:xfrm>
+          <a:prstGeom prst="rect">
+            <a:avLst/>
+          </a:prstGeom>
+        </p:spPr>
+        <p:txBody>
+          <a:bodyPr vert="horz" lIns="91440" tIns="45720" rIns="91440" bIns="45720" rtlCol="0" anchor="b"/>
+          <a:lstStyle>
+            <a:lvl1pPr algn="l">
+              <a:defRPr sz="1200"/>
+            </a:lvl1pPr>
+          </a:lstStyle>
+          <a:p>
+            <a:endParaRPr kumimoji="1" lang="ja-JP" altLang="en-US"/>
+          </a:p>
+        </p:txBody>
+      </p:sp>
+      <p:sp>
+        <p:nvSpPr>
+          <p:cNvPr id="7" name="スライド番号プレースホルダー 6"/>
+          <p:cNvSpPr>
+            <a:spLocks noGrp="1"/>
+          </p:cNvSpPr>
+          <p:nvPr>
+            <p:ph type="sldNum" sz="quarter" idx="5"/>
+          </p:nvPr>
+        </p:nvSpPr>
+        <p:spPr>
+          <a:xfrm>
+            <a:off x="3884613" y="8685213"/>
+            <a:ext cx="2971800" cy="458787"/>
+          </a:xfrm>
+          <a:prstGeom prst="rect">
+            <a:avLst/>
+          </a:prstGeom>
+        </p:spPr>
+        <p:txBody>
+          <a:bodyPr vert="horz" lIns="91440" tIns="45720" rIns="91440" bIns="45720" rtlCol="0" anchor="b"/>
+          <a:lstStyle>
+            <a:lvl1pPr algn="r">
+              <a:defRPr sz="1200"/>
+            </a:lvl1pPr>
+          </a:lstStyle>
+          <a:p>
+            <a:fld id="{F18824AD-C177-D14E-9BAB-E7EA39513582}" type="slidenum">
+              <a:rPr kumimoji="1" lang="ja-JP" altLang="en-US" smtClean="0"/>
+              <a:t>‹#›</a:t>
+            </a:fld>
+            <a:endParaRPr kumimoji="1" lang="ja-JP" altLang="en-US"/>
+          </a:p>
+        </p:txBody>
+      </p:sp>
+    </p:spTree>
+    <p:extLst>
+      <p:ext uri="{BB962C8B-B14F-4D97-AF65-F5344CB8AC3E}">
+        <p14:creationId xmlns:p14="http://schemas.microsoft.com/office/powerpoint/2010/main" val="488913739"/>
+      </p:ext>
+    </p:extLst>
+  </p:cSld>
+  <p:clrMap bg1="lt1" tx1="dk1" bg2="lt2" tx2="dk2" accent1="accent1" accent2="accent2" accent3="accent3" accent4="accent4" accent5="accent5" accent6="accent6" hlink="hlink" folHlink="folHlink"/>
+  <p:notesStyle>
+    <a:lvl1pPr marL="0" algn="l" defTabSz="914400" rtl="0" eaLnBrk="1" latinLnBrk="0" hangingPunct="1">
+      <a:defRPr kumimoji="1" sz="1200" kern="1200">
+        <a:solidFill>
+          <a:schemeClr val="tx1"/>
+        </a:solidFill>
+        <a:latin typeface="+mn-lt"/>
+        <a:ea typeface="+mn-ea"/>
+        <a:cs typeface="+mn-cs"/>
+      </a:defRPr>
+    </a:lvl1pPr>
+    <a:lvl2pPr marL="457200" algn="l" defTabSz="914400" rtl="0" eaLnBrk="1" latinLnBrk="0" hangingPunct="1">
+      <a:defRPr kumimoji="1" sz="1200" kern="1200">
+        <a:solidFill>
+          <a:schemeClr val="tx1"/>
+        </a:solidFill>
+        <a:latin typeface="+mn-lt"/>
+        <a:ea typeface="+mn-ea"/>
+        <a:cs typeface="+mn-cs"/>
+      </a:defRPr>
+    </a:lvl2pPr>
+    <a:lvl3pPr marL="914400" algn="l" defTabSz="914400" rtl="0" eaLnBrk="1" latinLnBrk="0" hangingPunct="1">
+      <a:defRPr kumimoji="1" sz="1200" kern="1200">
+        <a:solidFill>
+          <a:schemeClr val="tx1"/>
+        </a:solidFill>
+        <a:latin typeface="+mn-lt"/>
+        <a:ea typeface="+mn-ea"/>
+        <a:cs typeface="+mn-cs"/>
+      </a:defRPr>
+    </a:lvl3pPr>
+    <a:lvl4pPr marL="1371600" algn="l" defTabSz="914400" rtl="0" eaLnBrk="1" latinLnBrk="0" hangingPunct="1">
+      <a:defRPr kumimoji="1" sz="1200" kern="1200">
+        <a:solidFill>
+          <a:schemeClr val="tx1"/>
+        </a:solidFill>
+        <a:latin typeface="+mn-lt"/>
+        <a:ea typeface="+mn-ea"/>
+        <a:cs typeface="+mn-cs"/>
+      </a:defRPr>
+    </a:lvl4pPr>
+    <a:lvl5pPr marL="1828800" algn="l" defTabSz="914400" rtl="0" eaLnBrk="1" latinLnBrk="0" hangingPunct="1">
+      <a:defRPr kumimoji="1" sz="1200" kern="1200">
+        <a:solidFill>
+          <a:schemeClr val="tx1"/>
+        </a:solidFill>
+        <a:latin typeface="+mn-lt"/>
+        <a:ea typeface="+mn-ea"/>
+        <a:cs typeface="+mn-cs"/>
+      </a:defRPr>
+    </a:lvl5pPr>
+    <a:lvl6pPr marL="2286000" algn="l" defTabSz="914400" rtl="0" eaLnBrk="1" latinLnBrk="0" hangingPunct="1">
+      <a:defRPr kumimoji="1" sz="1200" kern="1200">
+        <a:solidFill>
+          <a:schemeClr val="tx1"/>
+        </a:solidFill>
+        <a:latin typeface="+mn-lt"/>
+        <a:ea typeface="+mn-ea"/>
+        <a:cs typeface="+mn-cs"/>
+      </a:defRPr>
+    </a:lvl6pPr>
+    <a:lvl7pPr marL="2743200" algn="l" defTabSz="914400" rtl="0" eaLnBrk="1" latinLnBrk="0" hangingPunct="1">
+      <a:defRPr kumimoji="1" sz="1200" kern="1200">
+        <a:solidFill>
+          <a:schemeClr val="tx1"/>
+        </a:solidFill>
+        <a:latin typeface="+mn-lt"/>
+        <a:ea typeface="+mn-ea"/>
+        <a:cs typeface="+mn-cs"/>
+      </a:defRPr>
+    </a:lvl7pPr>
+    <a:lvl8pPr marL="3200400" algn="l" defTabSz="914400" rtl="0" eaLnBrk="1" latinLnBrk="0" hangingPunct="1">
+      <a:defRPr kumimoji="1" sz="1200" kern="1200">
+        <a:solidFill>
+          <a:schemeClr val="tx1"/>
+        </a:solidFill>
+        <a:latin typeface="+mn-lt"/>
+        <a:ea typeface="+mn-ea"/>
+        <a:cs typeface="+mn-cs"/>
+      </a:defRPr>
+    </a:lvl8pPr>
+    <a:lvl9pPr marL="3657600" algn="l" defTabSz="914400" rtl="0" eaLnBrk="1" latinLnBrk="0" hangingPunct="1">
+      <a:defRPr kumimoji="1" sz="1200" kern="1200">
+        <a:solidFill>
+          <a:schemeClr val="tx1"/>
+        </a:solidFill>
+        <a:latin typeface="+mn-lt"/>
+        <a:ea typeface="+mn-ea"/>
+        <a:cs typeface="+mn-cs"/>
+      </a:defRPr>
+    </a:lvl9pPr>
+  </p:notesStyle>
+</p:notesMaster>
+</file>
+
+<file path=ppt/notesSlides/notesSlide1.xml><?xml version="1.0" encoding="utf-8"?>
+<p:notes xmlns:a="http://schemas.openxmlformats.org/drawingml/2006/main" xmlns:r="http://schemas.openxmlformats.org/officeDocument/2006/relationships" xmlns:p="http://schemas.openxmlformats.org/presentationml/2006/main">
+  <p:cSld>
+    <p:spTree>
+      <p:nvGrpSpPr>
+        <p:cNvPr id="1" name=""/>
+        <p:cNvGrpSpPr/>
+        <p:nvPr/>
+      </p:nvGrpSpPr>
+      <p:grpSpPr>
+        <a:xfrm>
+          <a:off x="0" y="0"/>
+          <a:ext cx="0" cy="0"/>
+          <a:chOff x="0" y="0"/>
+          <a:chExt cx="0" cy="0"/>
+        </a:xfrm>
+      </p:grpSpPr>
+      <p:sp>
+        <p:nvSpPr>
+          <p:cNvPr id="2" name="スライド イメージ プレースホルダー 1"/>
+          <p:cNvSpPr>
+            <a:spLocks noGrp="1" noRot="1" noChangeAspect="1"/>
+          </p:cNvSpPr>
+          <p:nvPr>
+            <p:ph type="sldImg"/>
+          </p:nvPr>
+        </p:nvSpPr>
+        <p:spPr/>
+      </p:sp>
+      <p:sp>
+        <p:nvSpPr>
+          <p:cNvPr id="3" name="ノート プレースホルダー 2"/>
+          <p:cNvSpPr>
+            <a:spLocks noGrp="1"/>
+          </p:cNvSpPr>
+          <p:nvPr>
+            <p:ph type="body" idx="1"/>
+          </p:nvPr>
+        </p:nvSpPr>
+        <p:spPr/>
+        <p:txBody>
+          <a:bodyPr/>
+          <a:lstStyle/>
+          <a:p>
+            <a:endParaRPr kumimoji="1" lang="ja-JP" altLang="en-US"/>
+          </a:p>
+        </p:txBody>
+      </p:sp>
+      <p:sp>
+        <p:nvSpPr>
+          <p:cNvPr id="4" name="スライド番号プレースホルダー 3"/>
+          <p:cNvSpPr>
+            <a:spLocks noGrp="1"/>
+          </p:cNvSpPr>
+          <p:nvPr>
+            <p:ph type="sldNum" sz="quarter" idx="5"/>
+          </p:nvPr>
+        </p:nvSpPr>
+        <p:spPr/>
+        <p:txBody>
+          <a:bodyPr/>
+          <a:lstStyle/>
+          <a:p>
+            <a:fld id="{F18824AD-C177-D14E-9BAB-E7EA39513582}" type="slidenum">
+              <a:rPr kumimoji="1" lang="ja-JP" altLang="en-US" smtClean="0"/>
+              <a:t>1</a:t>
+            </a:fld>
+            <a:endParaRPr kumimoji="1" lang="ja-JP" altLang="en-US"/>
+          </a:p>
+        </p:txBody>
+      </p:sp>
+    </p:spTree>
+    <p:extLst>
+      <p:ext uri="{BB962C8B-B14F-4D97-AF65-F5344CB8AC3E}">
+        <p14:creationId xmlns:p14="http://schemas.microsoft.com/office/powerpoint/2010/main" val="543710922"/>
+      </p:ext>
+    </p:extLst>
+  </p:cSld>
+  <p:clrMapOvr>
+    <a:masterClrMapping/>
+  </p:clrMapOvr>
+</p:notes>
 </file>
 
 <file path=ppt/slideLayouts/slideLayout1.xml><?xml version="1.0" encoding="utf-8"?>
@@ -814,7 +1282,7 @@
           <a:p>
             <a:fld id="{981E291A-47F3-4D59-B164-DD7DAEA1944A}" type="datetimeFigureOut">
               <a:rPr kumimoji="1" lang="ja-JP" altLang="en-US" smtClean="0"/>
-              <a:t>2024/11/29</a:t>
+              <a:t>2025/1/31</a:t>
             </a:fld>
             <a:endParaRPr kumimoji="1" lang="ja-JP" altLang="en-US"/>
           </a:p>
@@ -1016,7 +1484,7 @@
           <a:p>
             <a:fld id="{981E291A-47F3-4D59-B164-DD7DAEA1944A}" type="datetimeFigureOut">
               <a:rPr kumimoji="1" lang="ja-JP" altLang="en-US" smtClean="0"/>
-              <a:t>2024/11/29</a:t>
+              <a:t>2025/1/31</a:t>
             </a:fld>
             <a:endParaRPr kumimoji="1" lang="ja-JP" altLang="en-US"/>
           </a:p>
@@ -1228,7 +1696,7 @@
           <a:p>
             <a:fld id="{981E291A-47F3-4D59-B164-DD7DAEA1944A}" type="datetimeFigureOut">
               <a:rPr kumimoji="1" lang="ja-JP" altLang="en-US" smtClean="0"/>
-              <a:t>2024/11/29</a:t>
+              <a:t>2025/1/31</a:t>
             </a:fld>
             <a:endParaRPr kumimoji="1" lang="ja-JP" altLang="en-US"/>
           </a:p>
@@ -1430,7 +1898,7 @@
           <a:p>
             <a:fld id="{981E291A-47F3-4D59-B164-DD7DAEA1944A}" type="datetimeFigureOut">
               <a:rPr kumimoji="1" lang="ja-JP" altLang="en-US" smtClean="0"/>
-              <a:t>2024/11/29</a:t>
+              <a:t>2025/1/31</a:t>
             </a:fld>
             <a:endParaRPr kumimoji="1" lang="ja-JP" altLang="en-US"/>
           </a:p>
@@ -1676,7 +2144,7 @@
           <a:p>
             <a:fld id="{981E291A-47F3-4D59-B164-DD7DAEA1944A}" type="datetimeFigureOut">
               <a:rPr kumimoji="1" lang="ja-JP" altLang="en-US" smtClean="0"/>
-              <a:t>2024/11/29</a:t>
+              <a:t>2025/1/31</a:t>
             </a:fld>
             <a:endParaRPr kumimoji="1" lang="ja-JP" altLang="en-US"/>
           </a:p>
@@ -1972,7 +2440,7 @@
           <a:p>
             <a:fld id="{981E291A-47F3-4D59-B164-DD7DAEA1944A}" type="datetimeFigureOut">
               <a:rPr kumimoji="1" lang="ja-JP" altLang="en-US" smtClean="0"/>
-              <a:t>2024/11/29</a:t>
+              <a:t>2025/1/31</a:t>
             </a:fld>
             <a:endParaRPr kumimoji="1" lang="ja-JP" altLang="en-US"/>
           </a:p>
@@ -2403,7 +2871,7 @@
           <a:p>
             <a:fld id="{981E291A-47F3-4D59-B164-DD7DAEA1944A}" type="datetimeFigureOut">
               <a:rPr kumimoji="1" lang="ja-JP" altLang="en-US" smtClean="0"/>
-              <a:t>2024/11/29</a:t>
+              <a:t>2025/1/31</a:t>
             </a:fld>
             <a:endParaRPr kumimoji="1" lang="ja-JP" altLang="en-US"/>
           </a:p>
@@ -2521,7 +2989,7 @@
           <a:p>
             <a:fld id="{981E291A-47F3-4D59-B164-DD7DAEA1944A}" type="datetimeFigureOut">
               <a:rPr kumimoji="1" lang="ja-JP" altLang="en-US" smtClean="0"/>
-              <a:t>2024/11/29</a:t>
+              <a:t>2025/1/31</a:t>
             </a:fld>
             <a:endParaRPr kumimoji="1" lang="ja-JP" altLang="en-US"/>
           </a:p>
@@ -2616,7 +3084,7 @@
           <a:p>
             <a:fld id="{981E291A-47F3-4D59-B164-DD7DAEA1944A}" type="datetimeFigureOut">
               <a:rPr kumimoji="1" lang="ja-JP" altLang="en-US" smtClean="0"/>
-              <a:t>2024/11/29</a:t>
+              <a:t>2025/1/31</a:t>
             </a:fld>
             <a:endParaRPr kumimoji="1" lang="ja-JP" altLang="en-US"/>
           </a:p>
@@ -2925,7 +3393,7 @@
           <a:p>
             <a:fld id="{981E291A-47F3-4D59-B164-DD7DAEA1944A}" type="datetimeFigureOut">
               <a:rPr kumimoji="1" lang="ja-JP" altLang="en-US" smtClean="0"/>
-              <a:t>2024/11/29</a:t>
+              <a:t>2025/1/31</a:t>
             </a:fld>
             <a:endParaRPr kumimoji="1" lang="ja-JP" altLang="en-US"/>
           </a:p>
@@ -3182,7 +3650,7 @@
           <a:p>
             <a:fld id="{981E291A-47F3-4D59-B164-DD7DAEA1944A}" type="datetimeFigureOut">
               <a:rPr kumimoji="1" lang="ja-JP" altLang="en-US" smtClean="0"/>
-              <a:t>2024/11/29</a:t>
+              <a:t>2025/1/31</a:t>
             </a:fld>
             <a:endParaRPr kumimoji="1" lang="ja-JP" altLang="en-US"/>
           </a:p>
@@ -3427,7 +3895,7 @@
           <a:p>
             <a:fld id="{981E291A-47F3-4D59-B164-DD7DAEA1944A}" type="datetimeFigureOut">
               <a:rPr kumimoji="1" lang="ja-JP" altLang="en-US" smtClean="0"/>
-              <a:t>2024/11/29</a:t>
+              <a:t>2025/1/31</a:t>
             </a:fld>
             <a:endParaRPr kumimoji="1" lang="ja-JP" altLang="en-US"/>
           </a:p>
@@ -3820,7 +4288,13 @@
   <p:cSld>
     <p:spTree>
       <p:nvGrpSpPr>
-        <p:cNvPr id="1" name=""/>
+        <p:cNvPr id="1" name="">
+          <a:extLst>
+            <a:ext uri="{FF2B5EF4-FFF2-40B4-BE49-F238E27FC236}">
+              <a16:creationId xmlns:a16="http://schemas.microsoft.com/office/drawing/2014/main" id="{F4030C9B-9F3A-8781-C512-5F201FF45938}"/>
+            </a:ext>
+          </a:extLst>
+        </p:cNvPr>
         <p:cNvGrpSpPr/>
         <p:nvPr/>
       </p:nvGrpSpPr>
@@ -3837,7 +4311,7 @@
           <p:cNvPr id="99" name="正方形/長方形 98">
             <a:extLst>
               <a:ext uri="{FF2B5EF4-FFF2-40B4-BE49-F238E27FC236}">
-                <a16:creationId xmlns:a16="http://schemas.microsoft.com/office/drawing/2014/main" id="{A98D8E0A-E151-5F17-4F77-5124C9FE5F1F}"/>
+                <a16:creationId xmlns:a16="http://schemas.microsoft.com/office/drawing/2014/main" id="{F615A315-6734-2C04-FD8F-B26AE54C20ED}"/>
               </a:ext>
             </a:extLst>
           </p:cNvPr>
@@ -3846,7 +4320,7 @@
         </p:nvSpPr>
         <p:spPr>
           <a:xfrm>
-            <a:off x="1049921" y="9198611"/>
+            <a:off x="1599456" y="9634331"/>
             <a:ext cx="599176" cy="2003505"/>
           </a:xfrm>
           <a:prstGeom prst="rect">
@@ -3889,7 +4363,7 @@
           <p:cNvPr id="100" name="正方形/長方形 99">
             <a:extLst>
               <a:ext uri="{FF2B5EF4-FFF2-40B4-BE49-F238E27FC236}">
-                <a16:creationId xmlns:a16="http://schemas.microsoft.com/office/drawing/2014/main" id="{A579C292-4E0E-63FD-2376-AC197861A59E}"/>
+                <a16:creationId xmlns:a16="http://schemas.microsoft.com/office/drawing/2014/main" id="{0797D794-D90F-E0DD-A1EF-7B130A39A72C}"/>
               </a:ext>
             </a:extLst>
           </p:cNvPr>
@@ -3898,7 +4372,7 @@
         </p:nvSpPr>
         <p:spPr>
           <a:xfrm>
-            <a:off x="1049921" y="1018283"/>
+            <a:off x="1604211" y="1376871"/>
             <a:ext cx="599176" cy="2285247"/>
           </a:xfrm>
           <a:prstGeom prst="rect">
@@ -3938,10 +4412,10 @@
       </p:sp>
       <p:sp>
         <p:nvSpPr>
-          <p:cNvPr id="101" name="正方形/長方形 100">
+          <p:cNvPr id="103" name="正方形/長方形 102">
             <a:extLst>
               <a:ext uri="{FF2B5EF4-FFF2-40B4-BE49-F238E27FC236}">
-                <a16:creationId xmlns:a16="http://schemas.microsoft.com/office/drawing/2014/main" id="{B048C014-B43E-C842-99A3-045C35A5A1BD}"/>
+                <a16:creationId xmlns:a16="http://schemas.microsoft.com/office/drawing/2014/main" id="{2745ACEC-98DE-EC3D-2168-213AF942D483}"/>
               </a:ext>
             </a:extLst>
           </p:cNvPr>
@@ -3950,112 +4424,8 @@
         </p:nvSpPr>
         <p:spPr>
           <a:xfrm>
-            <a:off x="1049921" y="3366952"/>
-            <a:ext cx="599176" cy="2566174"/>
-          </a:xfrm>
-          <a:prstGeom prst="rect">
-            <a:avLst/>
-          </a:prstGeom>
-          <a:solidFill>
-            <a:srgbClr val="4D95D7"/>
-          </a:solidFill>
-          <a:ln>
-            <a:noFill/>
-          </a:ln>
-        </p:spPr>
-        <p:style>
-          <a:lnRef idx="2">
-            <a:schemeClr val="accent1">
-              <a:shade val="15000"/>
-            </a:schemeClr>
-          </a:lnRef>
-          <a:fillRef idx="1">
-            <a:schemeClr val="accent1"/>
-          </a:fillRef>
-          <a:effectRef idx="0">
-            <a:schemeClr val="accent1"/>
-          </a:effectRef>
-          <a:fontRef idx="minor">
-            <a:schemeClr val="lt1"/>
-          </a:fontRef>
-        </p:style>
-        <p:txBody>
-          <a:bodyPr rtlCol="0" anchor="ctr"/>
-          <a:lstStyle/>
-          <a:p>
-            <a:pPr algn="ctr"/>
-            <a:endParaRPr kumimoji="1" lang="ja-JP" altLang="en-US"/>
-          </a:p>
-        </p:txBody>
-      </p:sp>
-      <p:sp>
-        <p:nvSpPr>
-          <p:cNvPr id="102" name="正方形/長方形 101">
-            <a:extLst>
-              <a:ext uri="{FF2B5EF4-FFF2-40B4-BE49-F238E27FC236}">
-                <a16:creationId xmlns:a16="http://schemas.microsoft.com/office/drawing/2014/main" id="{FC019D17-26D0-A306-FBC9-2628DE213014}"/>
-              </a:ext>
-            </a:extLst>
-          </p:cNvPr>
-          <p:cNvSpPr/>
-          <p:nvPr/>
-        </p:nvSpPr>
-        <p:spPr>
-          <a:xfrm>
-            <a:off x="1049921" y="5988217"/>
-            <a:ext cx="599176" cy="1809284"/>
-          </a:xfrm>
-          <a:prstGeom prst="rect">
-            <a:avLst/>
-          </a:prstGeom>
-          <a:solidFill>
-            <a:srgbClr val="51AE30"/>
-          </a:solidFill>
-          <a:ln>
-            <a:noFill/>
-          </a:ln>
-        </p:spPr>
-        <p:style>
-          <a:lnRef idx="2">
-            <a:schemeClr val="accent1">
-              <a:shade val="15000"/>
-            </a:schemeClr>
-          </a:lnRef>
-          <a:fillRef idx="1">
-            <a:schemeClr val="accent1"/>
-          </a:fillRef>
-          <a:effectRef idx="0">
-            <a:schemeClr val="accent1"/>
-          </a:effectRef>
-          <a:fontRef idx="minor">
-            <a:schemeClr val="lt1"/>
-          </a:fontRef>
-        </p:style>
-        <p:txBody>
-          <a:bodyPr rtlCol="0" anchor="ctr"/>
-          <a:lstStyle/>
-          <a:p>
-            <a:pPr algn="ctr"/>
-            <a:endParaRPr kumimoji="1" lang="ja-JP" altLang="en-US"/>
-          </a:p>
-        </p:txBody>
-      </p:sp>
-      <p:sp>
-        <p:nvSpPr>
-          <p:cNvPr id="103" name="正方形/長方形 102">
-            <a:extLst>
-              <a:ext uri="{FF2B5EF4-FFF2-40B4-BE49-F238E27FC236}">
-                <a16:creationId xmlns:a16="http://schemas.microsoft.com/office/drawing/2014/main" id="{F3E0D1F7-28E7-09C3-AE5D-CE84213F04B3}"/>
-              </a:ext>
-            </a:extLst>
-          </p:cNvPr>
-          <p:cNvSpPr/>
-          <p:nvPr/>
-        </p:nvSpPr>
-        <p:spPr>
-          <a:xfrm>
-            <a:off x="1049921" y="7844070"/>
-            <a:ext cx="599176" cy="1321873"/>
+            <a:off x="1604211" y="3764444"/>
+            <a:ext cx="599176" cy="1223711"/>
           </a:xfrm>
           <a:prstGeom prst="rect">
             <a:avLst/>
@@ -4097,7 +4467,7 @@
           <p:cNvPr id="4" name="正方形/長方形 3">
             <a:extLst>
               <a:ext uri="{FF2B5EF4-FFF2-40B4-BE49-F238E27FC236}">
-                <a16:creationId xmlns:a16="http://schemas.microsoft.com/office/drawing/2014/main" id="{563322E2-550F-0BEE-0A58-9B1C1ED4FD23}"/>
+                <a16:creationId xmlns:a16="http://schemas.microsoft.com/office/drawing/2014/main" id="{45737804-E42A-E24A-F10A-6A91AE00199B}"/>
               </a:ext>
             </a:extLst>
           </p:cNvPr>
@@ -4106,8 +4476,8 @@
         </p:nvSpPr>
         <p:spPr>
           <a:xfrm>
-            <a:off x="2705937" y="924450"/>
-            <a:ext cx="2131672" cy="10400185"/>
+            <a:off x="3136243" y="1283039"/>
+            <a:ext cx="2131672" cy="10354796"/>
           </a:xfrm>
           <a:prstGeom prst="rect">
             <a:avLst/>
@@ -4151,7 +4521,7 @@
           <p:cNvPr id="5" name="正方形/長方形 4">
             <a:extLst>
               <a:ext uri="{FF2B5EF4-FFF2-40B4-BE49-F238E27FC236}">
-                <a16:creationId xmlns:a16="http://schemas.microsoft.com/office/drawing/2014/main" id="{17454684-623B-7F0E-2691-FA6D894170E8}"/>
+                <a16:creationId xmlns:a16="http://schemas.microsoft.com/office/drawing/2014/main" id="{C049A8D7-E107-59E8-0237-746FB5D1E48A}"/>
               </a:ext>
             </a:extLst>
           </p:cNvPr>
@@ -4160,8 +4530,8 @@
         </p:nvSpPr>
         <p:spPr>
           <a:xfrm>
-            <a:off x="4840686" y="924450"/>
-            <a:ext cx="2131672" cy="10400185"/>
+            <a:off x="5270992" y="1283039"/>
+            <a:ext cx="2131672" cy="10354796"/>
           </a:xfrm>
           <a:prstGeom prst="rect">
             <a:avLst/>
@@ -4210,7 +4580,7 @@
           <p:cNvPr id="6" name="正方形/長方形 5">
             <a:extLst>
               <a:ext uri="{FF2B5EF4-FFF2-40B4-BE49-F238E27FC236}">
-                <a16:creationId xmlns:a16="http://schemas.microsoft.com/office/drawing/2014/main" id="{03A11050-314D-3308-9FD5-2E47F3269834}"/>
+                <a16:creationId xmlns:a16="http://schemas.microsoft.com/office/drawing/2014/main" id="{229D19E5-B38F-C158-3B7C-B93D4FBB112C}"/>
               </a:ext>
             </a:extLst>
           </p:cNvPr>
@@ -4219,8 +4589,8 @@
         </p:nvSpPr>
         <p:spPr>
           <a:xfrm>
-            <a:off x="6981379" y="924450"/>
-            <a:ext cx="2131672" cy="10400185"/>
+            <a:off x="7411685" y="1283039"/>
+            <a:ext cx="2131672" cy="10354796"/>
           </a:xfrm>
           <a:prstGeom prst="rect">
             <a:avLst/>
@@ -4264,7 +4634,7 @@
           <p:cNvPr id="7" name="正方形/長方形 6">
             <a:extLst>
               <a:ext uri="{FF2B5EF4-FFF2-40B4-BE49-F238E27FC236}">
-                <a16:creationId xmlns:a16="http://schemas.microsoft.com/office/drawing/2014/main" id="{5FF2FBD2-7AAC-75A1-0707-A6A27601C2C2}"/>
+                <a16:creationId xmlns:a16="http://schemas.microsoft.com/office/drawing/2014/main" id="{D9086EB4-01FE-ADC3-E1E1-34915DD11582}"/>
               </a:ext>
             </a:extLst>
           </p:cNvPr>
@@ -4273,8 +4643,8 @@
         </p:nvSpPr>
         <p:spPr>
           <a:xfrm>
-            <a:off x="9113023" y="924450"/>
-            <a:ext cx="2131672" cy="10400185"/>
+            <a:off x="9543329" y="1283039"/>
+            <a:ext cx="2131672" cy="10354796"/>
           </a:xfrm>
           <a:prstGeom prst="rect">
             <a:avLst/>
@@ -4318,7 +4688,7 @@
           <p:cNvPr id="2" name="四角形: 角を丸くする 1">
             <a:extLst>
               <a:ext uri="{FF2B5EF4-FFF2-40B4-BE49-F238E27FC236}">
-                <a16:creationId xmlns:a16="http://schemas.microsoft.com/office/drawing/2014/main" id="{88BF04ED-61BC-6F16-7D13-7B5DE8FA035D}"/>
+                <a16:creationId xmlns:a16="http://schemas.microsoft.com/office/drawing/2014/main" id="{31A932FE-CDFC-CC4C-1D28-8B5322B215B3}"/>
               </a:ext>
             </a:extLst>
           </p:cNvPr>
@@ -4327,8 +4697,8 @@
         </p:nvSpPr>
         <p:spPr>
           <a:xfrm>
-            <a:off x="2628814" y="3353141"/>
-            <a:ext cx="8700196" cy="2603405"/>
+            <a:off x="3059120" y="3728545"/>
+            <a:ext cx="8700196" cy="1319265"/>
           </a:xfrm>
           <a:prstGeom prst="roundRect">
             <a:avLst>
@@ -4372,7 +4742,7 @@
           <p:cNvPr id="14" name="四角形: 角を丸くする 13">
             <a:extLst>
               <a:ext uri="{FF2B5EF4-FFF2-40B4-BE49-F238E27FC236}">
-                <a16:creationId xmlns:a16="http://schemas.microsoft.com/office/drawing/2014/main" id="{D90BDB40-E946-C8C1-7BFF-583CF1D2A2E3}"/>
+                <a16:creationId xmlns:a16="http://schemas.microsoft.com/office/drawing/2014/main" id="{A8250A14-6C84-C4A8-D392-1B3C56BD11A6}"/>
               </a:ext>
             </a:extLst>
           </p:cNvPr>
@@ -4381,8 +4751,8 @@
         </p:nvSpPr>
         <p:spPr>
           <a:xfrm>
-            <a:off x="2571664" y="7844070"/>
-            <a:ext cx="8700196" cy="1319265"/>
+            <a:off x="3001970" y="7700495"/>
+            <a:ext cx="8700196" cy="1872698"/>
           </a:xfrm>
           <a:prstGeom prst="roundRect">
             <a:avLst>
@@ -4426,7 +4796,7 @@
           <p:cNvPr id="12" name="四角形: 角を丸くする 11">
             <a:extLst>
               <a:ext uri="{FF2B5EF4-FFF2-40B4-BE49-F238E27FC236}">
-                <a16:creationId xmlns:a16="http://schemas.microsoft.com/office/drawing/2014/main" id="{E5C9C006-4A67-8AC6-2330-45916F5BFB3B}"/>
+                <a16:creationId xmlns:a16="http://schemas.microsoft.com/office/drawing/2014/main" id="{AAE8EB0D-4E2D-0FAF-64CA-04BD5D15A3E0}"/>
               </a:ext>
             </a:extLst>
           </p:cNvPr>
@@ -4435,8 +4805,8 @@
         </p:nvSpPr>
         <p:spPr>
           <a:xfrm>
-            <a:off x="2788280" y="9476145"/>
-            <a:ext cx="8396847" cy="432000"/>
+            <a:off x="3220286" y="9817037"/>
+            <a:ext cx="8388000" cy="432000"/>
           </a:xfrm>
           <a:prstGeom prst="roundRect">
             <a:avLst>
@@ -4480,12 +4850,20 @@
           <a:p>
             <a:pPr algn="ctr"/>
             <a:r>
+              <a:rPr kumimoji="1" lang="ja-JP" altLang="en-US" sz="1400" b="1"/>
+              <a:t>生成</a:t>
+            </a:r>
+            <a:r>
               <a:rPr kumimoji="1" lang="en-US" altLang="ja-JP" sz="1400" b="1" dirty="0"/>
-              <a:t>LLM</a:t>
+              <a:t>AI</a:t>
+            </a:r>
+            <a:r>
+              <a:rPr kumimoji="1" lang="ja-JP" altLang="en-US" sz="1400" b="1"/>
+              <a:t>利用</a:t>
             </a:r>
             <a:r>
               <a:rPr kumimoji="1" lang="ja-JP" altLang="en-US" sz="1400" b="1" dirty="0"/>
-              <a:t>利用に関するポリシーの整備</a:t>
+              <a:t>に関するポリシーの整備</a:t>
             </a:r>
           </a:p>
         </p:txBody>
@@ -4495,7 +4873,7 @@
           <p:cNvPr id="13" name="四角形: 角を丸くする 12">
             <a:extLst>
               <a:ext uri="{FF2B5EF4-FFF2-40B4-BE49-F238E27FC236}">
-                <a16:creationId xmlns:a16="http://schemas.microsoft.com/office/drawing/2014/main" id="{B7FFE671-5460-1AA2-90B2-8B616F6A45EE}"/>
+                <a16:creationId xmlns:a16="http://schemas.microsoft.com/office/drawing/2014/main" id="{B0D8B7F7-C7B4-4245-7685-18A102457CC6}"/>
               </a:ext>
             </a:extLst>
           </p:cNvPr>
@@ -4504,8 +4882,8 @@
         </p:nvSpPr>
         <p:spPr>
           <a:xfrm>
-            <a:off x="2792520" y="10012973"/>
-            <a:ext cx="8396847" cy="432000"/>
+            <a:off x="3220286" y="10353864"/>
+            <a:ext cx="8388000" cy="432000"/>
           </a:xfrm>
           <a:prstGeom prst="roundRect">
             <a:avLst>
@@ -4549,12 +4927,20 @@
           <a:p>
             <a:pPr algn="ctr"/>
             <a:r>
+              <a:rPr kumimoji="1" lang="ja-JP" altLang="en-US" sz="1400" b="1"/>
+              <a:t>生成</a:t>
+            </a:r>
+            <a:r>
               <a:rPr kumimoji="1" lang="en-US" altLang="ja-JP" sz="1400" b="1" dirty="0"/>
-              <a:t>LLM</a:t>
+              <a:t>AI</a:t>
+            </a:r>
+            <a:r>
+              <a:rPr kumimoji="1" lang="ja-JP" altLang="en-US" sz="1400" b="1"/>
+              <a:t>利用</a:t>
             </a:r>
             <a:r>
               <a:rPr kumimoji="1" lang="ja-JP" altLang="en-US" sz="1400" b="1" dirty="0"/>
-              <a:t>利用に関する教育</a:t>
+              <a:t>に関する教育</a:t>
             </a:r>
           </a:p>
         </p:txBody>
@@ -4564,7 +4950,7 @@
           <p:cNvPr id="3" name="テキスト ボックス 2">
             <a:extLst>
               <a:ext uri="{FF2B5EF4-FFF2-40B4-BE49-F238E27FC236}">
-                <a16:creationId xmlns:a16="http://schemas.microsoft.com/office/drawing/2014/main" id="{291642DE-8233-809D-F1C6-9C63398839D1}"/>
+                <a16:creationId xmlns:a16="http://schemas.microsoft.com/office/drawing/2014/main" id="{B1D7AEA7-85C7-F70E-16E7-9CD496B98882}"/>
               </a:ext>
             </a:extLst>
           </p:cNvPr>
@@ -4573,7 +4959,7 @@
         </p:nvSpPr>
         <p:spPr>
           <a:xfrm>
-            <a:off x="1127421" y="9512469"/>
+            <a:off x="1698989" y="9839918"/>
             <a:ext cx="400110" cy="1592330"/>
           </a:xfrm>
           <a:prstGeom prst="rect">
@@ -4587,6 +4973,7 @@
           </a:bodyPr>
           <a:lstStyle/>
           <a:p>
+            <a:pPr algn="ctr"/>
             <a:r>
               <a:rPr kumimoji="1" lang="ja-JP" altLang="en-US" sz="1400" b="1" dirty="0">
                 <a:solidFill>
@@ -4603,7 +4990,7 @@
           <p:cNvPr id="15" name="四角形: 角を丸くする 14">
             <a:extLst>
               <a:ext uri="{FF2B5EF4-FFF2-40B4-BE49-F238E27FC236}">
-                <a16:creationId xmlns:a16="http://schemas.microsoft.com/office/drawing/2014/main" id="{B8376F84-8A9B-A021-F029-41468E96DBD3}"/>
+                <a16:creationId xmlns:a16="http://schemas.microsoft.com/office/drawing/2014/main" id="{7E4C257E-CD51-46EB-94F8-4372C9D2C778}"/>
               </a:ext>
             </a:extLst>
           </p:cNvPr>
@@ -4612,8 +4999,8 @@
         </p:nvSpPr>
         <p:spPr>
           <a:xfrm>
-            <a:off x="2788277" y="10549800"/>
-            <a:ext cx="8396847" cy="432000"/>
+            <a:off x="3220286" y="10890692"/>
+            <a:ext cx="8388000" cy="432000"/>
           </a:xfrm>
           <a:prstGeom prst="roundRect">
             <a:avLst>
@@ -4668,7 +5055,7 @@
           <p:cNvPr id="23" name="テキスト ボックス 22">
             <a:extLst>
               <a:ext uri="{FF2B5EF4-FFF2-40B4-BE49-F238E27FC236}">
-                <a16:creationId xmlns:a16="http://schemas.microsoft.com/office/drawing/2014/main" id="{716B227C-9872-4D92-B385-1300B118EEE7}"/>
+                <a16:creationId xmlns:a16="http://schemas.microsoft.com/office/drawing/2014/main" id="{8CBEBDB4-4B77-DE23-B338-4CEE932B5C0D}"/>
               </a:ext>
             </a:extLst>
           </p:cNvPr>
@@ -4677,7 +5064,7 @@
         </p:nvSpPr>
         <p:spPr>
           <a:xfrm>
-            <a:off x="1124754" y="1412105"/>
+            <a:off x="1703744" y="1727615"/>
             <a:ext cx="400110" cy="1583758"/>
           </a:xfrm>
           <a:prstGeom prst="rect">
@@ -4691,14 +5078,20 @@
           </a:bodyPr>
           <a:lstStyle/>
           <a:p>
-            <a:r>
-              <a:rPr kumimoji="1" lang="ja-JP" altLang="en-US" sz="1400" b="1" dirty="0">
+            <a:pPr algn="ctr"/>
+            <a:r>
+              <a:rPr kumimoji="1" lang="ja-JP" altLang="en-US" sz="1400" b="1">
                 <a:solidFill>
                   <a:schemeClr val="bg1"/>
                 </a:solidFill>
               </a:rPr>
-              <a:t>外部からの脅威</a:t>
-            </a:r>
+              <a:t>入出力関連</a:t>
+            </a:r>
+            <a:endParaRPr kumimoji="1" lang="ja-JP" altLang="en-US" sz="1400" b="1" dirty="0">
+              <a:solidFill>
+                <a:schemeClr val="bg1"/>
+              </a:solidFill>
+            </a:endParaRPr>
           </a:p>
         </p:txBody>
       </p:sp>
@@ -4707,7 +5100,7 @@
           <p:cNvPr id="33" name="テキスト ボックス 32">
             <a:extLst>
               <a:ext uri="{FF2B5EF4-FFF2-40B4-BE49-F238E27FC236}">
-                <a16:creationId xmlns:a16="http://schemas.microsoft.com/office/drawing/2014/main" id="{1E4096BD-4D45-625D-22AD-F82F12FE734E}"/>
+                <a16:creationId xmlns:a16="http://schemas.microsoft.com/office/drawing/2014/main" id="{6381F490-CD21-3D2E-8E65-815A4F3016B3}"/>
               </a:ext>
             </a:extLst>
           </p:cNvPr>
@@ -4716,8 +5109,8 @@
         </p:nvSpPr>
         <p:spPr>
           <a:xfrm>
-            <a:off x="1033544" y="7997430"/>
-            <a:ext cx="615553" cy="1387277"/>
+            <a:off x="1711476" y="3848610"/>
+            <a:ext cx="400110" cy="1059841"/>
           </a:xfrm>
           <a:prstGeom prst="rect">
             <a:avLst/>
@@ -4733,123 +5126,21 @@
           </a:bodyPr>
           <a:lstStyle/>
           <a:p>
-            <a:r>
-              <a:rPr kumimoji="1" lang="ja-JP" altLang="en-US" sz="1400" b="1" dirty="0">
+            <a:pPr algn="ctr"/>
+            <a:r>
+              <a:rPr kumimoji="1" lang="ja-JP" altLang="en-US" sz="1400" b="1">
                 <a:solidFill>
                   <a:schemeClr val="bg1"/>
                 </a:solidFill>
               </a:rPr>
-              <a:t>モデルに</a:t>
-            </a:r>
-            <a:br>
-              <a:rPr kumimoji="1" lang="en-US" altLang="ja-JP" sz="1400" b="1" dirty="0">
-                <a:solidFill>
-                  <a:schemeClr val="bg1"/>
-                </a:solidFill>
-              </a:rPr>
-            </a:br>
-            <a:r>
-              <a:rPr kumimoji="1" lang="ja-JP" altLang="en-US" sz="1400" b="1" dirty="0">
-                <a:solidFill>
-                  <a:schemeClr val="bg1"/>
-                </a:solidFill>
-              </a:rPr>
-              <a:t>対する脅威</a:t>
-            </a:r>
-          </a:p>
-        </p:txBody>
-      </p:sp>
-      <p:sp>
-        <p:nvSpPr>
-          <p:cNvPr id="35" name="テキスト ボックス 34">
-            <a:extLst>
-              <a:ext uri="{FF2B5EF4-FFF2-40B4-BE49-F238E27FC236}">
-                <a16:creationId xmlns:a16="http://schemas.microsoft.com/office/drawing/2014/main" id="{1009087B-4511-EC85-6566-7FD6FC402B2C}"/>
-              </a:ext>
-            </a:extLst>
-          </p:cNvPr>
-          <p:cNvSpPr txBox="1"/>
-          <p:nvPr/>
-        </p:nvSpPr>
-        <p:spPr>
-          <a:xfrm>
-            <a:off x="1137422" y="6301116"/>
-            <a:ext cx="400110" cy="1254439"/>
-          </a:xfrm>
-          <a:prstGeom prst="rect">
-            <a:avLst/>
-          </a:prstGeom>
-          <a:noFill/>
-        </p:spPr>
-        <p:txBody>
-          <a:bodyPr vert="eaVert" wrap="square" rtlCol="0" anchor="ctr">
-            <a:spAutoFit/>
-          </a:bodyPr>
-          <a:lstStyle/>
-          <a:p>
-            <a:r>
-              <a:rPr kumimoji="1" lang="ja-JP" altLang="en-US" sz="1400" b="1" dirty="0">
-                <a:solidFill>
-                  <a:schemeClr val="bg1"/>
-                </a:solidFill>
-              </a:rPr>
-              <a:t>モニタリング</a:t>
-            </a:r>
-          </a:p>
-        </p:txBody>
-      </p:sp>
-      <p:sp>
-        <p:nvSpPr>
-          <p:cNvPr id="38" name="テキスト ボックス 37">
-            <a:extLst>
-              <a:ext uri="{FF2B5EF4-FFF2-40B4-BE49-F238E27FC236}">
-                <a16:creationId xmlns:a16="http://schemas.microsoft.com/office/drawing/2014/main" id="{36A955E5-CCFF-4A12-0EB4-5ED6BE8A5E6C}"/>
-              </a:ext>
-            </a:extLst>
-          </p:cNvPr>
-          <p:cNvSpPr txBox="1"/>
-          <p:nvPr/>
-        </p:nvSpPr>
-        <p:spPr>
-          <a:xfrm>
-            <a:off x="1024562" y="3808879"/>
-            <a:ext cx="615553" cy="1876404"/>
-          </a:xfrm>
-          <a:prstGeom prst="rect">
-            <a:avLst/>
-          </a:prstGeom>
-          <a:noFill/>
-        </p:spPr>
-        <p:txBody>
-          <a:bodyPr vert="eaVert" wrap="square" rtlCol="0" anchor="ctr">
-            <a:spAutoFit/>
-          </a:bodyPr>
-          <a:lstStyle/>
-          <a:p>
-            <a:r>
-              <a:rPr kumimoji="1" lang="ja-JP" altLang="en-US" sz="1400" b="1" dirty="0">
-                <a:solidFill>
-                  <a:schemeClr val="bg1"/>
-                </a:solidFill>
-              </a:rPr>
-              <a:t>アプリケーションの</a:t>
-            </a:r>
-            <a:endParaRPr kumimoji="1" lang="en-US" altLang="ja-JP" sz="1400" b="1" dirty="0">
+              <a:t>モデル関連</a:t>
+            </a:r>
+            <a:endParaRPr kumimoji="1" lang="ja-JP" altLang="en-US" sz="1400" b="1" dirty="0">
               <a:solidFill>
                 <a:schemeClr val="bg1"/>
               </a:solidFill>
             </a:endParaRPr>
           </a:p>
-          <a:p>
-            <a:r>
-              <a:rPr kumimoji="1" lang="ja-JP" altLang="en-US" sz="1400" b="1" dirty="0">
-                <a:solidFill>
-                  <a:schemeClr val="bg1"/>
-                </a:solidFill>
-              </a:rPr>
-              <a:t>セキュリティ</a:t>
-            </a:r>
-          </a:p>
         </p:txBody>
       </p:sp>
       <p:sp>
@@ -4857,7 +5148,7 @@
           <p:cNvPr id="46" name="四角形: 角を丸くする 45">
             <a:extLst>
               <a:ext uri="{FF2B5EF4-FFF2-40B4-BE49-F238E27FC236}">
-                <a16:creationId xmlns:a16="http://schemas.microsoft.com/office/drawing/2014/main" id="{F9FB0489-6721-66E9-3383-12A7EAD1D00E}"/>
+                <a16:creationId xmlns:a16="http://schemas.microsoft.com/office/drawing/2014/main" id="{62772191-6EE4-23A4-8A24-0EB0D3C5418C}"/>
               </a:ext>
             </a:extLst>
           </p:cNvPr>
@@ -4866,7 +5157,7 @@
         </p:nvSpPr>
         <p:spPr>
           <a:xfrm>
-            <a:off x="1900773" y="9546908"/>
+            <a:off x="2334526" y="9897739"/>
             <a:ext cx="741173" cy="261688"/>
           </a:xfrm>
           <a:prstGeom prst="roundRect">
@@ -4929,7 +5220,7 @@
           <p:cNvPr id="47" name="四角形: 角を丸くする 46">
             <a:extLst>
               <a:ext uri="{FF2B5EF4-FFF2-40B4-BE49-F238E27FC236}">
-                <a16:creationId xmlns:a16="http://schemas.microsoft.com/office/drawing/2014/main" id="{59675991-A7A9-908D-877F-90A44E0F14A3}"/>
+                <a16:creationId xmlns:a16="http://schemas.microsoft.com/office/drawing/2014/main" id="{0308922A-1ED3-43BA-F76E-165DE109BF1D}"/>
               </a:ext>
             </a:extLst>
           </p:cNvPr>
@@ -4938,7 +5229,7 @@
         </p:nvSpPr>
         <p:spPr>
           <a:xfrm>
-            <a:off x="1900773" y="10102504"/>
+            <a:off x="2334526" y="10439378"/>
             <a:ext cx="741173" cy="261688"/>
           </a:xfrm>
           <a:prstGeom prst="roundRect">
@@ -5001,7 +5292,7 @@
           <p:cNvPr id="48" name="四角形: 角を丸くする 47">
             <a:extLst>
               <a:ext uri="{FF2B5EF4-FFF2-40B4-BE49-F238E27FC236}">
-                <a16:creationId xmlns:a16="http://schemas.microsoft.com/office/drawing/2014/main" id="{97F4D8E8-3EDF-850D-1EFF-9228294D2BD5}"/>
+                <a16:creationId xmlns:a16="http://schemas.microsoft.com/office/drawing/2014/main" id="{45234B90-1281-9DF9-F383-DE4D3C549754}"/>
               </a:ext>
             </a:extLst>
           </p:cNvPr>
@@ -5010,7 +5301,7 @@
         </p:nvSpPr>
         <p:spPr>
           <a:xfrm>
-            <a:off x="1900773" y="10640126"/>
+            <a:off x="2334526" y="10981018"/>
             <a:ext cx="741173" cy="261688"/>
           </a:xfrm>
           <a:prstGeom prst="roundRect">
@@ -5073,7 +5364,7 @@
           <p:cNvPr id="49" name="四角形: 角を丸くする 48">
             <a:extLst>
               <a:ext uri="{FF2B5EF4-FFF2-40B4-BE49-F238E27FC236}">
-                <a16:creationId xmlns:a16="http://schemas.microsoft.com/office/drawing/2014/main" id="{9300DD67-5013-CE61-ADA6-6C39CA61B58C}"/>
+                <a16:creationId xmlns:a16="http://schemas.microsoft.com/office/drawing/2014/main" id="{AB1659BD-45FB-DD57-668E-19CD399D850E}"/>
               </a:ext>
             </a:extLst>
           </p:cNvPr>
@@ -5082,8 +5373,8 @@
         </p:nvSpPr>
         <p:spPr>
           <a:xfrm>
-            <a:off x="2788281" y="1177837"/>
-            <a:ext cx="4092872" cy="432000"/>
+            <a:off x="3205334" y="1536425"/>
+            <a:ext cx="4140000" cy="432000"/>
           </a:xfrm>
           <a:prstGeom prst="roundRect">
             <a:avLst>
@@ -5138,7 +5429,7 @@
           <p:cNvPr id="50" name="四角形: 角を丸くする 49">
             <a:extLst>
               <a:ext uri="{FF2B5EF4-FFF2-40B4-BE49-F238E27FC236}">
-                <a16:creationId xmlns:a16="http://schemas.microsoft.com/office/drawing/2014/main" id="{97A6196A-0FB7-6800-4DF3-D8863BCCFCDE}"/>
+                <a16:creationId xmlns:a16="http://schemas.microsoft.com/office/drawing/2014/main" id="{53EDBA3E-E7AF-4DD1-6B52-BFB7BA4AF879}"/>
               </a:ext>
             </a:extLst>
           </p:cNvPr>
@@ -5147,8 +5438,8 @@
         </p:nvSpPr>
         <p:spPr>
           <a:xfrm>
-            <a:off x="2789191" y="1713900"/>
-            <a:ext cx="4092872" cy="432000"/>
+            <a:off x="3205334" y="2056921"/>
+            <a:ext cx="4140000" cy="432000"/>
           </a:xfrm>
           <a:prstGeom prst="roundRect">
             <a:avLst>
@@ -5208,7 +5499,7 @@
           <p:cNvPr id="51" name="四角形: 角を丸くする 50">
             <a:extLst>
               <a:ext uri="{FF2B5EF4-FFF2-40B4-BE49-F238E27FC236}">
-                <a16:creationId xmlns:a16="http://schemas.microsoft.com/office/drawing/2014/main" id="{D2E9624E-0F83-356B-2F8A-A7B39619D91E}"/>
+                <a16:creationId xmlns:a16="http://schemas.microsoft.com/office/drawing/2014/main" id="{D69D691D-B166-EEB0-D174-D6C4A4573695}"/>
               </a:ext>
             </a:extLst>
           </p:cNvPr>
@@ -5217,8 +5508,8 @@
         </p:nvSpPr>
         <p:spPr>
           <a:xfrm>
-            <a:off x="2788277" y="2229592"/>
-            <a:ext cx="4092872" cy="432000"/>
+            <a:off x="3205334" y="2577417"/>
+            <a:ext cx="4140000" cy="432000"/>
           </a:xfrm>
           <a:prstGeom prst="roundRect">
             <a:avLst>
@@ -5273,7 +5564,7 @@
           <p:cNvPr id="52" name="四角形: 角を丸くする 51">
             <a:extLst>
               <a:ext uri="{FF2B5EF4-FFF2-40B4-BE49-F238E27FC236}">
-                <a16:creationId xmlns:a16="http://schemas.microsoft.com/office/drawing/2014/main" id="{2A82BDA7-901A-9991-1470-7E80D6812D4E}"/>
+                <a16:creationId xmlns:a16="http://schemas.microsoft.com/office/drawing/2014/main" id="{F563B519-D5F9-A947-7507-E75E2F83E874}"/>
               </a:ext>
             </a:extLst>
           </p:cNvPr>
@@ -5282,7 +5573,7 @@
         </p:nvSpPr>
         <p:spPr>
           <a:xfrm>
-            <a:off x="1900773" y="1273383"/>
+            <a:off x="2331079" y="1631971"/>
             <a:ext cx="741173" cy="261688"/>
           </a:xfrm>
           <a:prstGeom prst="roundRect">
@@ -5339,7 +5630,7 @@
           <p:cNvPr id="53" name="四角形: 角を丸くする 52">
             <a:extLst>
               <a:ext uri="{FF2B5EF4-FFF2-40B4-BE49-F238E27FC236}">
-                <a16:creationId xmlns:a16="http://schemas.microsoft.com/office/drawing/2014/main" id="{9E43CE30-C31C-AF1D-E114-B60BE60FF00A}"/>
+                <a16:creationId xmlns:a16="http://schemas.microsoft.com/office/drawing/2014/main" id="{8A064AD6-09DC-6739-FC31-DDA1B1CFFC6C}"/>
               </a:ext>
             </a:extLst>
           </p:cNvPr>
@@ -5348,7 +5639,7 @@
         </p:nvSpPr>
         <p:spPr>
           <a:xfrm>
-            <a:off x="1900773" y="1804814"/>
+            <a:off x="2331079" y="2163402"/>
             <a:ext cx="741173" cy="261688"/>
           </a:xfrm>
           <a:prstGeom prst="roundRect">
@@ -5405,7 +5696,7 @@
           <p:cNvPr id="54" name="四角形: 角を丸くする 53">
             <a:extLst>
               <a:ext uri="{FF2B5EF4-FFF2-40B4-BE49-F238E27FC236}">
-                <a16:creationId xmlns:a16="http://schemas.microsoft.com/office/drawing/2014/main" id="{E3D88591-E997-CCC5-2C10-F2702DE13A3B}"/>
+                <a16:creationId xmlns:a16="http://schemas.microsoft.com/office/drawing/2014/main" id="{495018FB-5F06-5141-1FD3-5A4947E8B36B}"/>
               </a:ext>
             </a:extLst>
           </p:cNvPr>
@@ -5414,7 +5705,7 @@
         </p:nvSpPr>
         <p:spPr>
           <a:xfrm>
-            <a:off x="1900773" y="2304433"/>
+            <a:off x="2331079" y="2663021"/>
             <a:ext cx="741173" cy="261688"/>
           </a:xfrm>
           <a:prstGeom prst="roundRect">
@@ -5471,7 +5762,7 @@
           <p:cNvPr id="55" name="四角形: 角を丸くする 54">
             <a:extLst>
               <a:ext uri="{FF2B5EF4-FFF2-40B4-BE49-F238E27FC236}">
-                <a16:creationId xmlns:a16="http://schemas.microsoft.com/office/drawing/2014/main" id="{CCF738F1-9F58-107B-414A-846613A1571B}"/>
+                <a16:creationId xmlns:a16="http://schemas.microsoft.com/office/drawing/2014/main" id="{E20A1A3B-35BA-7C62-79F9-D97BCCE52EB5}"/>
               </a:ext>
             </a:extLst>
           </p:cNvPr>
@@ -5480,8 +5771,8 @@
         </p:nvSpPr>
         <p:spPr>
           <a:xfrm>
-            <a:off x="2788277" y="2739325"/>
-            <a:ext cx="8396847" cy="432000"/>
+            <a:off x="3205334" y="3097913"/>
+            <a:ext cx="8388000" cy="432000"/>
           </a:xfrm>
           <a:prstGeom prst="roundRect">
             <a:avLst>
@@ -5536,7 +5827,7 @@
           <p:cNvPr id="56" name="四角形: 角を丸くする 55">
             <a:extLst>
               <a:ext uri="{FF2B5EF4-FFF2-40B4-BE49-F238E27FC236}">
-                <a16:creationId xmlns:a16="http://schemas.microsoft.com/office/drawing/2014/main" id="{9B5A1830-8C3F-CA9C-6E28-6D6C4A02020F}"/>
+                <a16:creationId xmlns:a16="http://schemas.microsoft.com/office/drawing/2014/main" id="{03636434-C39E-8634-B190-CB65331C85F4}"/>
               </a:ext>
             </a:extLst>
           </p:cNvPr>
@@ -5545,7 +5836,7 @@
         </p:nvSpPr>
         <p:spPr>
           <a:xfrm>
-            <a:off x="1900773" y="2804052"/>
+            <a:off x="2331079" y="3162640"/>
             <a:ext cx="741173" cy="261688"/>
           </a:xfrm>
           <a:prstGeom prst="roundRect">
@@ -5599,10 +5890,10 @@
       </p:sp>
       <p:sp>
         <p:nvSpPr>
-          <p:cNvPr id="57" name="四角形: 角を丸くする 56">
+          <p:cNvPr id="83" name="四角形: 角を丸くする 82">
             <a:extLst>
               <a:ext uri="{FF2B5EF4-FFF2-40B4-BE49-F238E27FC236}">
-                <a16:creationId xmlns:a16="http://schemas.microsoft.com/office/drawing/2014/main" id="{3BFF12E0-F1F4-6CB8-55CD-F6CD1A9BF9A7}"/>
+                <a16:creationId xmlns:a16="http://schemas.microsoft.com/office/drawing/2014/main" id="{27B4A365-701D-A471-C5E6-02DDA7C28AF8}"/>
               </a:ext>
             </a:extLst>
           </p:cNvPr>
@@ -5611,8 +5902,1050 @@
         </p:nvSpPr>
         <p:spPr>
           <a:xfrm>
-            <a:off x="2780117" y="3556438"/>
-            <a:ext cx="4101031" cy="432000"/>
+            <a:off x="7514360" y="3870511"/>
+            <a:ext cx="4093926" cy="432000"/>
+          </a:xfrm>
+          <a:prstGeom prst="roundRect">
+            <a:avLst>
+              <a:gd name="adj" fmla="val 50000"/>
+            </a:avLst>
+          </a:prstGeom>
+          <a:gradFill>
+            <a:gsLst>
+              <a:gs pos="0">
+                <a:srgbClr val="D971CD"/>
+              </a:gs>
+              <a:gs pos="58000">
+                <a:srgbClr val="9D2B92"/>
+              </a:gs>
+            </a:gsLst>
+            <a:lin ang="0" scaled="0"/>
+          </a:gradFill>
+          <a:ln>
+            <a:noFill/>
+          </a:ln>
+        </p:spPr>
+        <p:style>
+          <a:lnRef idx="2">
+            <a:schemeClr val="accent1">
+              <a:shade val="15000"/>
+            </a:schemeClr>
+          </a:lnRef>
+          <a:fillRef idx="1">
+            <a:schemeClr val="accent1"/>
+          </a:fillRef>
+          <a:effectRef idx="0">
+            <a:schemeClr val="accent1"/>
+          </a:effectRef>
+          <a:fontRef idx="minor">
+            <a:schemeClr val="lt1"/>
+          </a:fontRef>
+        </p:style>
+        <p:txBody>
+          <a:bodyPr rtlCol="0" anchor="ctr"/>
+          <a:lstStyle/>
+          <a:p>
+            <a:pPr algn="ctr"/>
+            <a:r>
+              <a:rPr kumimoji="1" lang="ja-JP" altLang="en-US" sz="1400" b="1" dirty="0"/>
+              <a:t>訓練データの汚染</a:t>
+            </a:r>
+          </a:p>
+        </p:txBody>
+      </p:sp>
+      <p:sp>
+        <p:nvSpPr>
+          <p:cNvPr id="84" name="四角形: 角を丸くする 83">
+            <a:extLst>
+              <a:ext uri="{FF2B5EF4-FFF2-40B4-BE49-F238E27FC236}">
+                <a16:creationId xmlns:a16="http://schemas.microsoft.com/office/drawing/2014/main" id="{0816D0E3-BDF6-FD54-09E3-86FDD9F9E579}"/>
+              </a:ext>
+            </a:extLst>
+          </p:cNvPr>
+          <p:cNvSpPr/>
+          <p:nvPr/>
+        </p:nvSpPr>
+        <p:spPr>
+          <a:xfrm>
+            <a:off x="9624072" y="4429928"/>
+            <a:ext cx="1984214" cy="432000"/>
+          </a:xfrm>
+          <a:prstGeom prst="roundRect">
+            <a:avLst>
+              <a:gd name="adj" fmla="val 50000"/>
+            </a:avLst>
+          </a:prstGeom>
+          <a:gradFill>
+            <a:gsLst>
+              <a:gs pos="0">
+                <a:srgbClr val="D971CD"/>
+              </a:gs>
+              <a:gs pos="48000">
+                <a:srgbClr val="9D2B92"/>
+              </a:gs>
+            </a:gsLst>
+            <a:lin ang="0" scaled="0"/>
+          </a:gradFill>
+          <a:ln>
+            <a:noFill/>
+          </a:ln>
+        </p:spPr>
+        <p:style>
+          <a:lnRef idx="2">
+            <a:schemeClr val="accent1">
+              <a:shade val="15000"/>
+            </a:schemeClr>
+          </a:lnRef>
+          <a:fillRef idx="1">
+            <a:schemeClr val="accent1"/>
+          </a:fillRef>
+          <a:effectRef idx="0">
+            <a:schemeClr val="accent1"/>
+          </a:effectRef>
+          <a:fontRef idx="minor">
+            <a:schemeClr val="lt1"/>
+          </a:fontRef>
+        </p:style>
+        <p:txBody>
+          <a:bodyPr rtlCol="0" anchor="ctr"/>
+          <a:lstStyle/>
+          <a:p>
+            <a:pPr algn="ctr"/>
+            <a:r>
+              <a:rPr kumimoji="1" lang="ja-JP" altLang="en-US" sz="1400" b="1" dirty="0"/>
+              <a:t>モデルの盗難</a:t>
+            </a:r>
+          </a:p>
+        </p:txBody>
+      </p:sp>
+      <p:sp>
+        <p:nvSpPr>
+          <p:cNvPr id="85" name="四角形: 角を丸くする 84">
+            <a:extLst>
+              <a:ext uri="{FF2B5EF4-FFF2-40B4-BE49-F238E27FC236}">
+                <a16:creationId xmlns:a16="http://schemas.microsoft.com/office/drawing/2014/main" id="{99061EBE-9FFE-744C-6BCB-88696DC82052}"/>
+              </a:ext>
+            </a:extLst>
+          </p:cNvPr>
+          <p:cNvSpPr/>
+          <p:nvPr/>
+        </p:nvSpPr>
+        <p:spPr>
+          <a:xfrm>
+            <a:off x="2318320" y="3961997"/>
+            <a:ext cx="741173" cy="261688"/>
+          </a:xfrm>
+          <a:prstGeom prst="roundRect">
+            <a:avLst>
+              <a:gd name="adj" fmla="val 50000"/>
+            </a:avLst>
+          </a:prstGeom>
+          <a:noFill/>
+          <a:ln>
+            <a:solidFill>
+              <a:schemeClr val="accent5">
+                <a:lumMod val="75000"/>
+              </a:schemeClr>
+            </a:solidFill>
+          </a:ln>
+        </p:spPr>
+        <p:style>
+          <a:lnRef idx="2">
+            <a:schemeClr val="accent1">
+              <a:shade val="15000"/>
+            </a:schemeClr>
+          </a:lnRef>
+          <a:fillRef idx="1">
+            <a:schemeClr val="accent1"/>
+          </a:fillRef>
+          <a:effectRef idx="0">
+            <a:schemeClr val="accent1"/>
+          </a:effectRef>
+          <a:fontRef idx="minor">
+            <a:schemeClr val="lt1"/>
+          </a:fontRef>
+        </p:style>
+        <p:txBody>
+          <a:bodyPr rtlCol="0" anchor="ctr"/>
+          <a:lstStyle/>
+          <a:p>
+            <a:pPr algn="ctr"/>
+            <a:r>
+              <a:rPr kumimoji="1" lang="en-US" altLang="ja-JP" sz="1200" dirty="0">
+                <a:solidFill>
+                  <a:schemeClr val="accent5">
+                    <a:lumMod val="75000"/>
+                  </a:schemeClr>
+                </a:solidFill>
+              </a:rPr>
+              <a:t>L-01</a:t>
+            </a:r>
+            <a:endParaRPr kumimoji="1" lang="ja-JP" altLang="en-US" sz="1100" dirty="0">
+              <a:solidFill>
+                <a:schemeClr val="accent5">
+                  <a:lumMod val="75000"/>
+                </a:schemeClr>
+              </a:solidFill>
+            </a:endParaRPr>
+          </a:p>
+        </p:txBody>
+      </p:sp>
+      <p:sp>
+        <p:nvSpPr>
+          <p:cNvPr id="86" name="四角形: 角を丸くする 85">
+            <a:extLst>
+              <a:ext uri="{FF2B5EF4-FFF2-40B4-BE49-F238E27FC236}">
+                <a16:creationId xmlns:a16="http://schemas.microsoft.com/office/drawing/2014/main" id="{671C2E47-DDBD-53A9-E5AE-E3BF84AD40B4}"/>
+              </a:ext>
+            </a:extLst>
+          </p:cNvPr>
+          <p:cNvSpPr/>
+          <p:nvPr/>
+        </p:nvSpPr>
+        <p:spPr>
+          <a:xfrm>
+            <a:off x="2318320" y="4517593"/>
+            <a:ext cx="741173" cy="261688"/>
+          </a:xfrm>
+          <a:prstGeom prst="roundRect">
+            <a:avLst>
+              <a:gd name="adj" fmla="val 50000"/>
+            </a:avLst>
+          </a:prstGeom>
+          <a:noFill/>
+          <a:ln>
+            <a:solidFill>
+              <a:schemeClr val="accent5">
+                <a:lumMod val="75000"/>
+              </a:schemeClr>
+            </a:solidFill>
+          </a:ln>
+        </p:spPr>
+        <p:style>
+          <a:lnRef idx="2">
+            <a:schemeClr val="accent1">
+              <a:shade val="15000"/>
+            </a:schemeClr>
+          </a:lnRef>
+          <a:fillRef idx="1">
+            <a:schemeClr val="accent1"/>
+          </a:fillRef>
+          <a:effectRef idx="0">
+            <a:schemeClr val="accent1"/>
+          </a:effectRef>
+          <a:fontRef idx="minor">
+            <a:schemeClr val="lt1"/>
+          </a:fontRef>
+        </p:style>
+        <p:txBody>
+          <a:bodyPr rtlCol="0" anchor="ctr"/>
+          <a:lstStyle/>
+          <a:p>
+            <a:pPr algn="ctr"/>
+            <a:r>
+              <a:rPr kumimoji="1" lang="en-US" altLang="ja-JP" sz="1200" dirty="0">
+                <a:solidFill>
+                  <a:schemeClr val="accent5">
+                    <a:lumMod val="75000"/>
+                  </a:schemeClr>
+                </a:solidFill>
+              </a:rPr>
+              <a:t>L-02</a:t>
+            </a:r>
+            <a:endParaRPr kumimoji="1" lang="ja-JP" altLang="en-US" sz="1100" dirty="0">
+              <a:solidFill>
+                <a:schemeClr val="accent5">
+                  <a:lumMod val="75000"/>
+                </a:schemeClr>
+              </a:solidFill>
+            </a:endParaRPr>
+          </a:p>
+        </p:txBody>
+      </p:sp>
+      <p:sp>
+        <p:nvSpPr>
+          <p:cNvPr id="95" name="矢印: 五方向 94">
+            <a:extLst>
+              <a:ext uri="{FF2B5EF4-FFF2-40B4-BE49-F238E27FC236}">
+                <a16:creationId xmlns:a16="http://schemas.microsoft.com/office/drawing/2014/main" id="{F280F26A-E977-CB35-B8F7-11CFFCAF1192}"/>
+              </a:ext>
+            </a:extLst>
+          </p:cNvPr>
+          <p:cNvSpPr/>
+          <p:nvPr/>
+        </p:nvSpPr>
+        <p:spPr>
+          <a:xfrm>
+            <a:off x="3136243" y="525894"/>
+            <a:ext cx="8538156" cy="737133"/>
+          </a:xfrm>
+          <a:prstGeom prst="homePlate">
+            <a:avLst>
+              <a:gd name="adj" fmla="val 0"/>
+            </a:avLst>
+          </a:prstGeom>
+          <a:solidFill>
+            <a:schemeClr val="bg1">
+              <a:lumMod val="50000"/>
+            </a:schemeClr>
+          </a:solidFill>
+          <a:ln>
+            <a:solidFill>
+              <a:schemeClr val="tx1">
+                <a:lumMod val="75000"/>
+                <a:lumOff val="25000"/>
+              </a:schemeClr>
+            </a:solidFill>
+          </a:ln>
+        </p:spPr>
+        <p:style>
+          <a:lnRef idx="2">
+            <a:schemeClr val="accent1">
+              <a:shade val="15000"/>
+            </a:schemeClr>
+          </a:lnRef>
+          <a:fillRef idx="1">
+            <a:schemeClr val="accent1"/>
+          </a:fillRef>
+          <a:effectRef idx="0">
+            <a:schemeClr val="accent1"/>
+          </a:effectRef>
+          <a:fontRef idx="minor">
+            <a:schemeClr val="lt1"/>
+          </a:fontRef>
+        </p:style>
+        <p:txBody>
+          <a:bodyPr rtlCol="0" anchor="ctr"/>
+          <a:lstStyle/>
+          <a:p>
+            <a:pPr algn="ctr"/>
+            <a:endParaRPr kumimoji="1" lang="ja-JP" altLang="en-US"/>
+          </a:p>
+        </p:txBody>
+      </p:sp>
+      <p:sp>
+        <p:nvSpPr>
+          <p:cNvPr id="96" name="矢印: 五方向 95">
+            <a:extLst>
+              <a:ext uri="{FF2B5EF4-FFF2-40B4-BE49-F238E27FC236}">
+                <a16:creationId xmlns:a16="http://schemas.microsoft.com/office/drawing/2014/main" id="{4E5E05FE-CE6D-7456-5A0F-51491D2CDBB2}"/>
+              </a:ext>
+            </a:extLst>
+          </p:cNvPr>
+          <p:cNvSpPr/>
+          <p:nvPr/>
+        </p:nvSpPr>
+        <p:spPr>
+          <a:xfrm>
+            <a:off x="3531599" y="525894"/>
+            <a:ext cx="6011730" cy="737133"/>
+          </a:xfrm>
+          <a:prstGeom prst="homePlate">
+            <a:avLst>
+              <a:gd name="adj" fmla="val 0"/>
+            </a:avLst>
+          </a:prstGeom>
+          <a:solidFill>
+            <a:schemeClr val="bg1">
+              <a:lumMod val="65000"/>
+            </a:schemeClr>
+          </a:solidFill>
+          <a:ln>
+            <a:solidFill>
+              <a:schemeClr val="tx1">
+                <a:lumMod val="75000"/>
+                <a:lumOff val="25000"/>
+              </a:schemeClr>
+            </a:solidFill>
+          </a:ln>
+        </p:spPr>
+        <p:style>
+          <a:lnRef idx="2">
+            <a:schemeClr val="accent1">
+              <a:shade val="15000"/>
+            </a:schemeClr>
+          </a:lnRef>
+          <a:fillRef idx="1">
+            <a:schemeClr val="accent1"/>
+          </a:fillRef>
+          <a:effectRef idx="0">
+            <a:schemeClr val="accent1"/>
+          </a:effectRef>
+          <a:fontRef idx="minor">
+            <a:schemeClr val="lt1"/>
+          </a:fontRef>
+        </p:style>
+        <p:txBody>
+          <a:bodyPr rtlCol="0" anchor="ctr"/>
+          <a:lstStyle/>
+          <a:p>
+            <a:pPr algn="ctr"/>
+            <a:endParaRPr kumimoji="1" lang="ja-JP" altLang="en-US"/>
+          </a:p>
+        </p:txBody>
+      </p:sp>
+      <p:sp>
+        <p:nvSpPr>
+          <p:cNvPr id="97" name="矢印: 五方向 96">
+            <a:extLst>
+              <a:ext uri="{FF2B5EF4-FFF2-40B4-BE49-F238E27FC236}">
+                <a16:creationId xmlns:a16="http://schemas.microsoft.com/office/drawing/2014/main" id="{295F1812-B68D-8ED7-FD42-371FAE3493FF}"/>
+              </a:ext>
+            </a:extLst>
+          </p:cNvPr>
+          <p:cNvSpPr/>
+          <p:nvPr/>
+        </p:nvSpPr>
+        <p:spPr>
+          <a:xfrm>
+            <a:off x="3531599" y="525894"/>
+            <a:ext cx="3871065" cy="737133"/>
+          </a:xfrm>
+          <a:prstGeom prst="homePlate">
+            <a:avLst>
+              <a:gd name="adj" fmla="val 0"/>
+            </a:avLst>
+          </a:prstGeom>
+          <a:solidFill>
+            <a:schemeClr val="bg1">
+              <a:lumMod val="75000"/>
+            </a:schemeClr>
+          </a:solidFill>
+          <a:ln>
+            <a:solidFill>
+              <a:schemeClr val="tx1">
+                <a:lumMod val="75000"/>
+                <a:lumOff val="25000"/>
+              </a:schemeClr>
+            </a:solidFill>
+          </a:ln>
+        </p:spPr>
+        <p:style>
+          <a:lnRef idx="2">
+            <a:schemeClr val="accent1">
+              <a:shade val="15000"/>
+            </a:schemeClr>
+          </a:lnRef>
+          <a:fillRef idx="1">
+            <a:schemeClr val="accent1"/>
+          </a:fillRef>
+          <a:effectRef idx="0">
+            <a:schemeClr val="accent1"/>
+          </a:effectRef>
+          <a:fontRef idx="minor">
+            <a:schemeClr val="lt1"/>
+          </a:fontRef>
+        </p:style>
+        <p:txBody>
+          <a:bodyPr rtlCol="0" anchor="ctr"/>
+          <a:lstStyle/>
+          <a:p>
+            <a:pPr algn="ctr"/>
+            <a:endParaRPr kumimoji="1" lang="ja-JP" altLang="en-US"/>
+          </a:p>
+        </p:txBody>
+      </p:sp>
+      <p:sp>
+        <p:nvSpPr>
+          <p:cNvPr id="98" name="矢印: 五方向 97">
+            <a:extLst>
+              <a:ext uri="{FF2B5EF4-FFF2-40B4-BE49-F238E27FC236}">
+                <a16:creationId xmlns:a16="http://schemas.microsoft.com/office/drawing/2014/main" id="{2CE49F4B-34F8-9D17-CBAF-538F335EB35B}"/>
+              </a:ext>
+            </a:extLst>
+          </p:cNvPr>
+          <p:cNvSpPr/>
+          <p:nvPr/>
+        </p:nvSpPr>
+        <p:spPr>
+          <a:xfrm>
+            <a:off x="3136244" y="525894"/>
+            <a:ext cx="2131672" cy="737133"/>
+          </a:xfrm>
+          <a:prstGeom prst="homePlate">
+            <a:avLst>
+              <a:gd name="adj" fmla="val 0"/>
+            </a:avLst>
+          </a:prstGeom>
+          <a:solidFill>
+            <a:schemeClr val="bg1">
+              <a:lumMod val="85000"/>
+            </a:schemeClr>
+          </a:solidFill>
+          <a:ln>
+            <a:solidFill>
+              <a:schemeClr val="tx1">
+                <a:lumMod val="75000"/>
+                <a:lumOff val="25000"/>
+              </a:schemeClr>
+            </a:solidFill>
+          </a:ln>
+        </p:spPr>
+        <p:style>
+          <a:lnRef idx="2">
+            <a:schemeClr val="accent1">
+              <a:shade val="15000"/>
+            </a:schemeClr>
+          </a:lnRef>
+          <a:fillRef idx="1">
+            <a:schemeClr val="accent1"/>
+          </a:fillRef>
+          <a:effectRef idx="0">
+            <a:schemeClr val="accent1"/>
+          </a:effectRef>
+          <a:fontRef idx="minor">
+            <a:schemeClr val="lt1"/>
+          </a:fontRef>
+        </p:style>
+        <p:txBody>
+          <a:bodyPr rtlCol="0" anchor="ctr"/>
+          <a:lstStyle/>
+          <a:p>
+            <a:pPr algn="ctr"/>
+            <a:endParaRPr kumimoji="1" lang="ja-JP" altLang="en-US"/>
+          </a:p>
+        </p:txBody>
+      </p:sp>
+      <p:sp>
+        <p:nvSpPr>
+          <p:cNvPr id="8" name="テキスト ボックス 7">
+            <a:extLst>
+              <a:ext uri="{FF2B5EF4-FFF2-40B4-BE49-F238E27FC236}">
+                <a16:creationId xmlns:a16="http://schemas.microsoft.com/office/drawing/2014/main" id="{F88DA101-5D69-5C2D-AA00-75B959B3CCB2}"/>
+              </a:ext>
+            </a:extLst>
+          </p:cNvPr>
+          <p:cNvSpPr txBox="1"/>
+          <p:nvPr/>
+        </p:nvSpPr>
+        <p:spPr>
+          <a:xfrm>
+            <a:off x="9702972" y="745657"/>
+            <a:ext cx="1812386" cy="307777"/>
+          </a:xfrm>
+          <a:prstGeom prst="rect">
+            <a:avLst/>
+          </a:prstGeom>
+          <a:noFill/>
+        </p:spPr>
+        <p:txBody>
+          <a:bodyPr wrap="square" rtlCol="0">
+            <a:spAutoFit/>
+          </a:bodyPr>
+          <a:lstStyle/>
+          <a:p>
+            <a:pPr algn="ctr"/>
+            <a:r>
+              <a:rPr kumimoji="1" lang="ja-JP" altLang="en-US" sz="1400" b="1" dirty="0">
+                <a:solidFill>
+                  <a:schemeClr val="bg1"/>
+                </a:solidFill>
+              </a:rPr>
+              <a:t>モデルの自社開発</a:t>
+            </a:r>
+          </a:p>
+        </p:txBody>
+      </p:sp>
+      <p:sp>
+        <p:nvSpPr>
+          <p:cNvPr id="9" name="テキスト ボックス 8">
+            <a:extLst>
+              <a:ext uri="{FF2B5EF4-FFF2-40B4-BE49-F238E27FC236}">
+                <a16:creationId xmlns:a16="http://schemas.microsoft.com/office/drawing/2014/main" id="{778F47DD-8216-6273-2697-32BAA8CC41BE}"/>
+              </a:ext>
+            </a:extLst>
+          </p:cNvPr>
+          <p:cNvSpPr txBox="1"/>
+          <p:nvPr/>
+        </p:nvSpPr>
+        <p:spPr>
+          <a:xfrm>
+            <a:off x="7610756" y="745657"/>
+            <a:ext cx="1704098" cy="307777"/>
+          </a:xfrm>
+          <a:prstGeom prst="rect">
+            <a:avLst/>
+          </a:prstGeom>
+          <a:noFill/>
+        </p:spPr>
+        <p:txBody>
+          <a:bodyPr wrap="square" rtlCol="0">
+            <a:spAutoFit/>
+          </a:bodyPr>
+          <a:lstStyle/>
+          <a:p>
+            <a:pPr algn="ctr"/>
+            <a:r>
+              <a:rPr kumimoji="1" lang="ja-JP" altLang="en-US" sz="1400" b="1" dirty="0">
+                <a:solidFill>
+                  <a:schemeClr val="bg1"/>
+                </a:solidFill>
+              </a:rPr>
+              <a:t>自社データの利用</a:t>
+            </a:r>
+          </a:p>
+        </p:txBody>
+      </p:sp>
+      <p:sp>
+        <p:nvSpPr>
+          <p:cNvPr id="10" name="テキスト ボックス 9">
+            <a:extLst>
+              <a:ext uri="{FF2B5EF4-FFF2-40B4-BE49-F238E27FC236}">
+                <a16:creationId xmlns:a16="http://schemas.microsoft.com/office/drawing/2014/main" id="{4CB2E9FB-1DD5-F53C-67F3-0DB962B39D75}"/>
+              </a:ext>
+            </a:extLst>
+          </p:cNvPr>
+          <p:cNvSpPr txBox="1"/>
+          <p:nvPr/>
+        </p:nvSpPr>
+        <p:spPr>
+          <a:xfrm>
+            <a:off x="3299621" y="745657"/>
+            <a:ext cx="1804915" cy="307777"/>
+          </a:xfrm>
+          <a:prstGeom prst="rect">
+            <a:avLst/>
+          </a:prstGeom>
+          <a:noFill/>
+        </p:spPr>
+        <p:txBody>
+          <a:bodyPr wrap="square" rtlCol="0">
+            <a:spAutoFit/>
+          </a:bodyPr>
+          <a:lstStyle/>
+          <a:p>
+            <a:pPr algn="ctr"/>
+            <a:r>
+              <a:rPr kumimoji="1" lang="ja-JP" altLang="en-US" sz="1400" b="1" dirty="0">
+                <a:solidFill>
+                  <a:schemeClr val="tx1">
+                    <a:lumMod val="75000"/>
+                    <a:lumOff val="25000"/>
+                  </a:schemeClr>
+                </a:solidFill>
+              </a:rPr>
+              <a:t>外部サービスの利用</a:t>
+            </a:r>
+          </a:p>
+        </p:txBody>
+      </p:sp>
+      <p:sp>
+        <p:nvSpPr>
+          <p:cNvPr id="11" name="テキスト ボックス 10">
+            <a:extLst>
+              <a:ext uri="{FF2B5EF4-FFF2-40B4-BE49-F238E27FC236}">
+                <a16:creationId xmlns:a16="http://schemas.microsoft.com/office/drawing/2014/main" id="{73B31404-CB47-0395-81E4-1855ACC1CBA8}"/>
+              </a:ext>
+            </a:extLst>
+          </p:cNvPr>
+          <p:cNvSpPr txBox="1"/>
+          <p:nvPr/>
+        </p:nvSpPr>
+        <p:spPr>
+          <a:xfrm>
+            <a:off x="5290115" y="745657"/>
+            <a:ext cx="2088663" cy="307777"/>
+          </a:xfrm>
+          <a:prstGeom prst="rect">
+            <a:avLst/>
+          </a:prstGeom>
+          <a:noFill/>
+        </p:spPr>
+        <p:txBody>
+          <a:bodyPr wrap="square" rtlCol="0">
+            <a:spAutoFit/>
+          </a:bodyPr>
+          <a:lstStyle/>
+          <a:p>
+            <a:pPr algn="ctr"/>
+            <a:r>
+              <a:rPr kumimoji="1" lang="en-US" altLang="ja-JP" sz="1400" b="1" dirty="0">
+                <a:solidFill>
+                  <a:schemeClr val="tx1">
+                    <a:lumMod val="75000"/>
+                    <a:lumOff val="25000"/>
+                  </a:schemeClr>
+                </a:solidFill>
+              </a:rPr>
+              <a:t>API</a:t>
+            </a:r>
+            <a:r>
+              <a:rPr kumimoji="1" lang="ja-JP" altLang="en-US" sz="1400" b="1" dirty="0">
+                <a:solidFill>
+                  <a:schemeClr val="tx1">
+                    <a:lumMod val="75000"/>
+                    <a:lumOff val="25000"/>
+                  </a:schemeClr>
+                </a:solidFill>
+              </a:rPr>
+              <a:t>を利用した独自環境</a:t>
+            </a:r>
+          </a:p>
+        </p:txBody>
+      </p:sp>
+      <p:sp>
+        <p:nvSpPr>
+          <p:cNvPr id="16" name="正方形/長方形 15">
+            <a:extLst>
+              <a:ext uri="{FF2B5EF4-FFF2-40B4-BE49-F238E27FC236}">
+                <a16:creationId xmlns:a16="http://schemas.microsoft.com/office/drawing/2014/main" id="{8A4DD2E4-07F2-52EE-0BB3-87B7384E1E88}"/>
+              </a:ext>
+            </a:extLst>
+          </p:cNvPr>
+          <p:cNvSpPr/>
+          <p:nvPr/>
+        </p:nvSpPr>
+        <p:spPr>
+          <a:xfrm>
+            <a:off x="962944" y="1388746"/>
+            <a:ext cx="599176" cy="3599409"/>
+          </a:xfrm>
+          <a:prstGeom prst="rect">
+            <a:avLst/>
+          </a:prstGeom>
+          <a:solidFill>
+            <a:srgbClr val="C00000"/>
+          </a:solidFill>
+          <a:ln>
+            <a:noFill/>
+          </a:ln>
+        </p:spPr>
+        <p:style>
+          <a:lnRef idx="2">
+            <a:schemeClr val="accent1">
+              <a:shade val="15000"/>
+            </a:schemeClr>
+          </a:lnRef>
+          <a:fillRef idx="1">
+            <a:schemeClr val="accent1"/>
+          </a:fillRef>
+          <a:effectRef idx="0">
+            <a:schemeClr val="accent1"/>
+          </a:effectRef>
+          <a:fontRef idx="minor">
+            <a:schemeClr val="lt1"/>
+          </a:fontRef>
+        </p:style>
+        <p:txBody>
+          <a:bodyPr rtlCol="0" anchor="ctr"/>
+          <a:lstStyle/>
+          <a:p>
+            <a:pPr algn="ctr"/>
+            <a:endParaRPr kumimoji="1" lang="ja-JP" altLang="en-US"/>
+          </a:p>
+        </p:txBody>
+      </p:sp>
+      <p:sp>
+        <p:nvSpPr>
+          <p:cNvPr id="17" name="テキスト ボックス 16">
+            <a:extLst>
+              <a:ext uri="{FF2B5EF4-FFF2-40B4-BE49-F238E27FC236}">
+                <a16:creationId xmlns:a16="http://schemas.microsoft.com/office/drawing/2014/main" id="{D3D37706-042D-E48E-5905-004E37775894}"/>
+              </a:ext>
+            </a:extLst>
+          </p:cNvPr>
+          <p:cNvSpPr txBox="1"/>
+          <p:nvPr/>
+        </p:nvSpPr>
+        <p:spPr>
+          <a:xfrm>
+            <a:off x="1062477" y="2418895"/>
+            <a:ext cx="400110" cy="1539111"/>
+          </a:xfrm>
+          <a:prstGeom prst="rect">
+            <a:avLst/>
+          </a:prstGeom>
+          <a:noFill/>
+        </p:spPr>
+        <p:txBody>
+          <a:bodyPr vert="eaVert" wrap="square" rtlCol="0" anchor="ctr">
+            <a:spAutoFit/>
+          </a:bodyPr>
+          <a:lstStyle/>
+          <a:p>
+            <a:pPr algn="ctr"/>
+            <a:r>
+              <a:rPr kumimoji="1" lang="ja-JP" altLang="en-US" sz="1400" b="1">
+                <a:solidFill>
+                  <a:schemeClr val="bg1"/>
+                </a:solidFill>
+              </a:rPr>
+              <a:t>外部からの脅威</a:t>
+            </a:r>
+            <a:endParaRPr kumimoji="1" lang="ja-JP" altLang="en-US" sz="1400" b="1" dirty="0">
+              <a:solidFill>
+                <a:schemeClr val="bg1"/>
+              </a:solidFill>
+            </a:endParaRPr>
+          </a:p>
+        </p:txBody>
+      </p:sp>
+      <p:cxnSp>
+        <p:nvCxnSpPr>
+          <p:cNvPr id="18" name="直線コネクタ 17">
+            <a:extLst>
+              <a:ext uri="{FF2B5EF4-FFF2-40B4-BE49-F238E27FC236}">
+                <a16:creationId xmlns:a16="http://schemas.microsoft.com/office/drawing/2014/main" id="{A9D2A3EA-8A27-3B08-C103-6610298FF2A1}"/>
+              </a:ext>
+            </a:extLst>
+          </p:cNvPr>
+          <p:cNvCxnSpPr>
+            <a:cxnSpLocks/>
+          </p:cNvCxnSpPr>
+          <p:nvPr/>
+        </p:nvCxnSpPr>
+        <p:spPr>
+          <a:xfrm>
+            <a:off x="1480227" y="3716405"/>
+            <a:ext cx="10171023" cy="0"/>
+          </a:xfrm>
+          <a:prstGeom prst="line">
+            <a:avLst/>
+          </a:prstGeom>
+          <a:ln w="6350">
+            <a:solidFill>
+              <a:schemeClr val="accent1"/>
+            </a:solidFill>
+            <a:prstDash val="dash"/>
+          </a:ln>
+        </p:spPr>
+        <p:style>
+          <a:lnRef idx="2">
+            <a:schemeClr val="accent1"/>
+          </a:lnRef>
+          <a:fillRef idx="0">
+            <a:schemeClr val="accent1"/>
+          </a:fillRef>
+          <a:effectRef idx="1">
+            <a:schemeClr val="accent1"/>
+          </a:effectRef>
+          <a:fontRef idx="minor">
+            <a:schemeClr val="tx1"/>
+          </a:fontRef>
+        </p:style>
+      </p:cxnSp>
+      <p:sp>
+        <p:nvSpPr>
+          <p:cNvPr id="24" name="正方形/長方形 23">
+            <a:extLst>
+              <a:ext uri="{FF2B5EF4-FFF2-40B4-BE49-F238E27FC236}">
+                <a16:creationId xmlns:a16="http://schemas.microsoft.com/office/drawing/2014/main" id="{DFBC0BE5-8FBB-EE25-6A96-4C17B9A1FA56}"/>
+              </a:ext>
+            </a:extLst>
+          </p:cNvPr>
+          <p:cNvSpPr/>
+          <p:nvPr/>
+        </p:nvSpPr>
+        <p:spPr>
+          <a:xfrm>
+            <a:off x="962944" y="5082359"/>
+            <a:ext cx="599176" cy="6555475"/>
+          </a:xfrm>
+          <a:prstGeom prst="rect">
+            <a:avLst/>
+          </a:prstGeom>
+          <a:solidFill>
+            <a:schemeClr val="tx2">
+              <a:lumMod val="90000"/>
+              <a:lumOff val="10000"/>
+            </a:schemeClr>
+          </a:solidFill>
+          <a:ln>
+            <a:noFill/>
+          </a:ln>
+        </p:spPr>
+        <p:style>
+          <a:lnRef idx="2">
+            <a:schemeClr val="accent1">
+              <a:shade val="15000"/>
+            </a:schemeClr>
+          </a:lnRef>
+          <a:fillRef idx="1">
+            <a:schemeClr val="accent1"/>
+          </a:fillRef>
+          <a:effectRef idx="0">
+            <a:schemeClr val="accent1"/>
+          </a:effectRef>
+          <a:fontRef idx="minor">
+            <a:schemeClr val="lt1"/>
+          </a:fontRef>
+        </p:style>
+        <p:txBody>
+          <a:bodyPr rtlCol="0" anchor="ctr"/>
+          <a:lstStyle/>
+          <a:p>
+            <a:pPr algn="ctr"/>
+            <a:endParaRPr kumimoji="1" lang="ja-JP" altLang="en-US"/>
+          </a:p>
+        </p:txBody>
+      </p:sp>
+      <p:sp>
+        <p:nvSpPr>
+          <p:cNvPr id="25" name="テキスト ボックス 24">
+            <a:extLst>
+              <a:ext uri="{FF2B5EF4-FFF2-40B4-BE49-F238E27FC236}">
+                <a16:creationId xmlns:a16="http://schemas.microsoft.com/office/drawing/2014/main" id="{9A67842D-483D-2DA5-E402-CA178258AD1F}"/>
+              </a:ext>
+            </a:extLst>
+          </p:cNvPr>
+          <p:cNvSpPr txBox="1"/>
+          <p:nvPr/>
+        </p:nvSpPr>
+        <p:spPr>
+          <a:xfrm>
+            <a:off x="1062477" y="6906014"/>
+            <a:ext cx="400110" cy="2908164"/>
+          </a:xfrm>
+          <a:prstGeom prst="rect">
+            <a:avLst/>
+          </a:prstGeom>
+          <a:noFill/>
+        </p:spPr>
+        <p:txBody>
+          <a:bodyPr vert="eaVert" wrap="square" rtlCol="0" anchor="ctr">
+            <a:spAutoFit/>
+          </a:bodyPr>
+          <a:lstStyle/>
+          <a:p>
+            <a:pPr algn="ctr"/>
+            <a:r>
+              <a:rPr kumimoji="1" lang="ja-JP" altLang="en-US" sz="1400" b="1">
+                <a:solidFill>
+                  <a:schemeClr val="bg1"/>
+                </a:solidFill>
+              </a:rPr>
+              <a:t>脅威へのアクション・対策</a:t>
+            </a:r>
+            <a:endParaRPr kumimoji="1" lang="ja-JP" altLang="en-US" sz="1400" b="1" dirty="0">
+              <a:solidFill>
+                <a:schemeClr val="bg1"/>
+              </a:solidFill>
+            </a:endParaRPr>
+          </a:p>
+        </p:txBody>
+      </p:sp>
+      <p:sp>
+        <p:nvSpPr>
+          <p:cNvPr id="26" name="正方形/長方形 25">
+            <a:extLst>
+              <a:ext uri="{FF2B5EF4-FFF2-40B4-BE49-F238E27FC236}">
+                <a16:creationId xmlns:a16="http://schemas.microsoft.com/office/drawing/2014/main" id="{BDFFC0CE-32F4-4FEF-1D25-7583389ED599}"/>
+              </a:ext>
+            </a:extLst>
+          </p:cNvPr>
+          <p:cNvSpPr/>
+          <p:nvPr/>
+        </p:nvSpPr>
+        <p:spPr>
+          <a:xfrm>
+            <a:off x="1604047" y="5082921"/>
+            <a:ext cx="599176" cy="2566174"/>
+          </a:xfrm>
+          <a:prstGeom prst="rect">
+            <a:avLst/>
+          </a:prstGeom>
+          <a:solidFill>
+            <a:srgbClr val="4D95D7"/>
+          </a:solidFill>
+          <a:ln>
+            <a:noFill/>
+          </a:ln>
+        </p:spPr>
+        <p:style>
+          <a:lnRef idx="2">
+            <a:schemeClr val="accent1">
+              <a:shade val="15000"/>
+            </a:schemeClr>
+          </a:lnRef>
+          <a:fillRef idx="1">
+            <a:schemeClr val="accent1"/>
+          </a:fillRef>
+          <a:effectRef idx="0">
+            <a:schemeClr val="accent1"/>
+          </a:effectRef>
+          <a:fontRef idx="minor">
+            <a:schemeClr val="lt1"/>
+          </a:fontRef>
+        </p:style>
+        <p:txBody>
+          <a:bodyPr rtlCol="0" anchor="ctr"/>
+          <a:lstStyle/>
+          <a:p>
+            <a:pPr algn="ctr"/>
+            <a:endParaRPr kumimoji="1" lang="ja-JP" altLang="en-US"/>
+          </a:p>
+        </p:txBody>
+      </p:sp>
+      <p:sp>
+        <p:nvSpPr>
+          <p:cNvPr id="27" name="テキスト ボックス 26">
+            <a:extLst>
+              <a:ext uri="{FF2B5EF4-FFF2-40B4-BE49-F238E27FC236}">
+                <a16:creationId xmlns:a16="http://schemas.microsoft.com/office/drawing/2014/main" id="{29E4C3DA-D382-829D-8D54-A2C17A84FFDC}"/>
+              </a:ext>
+            </a:extLst>
+          </p:cNvPr>
+          <p:cNvSpPr txBox="1"/>
+          <p:nvPr/>
+        </p:nvSpPr>
+        <p:spPr>
+          <a:xfrm>
+            <a:off x="1593017" y="5505496"/>
+            <a:ext cx="615553" cy="1876404"/>
+          </a:xfrm>
+          <a:prstGeom prst="rect">
+            <a:avLst/>
+          </a:prstGeom>
+          <a:noFill/>
+        </p:spPr>
+        <p:txBody>
+          <a:bodyPr vert="eaVert" wrap="square" rtlCol="0" anchor="ctr">
+            <a:spAutoFit/>
+          </a:bodyPr>
+          <a:lstStyle/>
+          <a:p>
+            <a:r>
+              <a:rPr kumimoji="1" lang="ja-JP" altLang="en-US" sz="1400" b="1" dirty="0">
+                <a:solidFill>
+                  <a:schemeClr val="bg1"/>
+                </a:solidFill>
+              </a:rPr>
+              <a:t>アプリケーションの</a:t>
+            </a:r>
+            <a:endParaRPr kumimoji="1" lang="en-US" altLang="ja-JP" sz="1400" b="1" dirty="0">
+              <a:solidFill>
+                <a:schemeClr val="bg1"/>
+              </a:solidFill>
+            </a:endParaRPr>
+          </a:p>
+          <a:p>
+            <a:r>
+              <a:rPr kumimoji="1" lang="ja-JP" altLang="en-US" sz="1400" b="1" dirty="0">
+                <a:solidFill>
+                  <a:schemeClr val="bg1"/>
+                </a:solidFill>
+              </a:rPr>
+              <a:t>セキュリティ</a:t>
+            </a:r>
+          </a:p>
+        </p:txBody>
+      </p:sp>
+      <p:sp>
+        <p:nvSpPr>
+          <p:cNvPr id="28" name="四角形: 角を丸くする 56">
+            <a:extLst>
+              <a:ext uri="{FF2B5EF4-FFF2-40B4-BE49-F238E27FC236}">
+                <a16:creationId xmlns:a16="http://schemas.microsoft.com/office/drawing/2014/main" id="{5D4D8B7F-3BC4-92F5-E98C-B57A44D957C1}"/>
+              </a:ext>
+            </a:extLst>
+          </p:cNvPr>
+          <p:cNvSpPr/>
+          <p:nvPr/>
+        </p:nvSpPr>
+        <p:spPr>
+          <a:xfrm>
+            <a:off x="3205334" y="5272407"/>
+            <a:ext cx="4140000" cy="432000"/>
           </a:xfrm>
           <a:prstGeom prst="roundRect">
             <a:avLst>
@@ -5664,10 +6997,10 @@
       </p:sp>
       <p:sp>
         <p:nvSpPr>
-          <p:cNvPr id="58" name="四角形: 角を丸くする 57">
+          <p:cNvPr id="29" name="四角形: 角を丸くする 57">
             <a:extLst>
               <a:ext uri="{FF2B5EF4-FFF2-40B4-BE49-F238E27FC236}">
-                <a16:creationId xmlns:a16="http://schemas.microsoft.com/office/drawing/2014/main" id="{2EE19E09-EBD9-8B76-9A6E-D779E8229290}"/>
+                <a16:creationId xmlns:a16="http://schemas.microsoft.com/office/drawing/2014/main" id="{BC2F20B6-FC62-288B-E3D4-EC63A205D40D}"/>
               </a:ext>
             </a:extLst>
           </p:cNvPr>
@@ -5676,7 +7009,7 @@
         </p:nvSpPr>
         <p:spPr>
           <a:xfrm>
-            <a:off x="4901600" y="4072314"/>
+            <a:off x="5383178" y="5788283"/>
             <a:ext cx="1962156" cy="655415"/>
           </a:xfrm>
           <a:prstGeom prst="roundRect">
@@ -5745,10 +7078,10 @@
       </p:sp>
       <p:sp>
         <p:nvSpPr>
-          <p:cNvPr id="59" name="四角形: 角を丸くする 58">
+          <p:cNvPr id="30" name="四角形: 角を丸くする 58">
             <a:extLst>
               <a:ext uri="{FF2B5EF4-FFF2-40B4-BE49-F238E27FC236}">
-                <a16:creationId xmlns:a16="http://schemas.microsoft.com/office/drawing/2014/main" id="{2651D497-02BD-40DA-1AC4-692FEC9DC342}"/>
+                <a16:creationId xmlns:a16="http://schemas.microsoft.com/office/drawing/2014/main" id="{8E2B7AB4-DD0A-B96B-61A8-018B17029DBA}"/>
               </a:ext>
             </a:extLst>
           </p:cNvPr>
@@ -5757,7 +7090,7 @@
         </p:nvSpPr>
         <p:spPr>
           <a:xfrm>
-            <a:off x="4899008" y="4811605"/>
+            <a:off x="5322170" y="6527574"/>
             <a:ext cx="6286116" cy="432000"/>
           </a:xfrm>
           <a:prstGeom prst="roundRect">
@@ -5810,10 +7143,10 @@
       </p:sp>
       <p:sp>
         <p:nvSpPr>
-          <p:cNvPr id="60" name="四角形: 角を丸くする 59">
+          <p:cNvPr id="31" name="四角形: 角を丸くする 59">
             <a:extLst>
               <a:ext uri="{FF2B5EF4-FFF2-40B4-BE49-F238E27FC236}">
-                <a16:creationId xmlns:a16="http://schemas.microsoft.com/office/drawing/2014/main" id="{11E80412-D201-6BB6-51FF-9D9ABB9D2F3A}"/>
+                <a16:creationId xmlns:a16="http://schemas.microsoft.com/office/drawing/2014/main" id="{74A4CF6F-A347-9AA2-75E0-A0EF3AFFBD2B}"/>
               </a:ext>
             </a:extLst>
           </p:cNvPr>
@@ -5822,7 +7155,7 @@
         </p:nvSpPr>
         <p:spPr>
           <a:xfrm>
-            <a:off x="1906502" y="3652081"/>
+            <a:off x="2329664" y="5368050"/>
             <a:ext cx="741173" cy="261688"/>
           </a:xfrm>
           <a:prstGeom prst="roundRect">
@@ -5876,10 +7209,10 @@
       </p:sp>
       <p:sp>
         <p:nvSpPr>
-          <p:cNvPr id="61" name="四角形: 角を丸くする 60">
+          <p:cNvPr id="32" name="四角形: 角を丸くする 60">
             <a:extLst>
               <a:ext uri="{FF2B5EF4-FFF2-40B4-BE49-F238E27FC236}">
-                <a16:creationId xmlns:a16="http://schemas.microsoft.com/office/drawing/2014/main" id="{4A67CAB4-D4AE-FE2B-3390-4CCD159059A0}"/>
+                <a16:creationId xmlns:a16="http://schemas.microsoft.com/office/drawing/2014/main" id="{C89F9388-FC0E-7219-9F95-64EF80EFD1DE}"/>
               </a:ext>
             </a:extLst>
           </p:cNvPr>
@@ -5888,7 +7221,7 @@
         </p:nvSpPr>
         <p:spPr>
           <a:xfrm>
-            <a:off x="1906502" y="4324966"/>
+            <a:off x="2329664" y="5985146"/>
             <a:ext cx="741173" cy="261688"/>
           </a:xfrm>
           <a:prstGeom prst="roundRect">
@@ -5942,10 +7275,10 @@
       </p:sp>
       <p:sp>
         <p:nvSpPr>
-          <p:cNvPr id="62" name="四角形: 角を丸くする 61">
+          <p:cNvPr id="34" name="四角形: 角を丸くする 61">
             <a:extLst>
               <a:ext uri="{FF2B5EF4-FFF2-40B4-BE49-F238E27FC236}">
-                <a16:creationId xmlns:a16="http://schemas.microsoft.com/office/drawing/2014/main" id="{0F5F1913-095A-6BE9-E933-1BBE0A9D3EAC}"/>
+                <a16:creationId xmlns:a16="http://schemas.microsoft.com/office/drawing/2014/main" id="{E01ABBCC-E1C4-6487-5FD1-528D034F9BA0}"/>
               </a:ext>
             </a:extLst>
           </p:cNvPr>
@@ -5954,7 +7287,7 @@
         </p:nvSpPr>
         <p:spPr>
           <a:xfrm>
-            <a:off x="1906502" y="4900043"/>
+            <a:off x="2329664" y="6612730"/>
             <a:ext cx="741173" cy="261688"/>
           </a:xfrm>
           <a:prstGeom prst="roundRect">
@@ -6008,10 +7341,10 @@
       </p:sp>
       <p:sp>
         <p:nvSpPr>
-          <p:cNvPr id="63" name="四角形: 角を丸くする 62">
+          <p:cNvPr id="36" name="四角形: 角を丸くする 62">
             <a:extLst>
               <a:ext uri="{FF2B5EF4-FFF2-40B4-BE49-F238E27FC236}">
-                <a16:creationId xmlns:a16="http://schemas.microsoft.com/office/drawing/2014/main" id="{9D797281-8BFF-4577-B68D-AA2A6F059377}"/>
+                <a16:creationId xmlns:a16="http://schemas.microsoft.com/office/drawing/2014/main" id="{05994E83-42C6-7A61-C9CB-1BC2CFEE2EF3}"/>
               </a:ext>
             </a:extLst>
           </p:cNvPr>
@@ -6020,7 +7353,7 @@
         </p:nvSpPr>
         <p:spPr>
           <a:xfrm>
-            <a:off x="2788278" y="5327482"/>
+            <a:off x="3205334" y="7043451"/>
             <a:ext cx="6232642" cy="432000"/>
           </a:xfrm>
           <a:prstGeom prst="roundRect">
@@ -6073,10 +7406,10 @@
       </p:sp>
       <p:sp>
         <p:nvSpPr>
-          <p:cNvPr id="64" name="四角形: 角を丸くする 63">
+          <p:cNvPr id="37" name="四角形: 角を丸くする 63">
             <a:extLst>
               <a:ext uri="{FF2B5EF4-FFF2-40B4-BE49-F238E27FC236}">
-                <a16:creationId xmlns:a16="http://schemas.microsoft.com/office/drawing/2014/main" id="{A8B9A6BC-90CA-95A8-FC3B-A6DEB74DC321}"/>
+                <a16:creationId xmlns:a16="http://schemas.microsoft.com/office/drawing/2014/main" id="{9D67C231-30B8-363E-E66B-57CB7139329D}"/>
               </a:ext>
             </a:extLst>
           </p:cNvPr>
@@ -6085,7 +7418,7 @@
         </p:nvSpPr>
         <p:spPr>
           <a:xfrm>
-            <a:off x="1906502" y="5412638"/>
+            <a:off x="2329664" y="7128607"/>
             <a:ext cx="741173" cy="261688"/>
           </a:xfrm>
           <a:prstGeom prst="roundRect">
@@ -6137,12 +7470,56 @@
           </a:p>
         </p:txBody>
       </p:sp>
-      <p:sp>
-        <p:nvSpPr>
-          <p:cNvPr id="76" name="四角形: 角を丸くする 75">
+      <p:cxnSp>
+        <p:nvCxnSpPr>
+          <p:cNvPr id="39" name="直線コネクタ 38">
             <a:extLst>
               <a:ext uri="{FF2B5EF4-FFF2-40B4-BE49-F238E27FC236}">
-                <a16:creationId xmlns:a16="http://schemas.microsoft.com/office/drawing/2014/main" id="{45ED591D-DCC6-0C89-F769-D5A7ED0B4A9E}"/>
+                <a16:creationId xmlns:a16="http://schemas.microsoft.com/office/drawing/2014/main" id="{EDAD7EEB-6D2C-2402-C3CD-185CE0225976}"/>
+              </a:ext>
+            </a:extLst>
+          </p:cNvPr>
+          <p:cNvCxnSpPr>
+            <a:cxnSpLocks/>
+          </p:cNvCxnSpPr>
+          <p:nvPr/>
+        </p:nvCxnSpPr>
+        <p:spPr>
+          <a:xfrm>
+            <a:off x="1503376" y="7686520"/>
+            <a:ext cx="10171023" cy="0"/>
+          </a:xfrm>
+          <a:prstGeom prst="line">
+            <a:avLst/>
+          </a:prstGeom>
+          <a:ln w="6350">
+            <a:solidFill>
+              <a:schemeClr val="accent1"/>
+            </a:solidFill>
+            <a:prstDash val="dash"/>
+          </a:ln>
+        </p:spPr>
+        <p:style>
+          <a:lnRef idx="2">
+            <a:schemeClr val="accent1"/>
+          </a:lnRef>
+          <a:fillRef idx="0">
+            <a:schemeClr val="accent1"/>
+          </a:fillRef>
+          <a:effectRef idx="1">
+            <a:schemeClr val="accent1"/>
+          </a:effectRef>
+          <a:fontRef idx="minor">
+            <a:schemeClr val="tx1"/>
+          </a:fontRef>
+        </p:style>
+      </p:cxnSp>
+      <p:sp>
+        <p:nvSpPr>
+          <p:cNvPr id="40" name="正方形/長方形 39">
+            <a:extLst>
+              <a:ext uri="{FF2B5EF4-FFF2-40B4-BE49-F238E27FC236}">
+                <a16:creationId xmlns:a16="http://schemas.microsoft.com/office/drawing/2014/main" id="{D110C046-9A43-3205-6FD9-2EEAF4A139F4}"/>
               </a:ext>
             </a:extLst>
           </p:cNvPr>
@@ -6151,7 +7528,99 @@
         </p:nvSpPr>
         <p:spPr>
           <a:xfrm>
-            <a:off x="2788281" y="6121158"/>
+            <a:off x="1601844" y="7723946"/>
+            <a:ext cx="599176" cy="1809284"/>
+          </a:xfrm>
+          <a:prstGeom prst="rect">
+            <a:avLst/>
+          </a:prstGeom>
+          <a:solidFill>
+            <a:srgbClr val="51AE30"/>
+          </a:solidFill>
+          <a:ln>
+            <a:noFill/>
+          </a:ln>
+        </p:spPr>
+        <p:style>
+          <a:lnRef idx="2">
+            <a:schemeClr val="accent1">
+              <a:shade val="15000"/>
+            </a:schemeClr>
+          </a:lnRef>
+          <a:fillRef idx="1">
+            <a:schemeClr val="accent1"/>
+          </a:fillRef>
+          <a:effectRef idx="0">
+            <a:schemeClr val="accent1"/>
+          </a:effectRef>
+          <a:fontRef idx="minor">
+            <a:schemeClr val="lt1"/>
+          </a:fontRef>
+        </p:style>
+        <p:txBody>
+          <a:bodyPr rtlCol="0" anchor="ctr"/>
+          <a:lstStyle/>
+          <a:p>
+            <a:pPr algn="ctr"/>
+            <a:endParaRPr kumimoji="1" lang="ja-JP" altLang="en-US"/>
+          </a:p>
+        </p:txBody>
+      </p:sp>
+      <p:sp>
+        <p:nvSpPr>
+          <p:cNvPr id="41" name="テキスト ボックス 40">
+            <a:extLst>
+              <a:ext uri="{FF2B5EF4-FFF2-40B4-BE49-F238E27FC236}">
+                <a16:creationId xmlns:a16="http://schemas.microsoft.com/office/drawing/2014/main" id="{35281860-F262-A652-FA17-9C203C17CA9F}"/>
+              </a:ext>
+            </a:extLst>
+          </p:cNvPr>
+          <p:cNvSpPr txBox="1"/>
+          <p:nvPr/>
+        </p:nvSpPr>
+        <p:spPr>
+          <a:xfrm>
+            <a:off x="1701377" y="8001369"/>
+            <a:ext cx="400110" cy="1254439"/>
+          </a:xfrm>
+          <a:prstGeom prst="rect">
+            <a:avLst/>
+          </a:prstGeom>
+          <a:noFill/>
+        </p:spPr>
+        <p:txBody>
+          <a:bodyPr vert="eaVert" wrap="square" rtlCol="0" anchor="ctr">
+            <a:spAutoFit/>
+          </a:bodyPr>
+          <a:lstStyle/>
+          <a:p>
+            <a:pPr algn="ctr"/>
+            <a:r>
+              <a:rPr kumimoji="1" lang="ja-JP" altLang="en-US" sz="1400" b="1" dirty="0">
+                <a:solidFill>
+                  <a:schemeClr val="bg1"/>
+                </a:solidFill>
+              </a:rPr>
+              <a:t>モニタリング</a:t>
+            </a:r>
+          </a:p>
+        </p:txBody>
+      </p:sp>
+      <p:sp>
+        <p:nvSpPr>
+          <p:cNvPr id="42" name="四角形: 角を丸くする 75">
+            <a:extLst>
+              <a:ext uri="{FF2B5EF4-FFF2-40B4-BE49-F238E27FC236}">
+                <a16:creationId xmlns:a16="http://schemas.microsoft.com/office/drawing/2014/main" id="{6C3251B8-5F55-018B-50DA-A020CFFDBA1D}"/>
+              </a:ext>
+            </a:extLst>
+          </p:cNvPr>
+          <p:cNvSpPr/>
+          <p:nvPr/>
+        </p:nvSpPr>
+        <p:spPr>
+          <a:xfrm>
+            <a:off x="3205334" y="7856887"/>
             <a:ext cx="6232640" cy="432000"/>
           </a:xfrm>
           <a:prstGeom prst="roundRect">
@@ -6204,10 +7673,10 @@
       </p:sp>
       <p:sp>
         <p:nvSpPr>
-          <p:cNvPr id="77" name="四角形: 角を丸くする 76">
+          <p:cNvPr id="43" name="四角形: 角を丸くする 76">
             <a:extLst>
               <a:ext uri="{FF2B5EF4-FFF2-40B4-BE49-F238E27FC236}">
-                <a16:creationId xmlns:a16="http://schemas.microsoft.com/office/drawing/2014/main" id="{9D109AA8-3836-B268-BCED-BF18374F2FC9}"/>
+                <a16:creationId xmlns:a16="http://schemas.microsoft.com/office/drawing/2014/main" id="{64D59771-2774-D743-1DED-4FF8C3ABAC8B}"/>
               </a:ext>
             </a:extLst>
           </p:cNvPr>
@@ -6216,8 +7685,8 @@
         </p:nvSpPr>
         <p:spPr>
           <a:xfrm>
-            <a:off x="2792520" y="6657986"/>
-            <a:ext cx="8396847" cy="432000"/>
+            <a:off x="3205334" y="8393715"/>
+            <a:ext cx="8388000" cy="432000"/>
           </a:xfrm>
           <a:prstGeom prst="roundRect">
             <a:avLst>
@@ -6269,10 +7738,10 @@
       </p:sp>
       <p:sp>
         <p:nvSpPr>
-          <p:cNvPr id="78" name="四角形: 角を丸くする 77">
+          <p:cNvPr id="44" name="四角形: 角を丸くする 77">
             <a:extLst>
               <a:ext uri="{FF2B5EF4-FFF2-40B4-BE49-F238E27FC236}">
-                <a16:creationId xmlns:a16="http://schemas.microsoft.com/office/drawing/2014/main" id="{B2D4229B-644F-C9E9-5DE4-115F1C73A154}"/>
+                <a16:creationId xmlns:a16="http://schemas.microsoft.com/office/drawing/2014/main" id="{0792531D-843F-B93F-8D31-CAE5986380EB}"/>
               </a:ext>
             </a:extLst>
           </p:cNvPr>
@@ -6281,8 +7750,8 @@
         </p:nvSpPr>
         <p:spPr>
           <a:xfrm>
-            <a:off x="2788277" y="7194813"/>
-            <a:ext cx="8396847" cy="432000"/>
+            <a:off x="3205334" y="8930542"/>
+            <a:ext cx="8388000" cy="432000"/>
           </a:xfrm>
           <a:prstGeom prst="roundRect">
             <a:avLst>
@@ -6334,10 +7803,10 @@
       </p:sp>
       <p:sp>
         <p:nvSpPr>
-          <p:cNvPr id="79" name="四角形: 角を丸くする 78">
+          <p:cNvPr id="45" name="四角形: 角を丸くする 78">
             <a:extLst>
               <a:ext uri="{FF2B5EF4-FFF2-40B4-BE49-F238E27FC236}">
-                <a16:creationId xmlns:a16="http://schemas.microsoft.com/office/drawing/2014/main" id="{956110F0-39D6-990B-6844-9D2283B6CB3D}"/>
+                <a16:creationId xmlns:a16="http://schemas.microsoft.com/office/drawing/2014/main" id="{D9234EAD-7465-6D5B-07F2-8AA416E45F95}"/>
               </a:ext>
             </a:extLst>
           </p:cNvPr>
@@ -6346,7 +7815,7 @@
         </p:nvSpPr>
         <p:spPr>
           <a:xfrm>
-            <a:off x="1900773" y="6191921"/>
+            <a:off x="2317826" y="7927650"/>
             <a:ext cx="741173" cy="261688"/>
           </a:xfrm>
           <a:prstGeom prst="roundRect">
@@ -6400,10 +7869,10 @@
       </p:sp>
       <p:sp>
         <p:nvSpPr>
-          <p:cNvPr id="80" name="四角形: 角を丸くする 79">
+          <p:cNvPr id="65" name="四角形: 角を丸くする 79">
             <a:extLst>
               <a:ext uri="{FF2B5EF4-FFF2-40B4-BE49-F238E27FC236}">
-                <a16:creationId xmlns:a16="http://schemas.microsoft.com/office/drawing/2014/main" id="{1BE443DC-2204-7776-CB2D-C8821DF2C56D}"/>
+                <a16:creationId xmlns:a16="http://schemas.microsoft.com/office/drawing/2014/main" id="{C8723B30-0D38-BABB-1E0E-04416D00A5C3}"/>
               </a:ext>
             </a:extLst>
           </p:cNvPr>
@@ -6412,7 +7881,7 @@
         </p:nvSpPr>
         <p:spPr>
           <a:xfrm>
-            <a:off x="1900773" y="6747517"/>
+            <a:off x="2317826" y="8483246"/>
             <a:ext cx="741173" cy="261688"/>
           </a:xfrm>
           <a:prstGeom prst="roundRect">
@@ -6466,10 +7935,10 @@
       </p:sp>
       <p:sp>
         <p:nvSpPr>
-          <p:cNvPr id="81" name="四角形: 角を丸くする 80">
+          <p:cNvPr id="66" name="四角形: 角を丸くする 80">
             <a:extLst>
               <a:ext uri="{FF2B5EF4-FFF2-40B4-BE49-F238E27FC236}">
-                <a16:creationId xmlns:a16="http://schemas.microsoft.com/office/drawing/2014/main" id="{A37CC2A6-4147-3A60-3063-76060ADDAB1B}"/>
+                <a16:creationId xmlns:a16="http://schemas.microsoft.com/office/drawing/2014/main" id="{C262593D-10FC-8CF5-0368-B3B39DA83C6F}"/>
               </a:ext>
             </a:extLst>
           </p:cNvPr>
@@ -6478,7 +7947,7 @@
         </p:nvSpPr>
         <p:spPr>
           <a:xfrm>
-            <a:off x="1900773" y="7285139"/>
+            <a:off x="2317826" y="9020868"/>
             <a:ext cx="741173" cy="261688"/>
           </a:xfrm>
           <a:prstGeom prst="roundRect">
@@ -6530,286 +7999,12 @@
           </a:p>
         </p:txBody>
       </p:sp>
-      <p:sp>
-        <p:nvSpPr>
-          <p:cNvPr id="83" name="四角形: 角を丸くする 82">
+      <p:cxnSp>
+        <p:nvCxnSpPr>
+          <p:cNvPr id="67" name="直線コネクタ 66">
             <a:extLst>
               <a:ext uri="{FF2B5EF4-FFF2-40B4-BE49-F238E27FC236}">
-                <a16:creationId xmlns:a16="http://schemas.microsoft.com/office/drawing/2014/main" id="{54EB386B-54A6-A3F9-2763-CA6C0B585912}"/>
-              </a:ext>
-            </a:extLst>
-          </p:cNvPr>
-          <p:cNvSpPr/>
-          <p:nvPr/>
-        </p:nvSpPr>
-        <p:spPr>
-          <a:xfrm>
-            <a:off x="7064460" y="7986369"/>
-            <a:ext cx="4093926" cy="432000"/>
-          </a:xfrm>
-          <a:prstGeom prst="roundRect">
-            <a:avLst>
-              <a:gd name="adj" fmla="val 50000"/>
-            </a:avLst>
-          </a:prstGeom>
-          <a:gradFill>
-            <a:gsLst>
-              <a:gs pos="0">
-                <a:srgbClr val="D971CD"/>
-              </a:gs>
-              <a:gs pos="58000">
-                <a:srgbClr val="9D2B92"/>
-              </a:gs>
-            </a:gsLst>
-            <a:lin ang="0" scaled="0"/>
-          </a:gradFill>
-          <a:ln>
-            <a:noFill/>
-          </a:ln>
-        </p:spPr>
-        <p:style>
-          <a:lnRef idx="2">
-            <a:schemeClr val="accent1">
-              <a:shade val="15000"/>
-            </a:schemeClr>
-          </a:lnRef>
-          <a:fillRef idx="1">
-            <a:schemeClr val="accent1"/>
-          </a:fillRef>
-          <a:effectRef idx="0">
-            <a:schemeClr val="accent1"/>
-          </a:effectRef>
-          <a:fontRef idx="minor">
-            <a:schemeClr val="lt1"/>
-          </a:fontRef>
-        </p:style>
-        <p:txBody>
-          <a:bodyPr rtlCol="0" anchor="ctr"/>
-          <a:lstStyle/>
-          <a:p>
-            <a:pPr algn="ctr"/>
-            <a:r>
-              <a:rPr kumimoji="1" lang="ja-JP" altLang="en-US" sz="1400" b="1" dirty="0"/>
-              <a:t>訓練データの汚染</a:t>
-            </a:r>
-          </a:p>
-        </p:txBody>
-      </p:sp>
-      <p:sp>
-        <p:nvSpPr>
-          <p:cNvPr id="84" name="四角形: 角を丸くする 83">
-            <a:extLst>
-              <a:ext uri="{FF2B5EF4-FFF2-40B4-BE49-F238E27FC236}">
-                <a16:creationId xmlns:a16="http://schemas.microsoft.com/office/drawing/2014/main" id="{E17C6899-76D8-014D-B644-35B139DFCA1F}"/>
-              </a:ext>
-            </a:extLst>
-          </p:cNvPr>
-          <p:cNvSpPr/>
-          <p:nvPr/>
-        </p:nvSpPr>
-        <p:spPr>
-          <a:xfrm>
-            <a:off x="9205153" y="8523197"/>
-            <a:ext cx="1984214" cy="432000"/>
-          </a:xfrm>
-          <a:prstGeom prst="roundRect">
-            <a:avLst>
-              <a:gd name="adj" fmla="val 50000"/>
-            </a:avLst>
-          </a:prstGeom>
-          <a:gradFill>
-            <a:gsLst>
-              <a:gs pos="0">
-                <a:srgbClr val="D971CD"/>
-              </a:gs>
-              <a:gs pos="48000">
-                <a:srgbClr val="9D2B92"/>
-              </a:gs>
-            </a:gsLst>
-            <a:lin ang="0" scaled="0"/>
-          </a:gradFill>
-          <a:ln>
-            <a:noFill/>
-          </a:ln>
-        </p:spPr>
-        <p:style>
-          <a:lnRef idx="2">
-            <a:schemeClr val="accent1">
-              <a:shade val="15000"/>
-            </a:schemeClr>
-          </a:lnRef>
-          <a:fillRef idx="1">
-            <a:schemeClr val="accent1"/>
-          </a:fillRef>
-          <a:effectRef idx="0">
-            <a:schemeClr val="accent1"/>
-          </a:effectRef>
-          <a:fontRef idx="minor">
-            <a:schemeClr val="lt1"/>
-          </a:fontRef>
-        </p:style>
-        <p:txBody>
-          <a:bodyPr rtlCol="0" anchor="ctr"/>
-          <a:lstStyle/>
-          <a:p>
-            <a:pPr algn="ctr"/>
-            <a:r>
-              <a:rPr kumimoji="1" lang="ja-JP" altLang="en-US" sz="1400" b="1" dirty="0"/>
-              <a:t>モデルの盗難</a:t>
-            </a:r>
-          </a:p>
-        </p:txBody>
-      </p:sp>
-      <p:sp>
-        <p:nvSpPr>
-          <p:cNvPr id="85" name="四角形: 角を丸くする 84">
-            <a:extLst>
-              <a:ext uri="{FF2B5EF4-FFF2-40B4-BE49-F238E27FC236}">
-                <a16:creationId xmlns:a16="http://schemas.microsoft.com/office/drawing/2014/main" id="{E35811C9-83DE-4312-F7B2-2A2D1224E451}"/>
-              </a:ext>
-            </a:extLst>
-          </p:cNvPr>
-          <p:cNvSpPr/>
-          <p:nvPr/>
-        </p:nvSpPr>
-        <p:spPr>
-          <a:xfrm>
-            <a:off x="1900773" y="8057132"/>
-            <a:ext cx="741173" cy="261688"/>
-          </a:xfrm>
-          <a:prstGeom prst="roundRect">
-            <a:avLst>
-              <a:gd name="adj" fmla="val 50000"/>
-            </a:avLst>
-          </a:prstGeom>
-          <a:noFill/>
-          <a:ln>
-            <a:solidFill>
-              <a:schemeClr val="accent5">
-                <a:lumMod val="75000"/>
-              </a:schemeClr>
-            </a:solidFill>
-          </a:ln>
-        </p:spPr>
-        <p:style>
-          <a:lnRef idx="2">
-            <a:schemeClr val="accent1">
-              <a:shade val="15000"/>
-            </a:schemeClr>
-          </a:lnRef>
-          <a:fillRef idx="1">
-            <a:schemeClr val="accent1"/>
-          </a:fillRef>
-          <a:effectRef idx="0">
-            <a:schemeClr val="accent1"/>
-          </a:effectRef>
-          <a:fontRef idx="minor">
-            <a:schemeClr val="lt1"/>
-          </a:fontRef>
-        </p:style>
-        <p:txBody>
-          <a:bodyPr rtlCol="0" anchor="ctr"/>
-          <a:lstStyle/>
-          <a:p>
-            <a:pPr algn="ctr"/>
-            <a:r>
-              <a:rPr kumimoji="1" lang="en-US" altLang="ja-JP" sz="1200" dirty="0">
-                <a:solidFill>
-                  <a:schemeClr val="accent5">
-                    <a:lumMod val="75000"/>
-                  </a:schemeClr>
-                </a:solidFill>
-              </a:rPr>
-              <a:t>L-01</a:t>
-            </a:r>
-            <a:endParaRPr kumimoji="1" lang="ja-JP" altLang="en-US" sz="1100" dirty="0">
-              <a:solidFill>
-                <a:schemeClr val="accent5">
-                  <a:lumMod val="75000"/>
-                </a:schemeClr>
-              </a:solidFill>
-            </a:endParaRPr>
-          </a:p>
-        </p:txBody>
-      </p:sp>
-      <p:sp>
-        <p:nvSpPr>
-          <p:cNvPr id="86" name="四角形: 角を丸くする 85">
-            <a:extLst>
-              <a:ext uri="{FF2B5EF4-FFF2-40B4-BE49-F238E27FC236}">
-                <a16:creationId xmlns:a16="http://schemas.microsoft.com/office/drawing/2014/main" id="{437457BD-D1FF-C683-52C0-DB8FC01990F4}"/>
-              </a:ext>
-            </a:extLst>
-          </p:cNvPr>
-          <p:cNvSpPr/>
-          <p:nvPr/>
-        </p:nvSpPr>
-        <p:spPr>
-          <a:xfrm>
-            <a:off x="1900773" y="8612728"/>
-            <a:ext cx="741173" cy="261688"/>
-          </a:xfrm>
-          <a:prstGeom prst="roundRect">
-            <a:avLst>
-              <a:gd name="adj" fmla="val 50000"/>
-            </a:avLst>
-          </a:prstGeom>
-          <a:noFill/>
-          <a:ln>
-            <a:solidFill>
-              <a:schemeClr val="accent5">
-                <a:lumMod val="75000"/>
-              </a:schemeClr>
-            </a:solidFill>
-          </a:ln>
-        </p:spPr>
-        <p:style>
-          <a:lnRef idx="2">
-            <a:schemeClr val="accent1">
-              <a:shade val="15000"/>
-            </a:schemeClr>
-          </a:lnRef>
-          <a:fillRef idx="1">
-            <a:schemeClr val="accent1"/>
-          </a:fillRef>
-          <a:effectRef idx="0">
-            <a:schemeClr val="accent1"/>
-          </a:effectRef>
-          <a:fontRef idx="minor">
-            <a:schemeClr val="lt1"/>
-          </a:fontRef>
-        </p:style>
-        <p:txBody>
-          <a:bodyPr rtlCol="0" anchor="ctr"/>
-          <a:lstStyle/>
-          <a:p>
-            <a:pPr algn="ctr"/>
-            <a:r>
-              <a:rPr kumimoji="1" lang="en-US" altLang="ja-JP" sz="1200" dirty="0">
-                <a:solidFill>
-                  <a:schemeClr val="accent5">
-                    <a:lumMod val="75000"/>
-                  </a:schemeClr>
-                </a:solidFill>
-              </a:rPr>
-              <a:t>L-02</a:t>
-            </a:r>
-            <a:endParaRPr kumimoji="1" lang="ja-JP" altLang="en-US" sz="1100" dirty="0">
-              <a:solidFill>
-                <a:schemeClr val="accent5">
-                  <a:lumMod val="75000"/>
-                </a:schemeClr>
-              </a:solidFill>
-            </a:endParaRPr>
-          </a:p>
-        </p:txBody>
-      </p:sp>
-      <p:cxnSp>
-        <p:nvCxnSpPr>
-          <p:cNvPr id="91" name="直線コネクタ 90">
-            <a:extLst>
-              <a:ext uri="{FF2B5EF4-FFF2-40B4-BE49-F238E27FC236}">
-                <a16:creationId xmlns:a16="http://schemas.microsoft.com/office/drawing/2014/main" id="{742B5DD0-70AE-FA82-75D0-B949B2A6D429}"/>
+                <a16:creationId xmlns:a16="http://schemas.microsoft.com/office/drawing/2014/main" id="{219915B9-6CE5-9C9E-53D9-742FE1244D7C}"/>
               </a:ext>
             </a:extLst>
           </p:cNvPr>
@@ -6820,19 +8015,17 @@
         </p:nvCxnSpPr>
         <p:spPr>
           <a:xfrm>
-            <a:off x="1900773" y="3360474"/>
-            <a:ext cx="9343922" cy="0"/>
+            <a:off x="1480227" y="9581286"/>
+            <a:ext cx="10171023" cy="0"/>
           </a:xfrm>
           <a:prstGeom prst="line">
             <a:avLst/>
           </a:prstGeom>
-          <a:ln>
+          <a:ln w="6350">
             <a:solidFill>
-              <a:schemeClr val="tx1">
-                <a:lumMod val="85000"/>
-                <a:lumOff val="15000"/>
-              </a:schemeClr>
+              <a:schemeClr val="accent1"/>
             </a:solidFill>
+            <a:prstDash val="dash"/>
           </a:ln>
         </p:spPr>
         <p:style>
@@ -6852,10 +8045,10 @@
       </p:cxnSp>
       <p:cxnSp>
         <p:nvCxnSpPr>
-          <p:cNvPr id="92" name="直線コネクタ 91">
+          <p:cNvPr id="19" name="直線コネクタ 18">
             <a:extLst>
               <a:ext uri="{FF2B5EF4-FFF2-40B4-BE49-F238E27FC236}">
-                <a16:creationId xmlns:a16="http://schemas.microsoft.com/office/drawing/2014/main" id="{4B9B2E23-228F-33E6-FF0D-4D6EC9C575B7}"/>
+                <a16:creationId xmlns:a16="http://schemas.microsoft.com/office/drawing/2014/main" id="{1AC9A4DE-55DF-4969-3C19-44E4519795E7}"/>
               </a:ext>
             </a:extLst>
           </p:cNvPr>
@@ -6866,19 +8059,17 @@
         </p:nvCxnSpPr>
         <p:spPr>
           <a:xfrm>
-            <a:off x="1900773" y="5936535"/>
-            <a:ext cx="9343922" cy="0"/>
+            <a:off x="962944" y="5033576"/>
+            <a:ext cx="10688306" cy="0"/>
           </a:xfrm>
           <a:prstGeom prst="line">
             <a:avLst/>
           </a:prstGeom>
-          <a:ln>
+          <a:ln w="6350">
             <a:solidFill>
-              <a:schemeClr val="tx1">
-                <a:lumMod val="85000"/>
-                <a:lumOff val="15000"/>
-              </a:schemeClr>
+              <a:schemeClr val="accent1"/>
             </a:solidFill>
+            <a:prstDash val="dash"/>
           </a:ln>
         </p:spPr>
         <p:style>
@@ -6896,523 +8087,10 @@
           </a:fontRef>
         </p:style>
       </p:cxnSp>
-      <p:cxnSp>
-        <p:nvCxnSpPr>
-          <p:cNvPr id="93" name="直線コネクタ 92">
-            <a:extLst>
-              <a:ext uri="{FF2B5EF4-FFF2-40B4-BE49-F238E27FC236}">
-                <a16:creationId xmlns:a16="http://schemas.microsoft.com/office/drawing/2014/main" id="{4628BA58-6ABC-105B-A2FE-4209F1B58F21}"/>
-              </a:ext>
-            </a:extLst>
-          </p:cNvPr>
-          <p:cNvCxnSpPr>
-            <a:cxnSpLocks/>
-          </p:cNvCxnSpPr>
-          <p:nvPr/>
-        </p:nvCxnSpPr>
-        <p:spPr>
-          <a:xfrm>
-            <a:off x="1900773" y="7811063"/>
-            <a:ext cx="9343922" cy="0"/>
-          </a:xfrm>
-          <a:prstGeom prst="line">
-            <a:avLst/>
-          </a:prstGeom>
-          <a:ln>
-            <a:solidFill>
-              <a:schemeClr val="tx1">
-                <a:lumMod val="85000"/>
-                <a:lumOff val="15000"/>
-              </a:schemeClr>
-            </a:solidFill>
-          </a:ln>
-        </p:spPr>
-        <p:style>
-          <a:lnRef idx="2">
-            <a:schemeClr val="accent1"/>
-          </a:lnRef>
-          <a:fillRef idx="0">
-            <a:schemeClr val="accent1"/>
-          </a:fillRef>
-          <a:effectRef idx="1">
-            <a:schemeClr val="accent1"/>
-          </a:effectRef>
-          <a:fontRef idx="minor">
-            <a:schemeClr val="tx1"/>
-          </a:fontRef>
-        </p:style>
-      </p:cxnSp>
-      <p:cxnSp>
-        <p:nvCxnSpPr>
-          <p:cNvPr id="94" name="直線コネクタ 93">
-            <a:extLst>
-              <a:ext uri="{FF2B5EF4-FFF2-40B4-BE49-F238E27FC236}">
-                <a16:creationId xmlns:a16="http://schemas.microsoft.com/office/drawing/2014/main" id="{912A4FC6-F57A-964C-4346-350A78F5AF36}"/>
-              </a:ext>
-            </a:extLst>
-          </p:cNvPr>
-          <p:cNvCxnSpPr>
-            <a:cxnSpLocks/>
-          </p:cNvCxnSpPr>
-          <p:nvPr/>
-        </p:nvCxnSpPr>
-        <p:spPr>
-          <a:xfrm>
-            <a:off x="1900773" y="9165944"/>
-            <a:ext cx="9343922" cy="0"/>
-          </a:xfrm>
-          <a:prstGeom prst="line">
-            <a:avLst/>
-          </a:prstGeom>
-          <a:ln>
-            <a:solidFill>
-              <a:schemeClr val="tx1">
-                <a:lumMod val="85000"/>
-                <a:lumOff val="15000"/>
-              </a:schemeClr>
-            </a:solidFill>
-          </a:ln>
-        </p:spPr>
-        <p:style>
-          <a:lnRef idx="2">
-            <a:schemeClr val="accent1"/>
-          </a:lnRef>
-          <a:fillRef idx="0">
-            <a:schemeClr val="accent1"/>
-          </a:fillRef>
-          <a:effectRef idx="1">
-            <a:schemeClr val="accent1"/>
-          </a:effectRef>
-          <a:fontRef idx="minor">
-            <a:schemeClr val="tx1"/>
-          </a:fontRef>
-        </p:style>
-      </p:cxnSp>
-      <p:sp>
-        <p:nvSpPr>
-          <p:cNvPr id="95" name="矢印: 五方向 94">
-            <a:extLst>
-              <a:ext uri="{FF2B5EF4-FFF2-40B4-BE49-F238E27FC236}">
-                <a16:creationId xmlns:a16="http://schemas.microsoft.com/office/drawing/2014/main" id="{8D9BFD5A-81B4-693F-DF35-0253D74035B3}"/>
-              </a:ext>
-            </a:extLst>
-          </p:cNvPr>
-          <p:cNvSpPr/>
-          <p:nvPr/>
-        </p:nvSpPr>
-        <p:spPr>
-          <a:xfrm>
-            <a:off x="2705937" y="167306"/>
-            <a:ext cx="8796252" cy="737133"/>
-          </a:xfrm>
-          <a:prstGeom prst="homePlate">
-            <a:avLst>
-              <a:gd name="adj" fmla="val 35310"/>
-            </a:avLst>
-          </a:prstGeom>
-          <a:solidFill>
-            <a:schemeClr val="bg1">
-              <a:lumMod val="50000"/>
-            </a:schemeClr>
-          </a:solidFill>
-          <a:ln>
-            <a:solidFill>
-              <a:schemeClr val="tx1">
-                <a:lumMod val="75000"/>
-                <a:lumOff val="25000"/>
-              </a:schemeClr>
-            </a:solidFill>
-          </a:ln>
-        </p:spPr>
-        <p:style>
-          <a:lnRef idx="2">
-            <a:schemeClr val="accent1">
-              <a:shade val="15000"/>
-            </a:schemeClr>
-          </a:lnRef>
-          <a:fillRef idx="1">
-            <a:schemeClr val="accent1"/>
-          </a:fillRef>
-          <a:effectRef idx="0">
-            <a:schemeClr val="accent1"/>
-          </a:effectRef>
-          <a:fontRef idx="minor">
-            <a:schemeClr val="lt1"/>
-          </a:fontRef>
-        </p:style>
-        <p:txBody>
-          <a:bodyPr rtlCol="0" anchor="ctr"/>
-          <a:lstStyle/>
-          <a:p>
-            <a:pPr algn="ctr"/>
-            <a:endParaRPr kumimoji="1" lang="ja-JP" altLang="en-US"/>
-          </a:p>
-        </p:txBody>
-      </p:sp>
-      <p:sp>
-        <p:nvSpPr>
-          <p:cNvPr id="96" name="矢印: 五方向 95">
-            <a:extLst>
-              <a:ext uri="{FF2B5EF4-FFF2-40B4-BE49-F238E27FC236}">
-                <a16:creationId xmlns:a16="http://schemas.microsoft.com/office/drawing/2014/main" id="{FFC10F0C-689C-6DEA-D3DE-EF8BEBE67701}"/>
-              </a:ext>
-            </a:extLst>
-          </p:cNvPr>
-          <p:cNvSpPr/>
-          <p:nvPr/>
-        </p:nvSpPr>
-        <p:spPr>
-          <a:xfrm>
-            <a:off x="3101293" y="167306"/>
-            <a:ext cx="6277082" cy="737133"/>
-          </a:xfrm>
-          <a:prstGeom prst="homePlate">
-            <a:avLst>
-              <a:gd name="adj" fmla="val 36942"/>
-            </a:avLst>
-          </a:prstGeom>
-          <a:solidFill>
-            <a:schemeClr val="bg1">
-              <a:lumMod val="65000"/>
-            </a:schemeClr>
-          </a:solidFill>
-          <a:ln>
-            <a:solidFill>
-              <a:schemeClr val="tx1">
-                <a:lumMod val="75000"/>
-                <a:lumOff val="25000"/>
-              </a:schemeClr>
-            </a:solidFill>
-          </a:ln>
-        </p:spPr>
-        <p:style>
-          <a:lnRef idx="2">
-            <a:schemeClr val="accent1">
-              <a:shade val="15000"/>
-            </a:schemeClr>
-          </a:lnRef>
-          <a:fillRef idx="1">
-            <a:schemeClr val="accent1"/>
-          </a:fillRef>
-          <a:effectRef idx="0">
-            <a:schemeClr val="accent1"/>
-          </a:effectRef>
-          <a:fontRef idx="minor">
-            <a:schemeClr val="lt1"/>
-          </a:fontRef>
-        </p:style>
-        <p:txBody>
-          <a:bodyPr rtlCol="0" anchor="ctr"/>
-          <a:lstStyle/>
-          <a:p>
-            <a:pPr algn="ctr"/>
-            <a:endParaRPr kumimoji="1" lang="ja-JP" altLang="en-US"/>
-          </a:p>
-        </p:txBody>
-      </p:sp>
-      <p:sp>
-        <p:nvSpPr>
-          <p:cNvPr id="97" name="矢印: 五方向 96">
-            <a:extLst>
-              <a:ext uri="{FF2B5EF4-FFF2-40B4-BE49-F238E27FC236}">
-                <a16:creationId xmlns:a16="http://schemas.microsoft.com/office/drawing/2014/main" id="{2057C010-56EC-77C7-A697-0B367ED21F85}"/>
-              </a:ext>
-            </a:extLst>
-          </p:cNvPr>
-          <p:cNvSpPr/>
-          <p:nvPr/>
-        </p:nvSpPr>
-        <p:spPr>
-          <a:xfrm>
-            <a:off x="3101293" y="167306"/>
-            <a:ext cx="4146920" cy="737133"/>
-          </a:xfrm>
-          <a:prstGeom prst="homePlate">
-            <a:avLst>
-              <a:gd name="adj" fmla="val 35310"/>
-            </a:avLst>
-          </a:prstGeom>
-          <a:solidFill>
-            <a:schemeClr val="bg1">
-              <a:lumMod val="75000"/>
-            </a:schemeClr>
-          </a:solidFill>
-          <a:ln>
-            <a:solidFill>
-              <a:schemeClr val="tx1">
-                <a:lumMod val="75000"/>
-                <a:lumOff val="25000"/>
-              </a:schemeClr>
-            </a:solidFill>
-          </a:ln>
-        </p:spPr>
-        <p:style>
-          <a:lnRef idx="2">
-            <a:schemeClr val="accent1">
-              <a:shade val="15000"/>
-            </a:schemeClr>
-          </a:lnRef>
-          <a:fillRef idx="1">
-            <a:schemeClr val="accent1"/>
-          </a:fillRef>
-          <a:effectRef idx="0">
-            <a:schemeClr val="accent1"/>
-          </a:effectRef>
-          <a:fontRef idx="minor">
-            <a:schemeClr val="lt1"/>
-          </a:fontRef>
-        </p:style>
-        <p:txBody>
-          <a:bodyPr rtlCol="0" anchor="ctr"/>
-          <a:lstStyle/>
-          <a:p>
-            <a:pPr algn="ctr"/>
-            <a:endParaRPr kumimoji="1" lang="ja-JP" altLang="en-US"/>
-          </a:p>
-        </p:txBody>
-      </p:sp>
-      <p:sp>
-        <p:nvSpPr>
-          <p:cNvPr id="98" name="矢印: 五方向 97">
-            <a:extLst>
-              <a:ext uri="{FF2B5EF4-FFF2-40B4-BE49-F238E27FC236}">
-                <a16:creationId xmlns:a16="http://schemas.microsoft.com/office/drawing/2014/main" id="{CF2182F8-98A5-052D-4A96-5C7EAE485921}"/>
-              </a:ext>
-            </a:extLst>
-          </p:cNvPr>
-          <p:cNvSpPr/>
-          <p:nvPr/>
-        </p:nvSpPr>
-        <p:spPr>
-          <a:xfrm>
-            <a:off x="2705937" y="167306"/>
-            <a:ext cx="2360719" cy="737133"/>
-          </a:xfrm>
-          <a:prstGeom prst="homePlate">
-            <a:avLst>
-              <a:gd name="adj" fmla="val 28781"/>
-            </a:avLst>
-          </a:prstGeom>
-          <a:solidFill>
-            <a:schemeClr val="bg1">
-              <a:lumMod val="85000"/>
-            </a:schemeClr>
-          </a:solidFill>
-          <a:ln>
-            <a:solidFill>
-              <a:schemeClr val="tx1">
-                <a:lumMod val="75000"/>
-                <a:lumOff val="25000"/>
-              </a:schemeClr>
-            </a:solidFill>
-          </a:ln>
-        </p:spPr>
-        <p:style>
-          <a:lnRef idx="2">
-            <a:schemeClr val="accent1">
-              <a:shade val="15000"/>
-            </a:schemeClr>
-          </a:lnRef>
-          <a:fillRef idx="1">
-            <a:schemeClr val="accent1"/>
-          </a:fillRef>
-          <a:effectRef idx="0">
-            <a:schemeClr val="accent1"/>
-          </a:effectRef>
-          <a:fontRef idx="minor">
-            <a:schemeClr val="lt1"/>
-          </a:fontRef>
-        </p:style>
-        <p:txBody>
-          <a:bodyPr rtlCol="0" anchor="ctr"/>
-          <a:lstStyle/>
-          <a:p>
-            <a:pPr algn="ctr"/>
-            <a:endParaRPr kumimoji="1" lang="ja-JP" altLang="en-US"/>
-          </a:p>
-        </p:txBody>
-      </p:sp>
-      <p:sp>
-        <p:nvSpPr>
-          <p:cNvPr id="8" name="テキスト ボックス 7">
-            <a:extLst>
-              <a:ext uri="{FF2B5EF4-FFF2-40B4-BE49-F238E27FC236}">
-                <a16:creationId xmlns:a16="http://schemas.microsoft.com/office/drawing/2014/main" id="{B792E04A-5400-2C95-448B-C6B2650E1C8A}"/>
-              </a:ext>
-            </a:extLst>
-          </p:cNvPr>
-          <p:cNvSpPr txBox="1"/>
-          <p:nvPr/>
-        </p:nvSpPr>
-        <p:spPr>
-          <a:xfrm>
-            <a:off x="9378375" y="382146"/>
-            <a:ext cx="1929105" cy="307777"/>
-          </a:xfrm>
-          <a:prstGeom prst="rect">
-            <a:avLst/>
-          </a:prstGeom>
-          <a:noFill/>
-        </p:spPr>
-        <p:txBody>
-          <a:bodyPr wrap="square" rtlCol="0">
-            <a:spAutoFit/>
-          </a:bodyPr>
-          <a:lstStyle/>
-          <a:p>
-            <a:pPr algn="ctr"/>
-            <a:r>
-              <a:rPr kumimoji="1" lang="ja-JP" altLang="en-US" sz="1400" b="1" dirty="0">
-                <a:solidFill>
-                  <a:schemeClr val="bg1"/>
-                </a:solidFill>
-              </a:rPr>
-              <a:t>モデルの自社開発</a:t>
-            </a:r>
-          </a:p>
-        </p:txBody>
-      </p:sp>
-      <p:sp>
-        <p:nvSpPr>
-          <p:cNvPr id="9" name="テキスト ボックス 8">
-            <a:extLst>
-              <a:ext uri="{FF2B5EF4-FFF2-40B4-BE49-F238E27FC236}">
-                <a16:creationId xmlns:a16="http://schemas.microsoft.com/office/drawing/2014/main" id="{B7A81D8E-98BB-8667-8382-AD85E45F70F5}"/>
-              </a:ext>
-            </a:extLst>
-          </p:cNvPr>
-          <p:cNvSpPr txBox="1"/>
-          <p:nvPr/>
-        </p:nvSpPr>
-        <p:spPr>
-          <a:xfrm>
-            <a:off x="7064460" y="382146"/>
-            <a:ext cx="2162089" cy="307777"/>
-          </a:xfrm>
-          <a:prstGeom prst="rect">
-            <a:avLst/>
-          </a:prstGeom>
-          <a:noFill/>
-        </p:spPr>
-        <p:txBody>
-          <a:bodyPr wrap="square" rtlCol="0">
-            <a:spAutoFit/>
-          </a:bodyPr>
-          <a:lstStyle/>
-          <a:p>
-            <a:pPr algn="ctr"/>
-            <a:r>
-              <a:rPr kumimoji="1" lang="ja-JP" altLang="en-US" sz="1400" b="1" dirty="0">
-                <a:solidFill>
-                  <a:schemeClr val="bg1"/>
-                </a:solidFill>
-              </a:rPr>
-              <a:t>自社データの利用</a:t>
-            </a:r>
-          </a:p>
-        </p:txBody>
-      </p:sp>
-      <p:sp>
-        <p:nvSpPr>
-          <p:cNvPr id="10" name="テキスト ボックス 9">
-            <a:extLst>
-              <a:ext uri="{FF2B5EF4-FFF2-40B4-BE49-F238E27FC236}">
-                <a16:creationId xmlns:a16="http://schemas.microsoft.com/office/drawing/2014/main" id="{E194CB0D-41BC-9E3C-800F-ACB0ADD132BC}"/>
-              </a:ext>
-            </a:extLst>
-          </p:cNvPr>
-          <p:cNvSpPr txBox="1"/>
-          <p:nvPr/>
-        </p:nvSpPr>
-        <p:spPr>
-          <a:xfrm>
-            <a:off x="2647675" y="382146"/>
-            <a:ext cx="2321197" cy="307777"/>
-          </a:xfrm>
-          <a:prstGeom prst="rect">
-            <a:avLst/>
-          </a:prstGeom>
-          <a:noFill/>
-        </p:spPr>
-        <p:txBody>
-          <a:bodyPr wrap="square" rtlCol="0">
-            <a:spAutoFit/>
-          </a:bodyPr>
-          <a:lstStyle/>
-          <a:p>
-            <a:pPr algn="ctr"/>
-            <a:r>
-              <a:rPr kumimoji="1" lang="ja-JP" altLang="en-US" sz="1400" b="1" dirty="0">
-                <a:solidFill>
-                  <a:schemeClr val="tx1">
-                    <a:lumMod val="75000"/>
-                    <a:lumOff val="25000"/>
-                  </a:schemeClr>
-                </a:solidFill>
-              </a:rPr>
-              <a:t>外部サービスの利用</a:t>
-            </a:r>
-          </a:p>
-        </p:txBody>
-      </p:sp>
-      <p:sp>
-        <p:nvSpPr>
-          <p:cNvPr id="11" name="テキスト ボックス 10">
-            <a:extLst>
-              <a:ext uri="{FF2B5EF4-FFF2-40B4-BE49-F238E27FC236}">
-                <a16:creationId xmlns:a16="http://schemas.microsoft.com/office/drawing/2014/main" id="{63D6FE52-82CF-21F4-0D62-32CB297BBC7E}"/>
-              </a:ext>
-            </a:extLst>
-          </p:cNvPr>
-          <p:cNvSpPr txBox="1"/>
-          <p:nvPr/>
-        </p:nvSpPr>
-        <p:spPr>
-          <a:xfrm>
-            <a:off x="4975796" y="382146"/>
-            <a:ext cx="2179524" cy="307777"/>
-          </a:xfrm>
-          <a:prstGeom prst="rect">
-            <a:avLst/>
-          </a:prstGeom>
-          <a:noFill/>
-        </p:spPr>
-        <p:txBody>
-          <a:bodyPr wrap="square" rtlCol="0">
-            <a:spAutoFit/>
-          </a:bodyPr>
-          <a:lstStyle/>
-          <a:p>
-            <a:pPr algn="ctr"/>
-            <a:r>
-              <a:rPr kumimoji="1" lang="en-US" altLang="ja-JP" sz="1400" b="1" dirty="0">
-                <a:solidFill>
-                  <a:schemeClr val="tx1">
-                    <a:lumMod val="75000"/>
-                    <a:lumOff val="25000"/>
-                  </a:schemeClr>
-                </a:solidFill>
-              </a:rPr>
-              <a:t>API</a:t>
-            </a:r>
-            <a:r>
-              <a:rPr kumimoji="1" lang="ja-JP" altLang="en-US" sz="1400" b="1" dirty="0">
-                <a:solidFill>
-                  <a:schemeClr val="tx1">
-                    <a:lumMod val="75000"/>
-                    <a:lumOff val="25000"/>
-                  </a:schemeClr>
-                </a:solidFill>
-              </a:rPr>
-              <a:t>を利用した独自環境</a:t>
-            </a:r>
-          </a:p>
-        </p:txBody>
-      </p:sp>
     </p:spTree>
     <p:extLst>
       <p:ext uri="{BB962C8B-B14F-4D97-AF65-F5344CB8AC3E}">
-        <p14:creationId xmlns:p14="http://schemas.microsoft.com/office/powerpoint/2010/main" val="854095543"/>
+        <p14:creationId xmlns:p14="http://schemas.microsoft.com/office/powerpoint/2010/main" val="619417360"/>
       </p:ext>
     </p:extLst>
   </p:cSld>
@@ -7735,4 +8413,319 @@
     </a:ext>
   </a:extLst>
 </a:theme>
+</file>
+
+<file path=ppt/theme/theme2.xml><?xml version="1.0" encoding="utf-8"?>
+<a:theme xmlns:a="http://schemas.openxmlformats.org/drawingml/2006/main" name="Office テーマ">
+  <a:themeElements>
+    <a:clrScheme name="Office">
+      <a:dk1>
+        <a:sysClr val="windowText" lastClr="000000"/>
+      </a:dk1>
+      <a:lt1>
+        <a:sysClr val="window" lastClr="FFFFFF"/>
+      </a:lt1>
+      <a:dk2>
+        <a:srgbClr val="0E2841"/>
+      </a:dk2>
+      <a:lt2>
+        <a:srgbClr val="E8E8E8"/>
+      </a:lt2>
+      <a:accent1>
+        <a:srgbClr val="156082"/>
+      </a:accent1>
+      <a:accent2>
+        <a:srgbClr val="E97132"/>
+      </a:accent2>
+      <a:accent3>
+        <a:srgbClr val="196B24"/>
+      </a:accent3>
+      <a:accent4>
+        <a:srgbClr val="0F9ED5"/>
+      </a:accent4>
+      <a:accent5>
+        <a:srgbClr val="A02B93"/>
+      </a:accent5>
+      <a:accent6>
+        <a:srgbClr val="4EA72E"/>
+      </a:accent6>
+      <a:hlink>
+        <a:srgbClr val="467886"/>
+      </a:hlink>
+      <a:folHlink>
+        <a:srgbClr val="96607D"/>
+      </a:folHlink>
+    </a:clrScheme>
+    <a:fontScheme name="Office">
+      <a:majorFont>
+        <a:latin typeface="游ゴシック Light" panose="02110004020202020204"/>
+        <a:ea typeface=""/>
+        <a:cs typeface=""/>
+        <a:font script="Jpan" typeface="游ゴシック Light"/>
+        <a:font script="Hang" typeface="맑은 고딕"/>
+        <a:font script="Hans" typeface="等线 Light"/>
+        <a:font script="Hant" typeface="新細明體"/>
+        <a:font script="Arab" typeface="Times New Roman"/>
+        <a:font script="Hebr" typeface="Times New Roman"/>
+        <a:font script="Thai" typeface="Angsana New"/>
+        <a:font script="Ethi" typeface="Nyala"/>
+        <a:font script="Beng" typeface="Vrinda"/>
+        <a:font script="Gujr" typeface="Shruti"/>
+        <a:font script="Khmr" typeface="MoolBoran"/>
+        <a:font script="Knda" typeface="Tunga"/>
+        <a:font script="Guru" typeface="Raavi"/>
+        <a:font script="Cans" typeface="Euphemia"/>
+        <a:font script="Cher" typeface="Plantagenet Cherokee"/>
+        <a:font script="Yiii" typeface="Microsoft Yi Baiti"/>
+        <a:font script="Tibt" typeface="Microsoft Himalaya"/>
+        <a:font script="Thaa" typeface="MV Boli"/>
+        <a:font script="Deva" typeface="Mangal"/>
+        <a:font script="Telu" typeface="Gautami"/>
+        <a:font script="Taml" typeface="Latha"/>
+        <a:font script="Syrc" typeface="Estrangelo Edessa"/>
+        <a:font script="Orya" typeface="Kalinga"/>
+        <a:font script="Mlym" typeface="Kartika"/>
+        <a:font script="Laoo" typeface="DokChampa"/>
+        <a:font script="Sinh" typeface="Iskoola Pota"/>
+        <a:font script="Mong" typeface="Mongolian Baiti"/>
+        <a:font script="Viet" typeface="Times New Roman"/>
+        <a:font script="Uigh" typeface="Microsoft Uighur"/>
+        <a:font script="Geor" typeface="Sylfaen"/>
+        <a:font script="Armn" typeface="Arial"/>
+        <a:font script="Bugi" typeface="Leelawadee UI"/>
+        <a:font script="Bopo" typeface="Microsoft JhengHei"/>
+        <a:font script="Java" typeface="Javanese Text"/>
+        <a:font script="Lisu" typeface="Segoe UI"/>
+        <a:font script="Mymr" typeface="Myanmar Text"/>
+        <a:font script="Nkoo" typeface="Ebrima"/>
+        <a:font script="Olck" typeface="Nirmala UI"/>
+        <a:font script="Osma" typeface="Ebrima"/>
+        <a:font script="Phag" typeface="Phagspa"/>
+        <a:font script="Syrn" typeface="Estrangelo Edessa"/>
+        <a:font script="Syrj" typeface="Estrangelo Edessa"/>
+        <a:font script="Syre" typeface="Estrangelo Edessa"/>
+        <a:font script="Sora" typeface="Nirmala UI"/>
+        <a:font script="Tale" typeface="Microsoft Tai Le"/>
+        <a:font script="Talu" typeface="Microsoft New Tai Lue"/>
+        <a:font script="Tfng" typeface="Ebrima"/>
+      </a:majorFont>
+      <a:minorFont>
+        <a:latin typeface="游ゴシック" panose="02110004020202020204"/>
+        <a:ea typeface=""/>
+        <a:cs typeface=""/>
+        <a:font script="Jpan" typeface="游ゴシック"/>
+        <a:font script="Hang" typeface="맑은 고딕"/>
+        <a:font script="Hans" typeface="等线"/>
+        <a:font script="Hant" typeface="新細明體"/>
+        <a:font script="Arab" typeface="Arial"/>
+        <a:font script="Hebr" typeface="Arial"/>
+        <a:font script="Thai" typeface="Cordia New"/>
+        <a:font script="Ethi" typeface="Nyala"/>
+        <a:font script="Beng" typeface="Vrinda"/>
+        <a:font script="Gujr" typeface="Shruti"/>
+        <a:font script="Khmr" typeface="DaunPenh"/>
+        <a:font script="Knda" typeface="Tunga"/>
+        <a:font script="Guru" typeface="Raavi"/>
+        <a:font script="Cans" typeface="Euphemia"/>
+        <a:font script="Cher" typeface="Plantagenet Cherokee"/>
+        <a:font script="Yiii" typeface="Microsoft Yi Baiti"/>
+        <a:font script="Tibt" typeface="Microsoft Himalaya"/>
+        <a:font script="Thaa" typeface="MV Boli"/>
+        <a:font script="Deva" typeface="Mangal"/>
+        <a:font script="Telu" typeface="Gautami"/>
+        <a:font script="Taml" typeface="Latha"/>
+        <a:font script="Syrc" typeface="Estrangelo Edessa"/>
+        <a:font script="Orya" typeface="Kalinga"/>
+        <a:font script="Mlym" typeface="Kartika"/>
+        <a:font script="Laoo" typeface="DokChampa"/>
+        <a:font script="Sinh" typeface="Iskoola Pota"/>
+        <a:font script="Mong" typeface="Mongolian Baiti"/>
+        <a:font script="Viet" typeface="Arial"/>
+        <a:font script="Uigh" typeface="Microsoft Uighur"/>
+        <a:font script="Geor" typeface="Sylfaen"/>
+        <a:font script="Armn" typeface="Arial"/>
+        <a:font script="Bugi" typeface="Leelawadee UI"/>
+        <a:font script="Bopo" typeface="Microsoft JhengHei"/>
+        <a:font script="Java" typeface="Javanese Text"/>
+        <a:font script="Lisu" typeface="Segoe UI"/>
+        <a:font script="Mymr" typeface="Myanmar Text"/>
+        <a:font script="Nkoo" typeface="Ebrima"/>
+        <a:font script="Olck" typeface="Nirmala UI"/>
+        <a:font script="Osma" typeface="Ebrima"/>
+        <a:font script="Phag" typeface="Phagspa"/>
+        <a:font script="Syrn" typeface="Estrangelo Edessa"/>
+        <a:font script="Syrj" typeface="Estrangelo Edessa"/>
+        <a:font script="Syre" typeface="Estrangelo Edessa"/>
+        <a:font script="Sora" typeface="Nirmala UI"/>
+        <a:font script="Tale" typeface="Microsoft Tai Le"/>
+        <a:font script="Talu" typeface="Microsoft New Tai Lue"/>
+        <a:font script="Tfng" typeface="Ebrima"/>
+      </a:minorFont>
+    </a:fontScheme>
+    <a:fmtScheme name="Office">
+      <a:fillStyleLst>
+        <a:solidFill>
+          <a:schemeClr val="phClr"/>
+        </a:solidFill>
+        <a:gradFill rotWithShape="1">
+          <a:gsLst>
+            <a:gs pos="0">
+              <a:schemeClr val="phClr">
+                <a:lumMod val="110000"/>
+                <a:satMod val="105000"/>
+                <a:tint val="67000"/>
+              </a:schemeClr>
+            </a:gs>
+            <a:gs pos="50000">
+              <a:schemeClr val="phClr">
+                <a:lumMod val="105000"/>
+                <a:satMod val="103000"/>
+                <a:tint val="73000"/>
+              </a:schemeClr>
+            </a:gs>
+            <a:gs pos="100000">
+              <a:schemeClr val="phClr">
+                <a:lumMod val="105000"/>
+                <a:satMod val="109000"/>
+                <a:tint val="81000"/>
+              </a:schemeClr>
+            </a:gs>
+          </a:gsLst>
+          <a:lin ang="5400000" scaled="0"/>
+        </a:gradFill>
+        <a:gradFill rotWithShape="1">
+          <a:gsLst>
+            <a:gs pos="0">
+              <a:schemeClr val="phClr">
+                <a:satMod val="103000"/>
+                <a:lumMod val="102000"/>
+                <a:tint val="94000"/>
+              </a:schemeClr>
+            </a:gs>
+            <a:gs pos="50000">
+              <a:schemeClr val="phClr">
+                <a:satMod val="110000"/>
+                <a:lumMod val="100000"/>
+                <a:shade val="100000"/>
+              </a:schemeClr>
+            </a:gs>
+            <a:gs pos="100000">
+              <a:schemeClr val="phClr">
+                <a:lumMod val="99000"/>
+                <a:satMod val="120000"/>
+                <a:shade val="78000"/>
+              </a:schemeClr>
+            </a:gs>
+          </a:gsLst>
+          <a:lin ang="5400000" scaled="0"/>
+        </a:gradFill>
+      </a:fillStyleLst>
+      <a:lnStyleLst>
+        <a:ln w="12700" cap="flat" cmpd="sng" algn="ctr">
+          <a:solidFill>
+            <a:schemeClr val="phClr"/>
+          </a:solidFill>
+          <a:prstDash val="solid"/>
+          <a:miter lim="800000"/>
+        </a:ln>
+        <a:ln w="19050" cap="flat" cmpd="sng" algn="ctr">
+          <a:solidFill>
+            <a:schemeClr val="phClr"/>
+          </a:solidFill>
+          <a:prstDash val="solid"/>
+          <a:miter lim="800000"/>
+        </a:ln>
+        <a:ln w="25400" cap="flat" cmpd="sng" algn="ctr">
+          <a:solidFill>
+            <a:schemeClr val="phClr"/>
+          </a:solidFill>
+          <a:prstDash val="solid"/>
+          <a:miter lim="800000"/>
+        </a:ln>
+      </a:lnStyleLst>
+      <a:effectStyleLst>
+        <a:effectStyle>
+          <a:effectLst/>
+        </a:effectStyle>
+        <a:effectStyle>
+          <a:effectLst/>
+        </a:effectStyle>
+        <a:effectStyle>
+          <a:effectLst>
+            <a:outerShdw blurRad="57150" dist="19050" dir="5400000" algn="ctr" rotWithShape="0">
+              <a:srgbClr val="000000">
+                <a:alpha val="63000"/>
+              </a:srgbClr>
+            </a:outerShdw>
+          </a:effectLst>
+        </a:effectStyle>
+      </a:effectStyleLst>
+      <a:bgFillStyleLst>
+        <a:solidFill>
+          <a:schemeClr val="phClr"/>
+        </a:solidFill>
+        <a:solidFill>
+          <a:schemeClr val="phClr">
+            <a:tint val="95000"/>
+            <a:satMod val="170000"/>
+          </a:schemeClr>
+        </a:solidFill>
+        <a:gradFill rotWithShape="1">
+          <a:gsLst>
+            <a:gs pos="0">
+              <a:schemeClr val="phClr">
+                <a:tint val="93000"/>
+                <a:satMod val="150000"/>
+                <a:shade val="98000"/>
+                <a:lumMod val="102000"/>
+              </a:schemeClr>
+            </a:gs>
+            <a:gs pos="50000">
+              <a:schemeClr val="phClr">
+                <a:tint val="98000"/>
+                <a:satMod val="130000"/>
+                <a:shade val="90000"/>
+                <a:lumMod val="103000"/>
+              </a:schemeClr>
+            </a:gs>
+            <a:gs pos="100000">
+              <a:schemeClr val="phClr">
+                <a:shade val="63000"/>
+                <a:satMod val="120000"/>
+              </a:schemeClr>
+            </a:gs>
+          </a:gsLst>
+          <a:lin ang="5400000" scaled="0"/>
+        </a:gradFill>
+      </a:bgFillStyleLst>
+    </a:fmtScheme>
+  </a:themeElements>
+  <a:objectDefaults>
+    <a:lnDef>
+      <a:spPr/>
+      <a:bodyPr/>
+      <a:lstStyle/>
+      <a:style>
+        <a:lnRef idx="2">
+          <a:schemeClr val="accent1"/>
+        </a:lnRef>
+        <a:fillRef idx="0">
+          <a:schemeClr val="accent1"/>
+        </a:fillRef>
+        <a:effectRef idx="1">
+          <a:schemeClr val="accent1"/>
+        </a:effectRef>
+        <a:fontRef idx="minor">
+          <a:schemeClr val="tx1"/>
+        </a:fontRef>
+      </a:style>
+    </a:lnDef>
+  </a:objectDefaults>
+  <a:extraClrSchemeLst/>
+  <a:extLst>
+    <a:ext uri="{05A4C25C-085E-4340-85A3-A5531E510DB2}">
+      <thm15:themeFamily xmlns:thm15="http://schemas.microsoft.com/office/thememl/2012/main" name="Office Theme" id="{2E142A2C-CD16-42D6-873A-C26D2A0506FA}" vid="{1BDDFF52-6CD6-40A5-AB3C-68EB2F1E4D0A}"/>
+    </a:ext>
+  </a:extLst>
+</a:theme>
 </file>
--- a/pptx/LLM_SEC.pptx
+++ b/pptx/LLM_SEC.pptx
@@ -130,356 +130,52 @@
           <pc:docMk/>
           <pc:sldMk cId="854095543" sldId="256"/>
         </pc:sldMkLst>
-        <pc:spChg chg="mod">
-          <ac:chgData name="Yuichi Hattori" userId="c842edf0-40f4-4363-a2a1-86c6494c0f64" providerId="ADAL" clId="{B820AB5E-1A96-4892-A323-29BC07D6913C}" dt="2024-08-16T12:14:04.096" v="32" actId="20577"/>
-          <ac:spMkLst>
-            <pc:docMk/>
-            <pc:sldMk cId="854095543" sldId="256"/>
-            <ac:spMk id="14" creationId="{F9D6C107-45ED-2AC5-FAA7-454EAEAA6A99}"/>
-          </ac:spMkLst>
-        </pc:spChg>
-        <pc:spChg chg="mod">
-          <ac:chgData name="Yuichi Hattori" userId="c842edf0-40f4-4363-a2a1-86c6494c0f64" providerId="ADAL" clId="{B820AB5E-1A96-4892-A323-29BC07D6913C}" dt="2024-08-16T11:35:14.522" v="12" actId="20577"/>
-          <ac:spMkLst>
-            <pc:docMk/>
-            <pc:sldMk cId="854095543" sldId="256"/>
-            <ac:spMk id="27" creationId="{07B0B8F4-E8A7-5AA6-4E71-D12391340D4F}"/>
-          </ac:spMkLst>
-        </pc:spChg>
       </pc:sldChg>
     </pc:docChg>
   </pc:docChgLst>
   <pc:docChgLst>
-    <pc:chgData name="Yuichi Hattori" userId="c842edf0-40f4-4363-a2a1-86c6494c0f64" providerId="ADAL" clId="{7E0BE938-04C3-4C60-A747-C560E91923F0}"/>
-    <pc:docChg chg="undo custSel modSld">
-      <pc:chgData name="Yuichi Hattori" userId="c842edf0-40f4-4363-a2a1-86c6494c0f64" providerId="ADAL" clId="{7E0BE938-04C3-4C60-A747-C560E91923F0}" dt="2024-06-25T09:26:23.375" v="1329" actId="20577"/>
+    <pc:chgData name="Yuichi Hattori" userId="c842edf0-40f4-4363-a2a1-86c6494c0f64" providerId="ADAL" clId="{65749D42-7D30-4F87-A547-41CEB5F57839}"/>
+    <pc:docChg chg="modSld">
+      <pc:chgData name="Yuichi Hattori" userId="c842edf0-40f4-4363-a2a1-86c6494c0f64" providerId="ADAL" clId="{65749D42-7D30-4F87-A547-41CEB5F57839}" dt="2025-02-20T12:57:19.979" v="32" actId="14100"/>
       <pc:docMkLst>
         <pc:docMk/>
       </pc:docMkLst>
-      <pc:sldChg chg="addSp delSp modSp mod">
-        <pc:chgData name="Yuichi Hattori" userId="c842edf0-40f4-4363-a2a1-86c6494c0f64" providerId="ADAL" clId="{7E0BE938-04C3-4C60-A747-C560E91923F0}" dt="2024-06-25T09:26:23.375" v="1329" actId="20577"/>
+      <pc:sldChg chg="modSp mod">
+        <pc:chgData name="Yuichi Hattori" userId="c842edf0-40f4-4363-a2a1-86c6494c0f64" providerId="ADAL" clId="{65749D42-7D30-4F87-A547-41CEB5F57839}" dt="2025-02-20T12:57:19.979" v="32" actId="14100"/>
         <pc:sldMkLst>
           <pc:docMk/>
-          <pc:sldMk cId="854095543" sldId="256"/>
+          <pc:sldMk cId="619417360" sldId="257"/>
         </pc:sldMkLst>
-        <pc:spChg chg="add mod ord">
-          <ac:chgData name="Yuichi Hattori" userId="c842edf0-40f4-4363-a2a1-86c6494c0f64" providerId="ADAL" clId="{7E0BE938-04C3-4C60-A747-C560E91923F0}" dt="2024-06-25T08:41:57.383" v="1030" actId="14100"/>
+        <pc:spChg chg="mod">
+          <ac:chgData name="Yuichi Hattori" userId="c842edf0-40f4-4363-a2a1-86c6494c0f64" providerId="ADAL" clId="{65749D42-7D30-4F87-A547-41CEB5F57839}" dt="2025-02-20T12:56:50.539" v="15" actId="1035"/>
           <ac:spMkLst>
             <pc:docMk/>
-            <pc:sldMk cId="854095543" sldId="256"/>
-            <ac:spMk id="2" creationId="{88BF04ED-61BC-6F16-7D13-7B5DE8FA035D}"/>
+            <pc:sldMk cId="619417360" sldId="257"/>
+            <ac:spMk id="8" creationId="{F88DA101-5D69-5C2D-AA00-75B959B3CCB2}"/>
           </ac:spMkLst>
         </pc:spChg>
-        <pc:spChg chg="add mod">
-          <ac:chgData name="Yuichi Hattori" userId="c842edf0-40f4-4363-a2a1-86c6494c0f64" providerId="ADAL" clId="{7E0BE938-04C3-4C60-A747-C560E91923F0}" dt="2024-06-25T08:42:01.792" v="1031" actId="1076"/>
+        <pc:spChg chg="mod">
+          <ac:chgData name="Yuichi Hattori" userId="c842edf0-40f4-4363-a2a1-86c6494c0f64" providerId="ADAL" clId="{65749D42-7D30-4F87-A547-41CEB5F57839}" dt="2025-02-20T12:57:09.776" v="31" actId="1035"/>
           <ac:spMkLst>
             <pc:docMk/>
-            <pc:sldMk cId="854095543" sldId="256"/>
-            <ac:spMk id="3" creationId="{291642DE-8233-809D-F1C6-9C63398839D1}"/>
+            <pc:sldMk cId="619417360" sldId="257"/>
+            <ac:spMk id="9" creationId="{778F47DD-8216-6273-2697-32BAA8CC41BE}"/>
           </ac:spMkLst>
         </pc:spChg>
-        <pc:spChg chg="add mod ord">
-          <ac:chgData name="Yuichi Hattori" userId="c842edf0-40f4-4363-a2a1-86c6494c0f64" providerId="ADAL" clId="{7E0BE938-04C3-4C60-A747-C560E91923F0}" dt="2024-06-25T09:24:28.013" v="1245" actId="167"/>
+        <pc:spChg chg="mod">
+          <ac:chgData name="Yuichi Hattori" userId="c842edf0-40f4-4363-a2a1-86c6494c0f64" providerId="ADAL" clId="{65749D42-7D30-4F87-A547-41CEB5F57839}" dt="2025-02-20T12:57:19.979" v="32" actId="14100"/>
           <ac:spMkLst>
             <pc:docMk/>
-            <pc:sldMk cId="854095543" sldId="256"/>
-            <ac:spMk id="4" creationId="{563322E2-550F-0BEE-0A58-9B1C1ED4FD23}"/>
+            <pc:sldMk cId="619417360" sldId="257"/>
+            <ac:spMk id="49" creationId="{AB1659BD-45FB-DD57-668E-19CD399D850E}"/>
           </ac:spMkLst>
         </pc:spChg>
-        <pc:spChg chg="add mod ord">
-          <ac:chgData name="Yuichi Hattori" userId="c842edf0-40f4-4363-a2a1-86c6494c0f64" providerId="ADAL" clId="{7E0BE938-04C3-4C60-A747-C560E91923F0}" dt="2024-06-25T09:24:28.013" v="1245" actId="167"/>
+        <pc:spChg chg="mod">
+          <ac:chgData name="Yuichi Hattori" userId="c842edf0-40f4-4363-a2a1-86c6494c0f64" providerId="ADAL" clId="{65749D42-7D30-4F87-A547-41CEB5F57839}" dt="2025-02-20T12:57:19.979" v="32" actId="14100"/>
           <ac:spMkLst>
             <pc:docMk/>
-            <pc:sldMk cId="854095543" sldId="256"/>
-            <ac:spMk id="5" creationId="{17454684-623B-7F0E-2691-FA6D894170E8}"/>
-          </ac:spMkLst>
-        </pc:spChg>
-        <pc:spChg chg="add mod ord">
-          <ac:chgData name="Yuichi Hattori" userId="c842edf0-40f4-4363-a2a1-86c6494c0f64" providerId="ADAL" clId="{7E0BE938-04C3-4C60-A747-C560E91923F0}" dt="2024-06-25T09:24:28.013" v="1245" actId="167"/>
-          <ac:spMkLst>
-            <pc:docMk/>
-            <pc:sldMk cId="854095543" sldId="256"/>
-            <ac:spMk id="6" creationId="{03A11050-314D-3308-9FD5-2E47F3269834}"/>
-          </ac:spMkLst>
-        </pc:spChg>
-        <pc:spChg chg="add mod ord">
-          <ac:chgData name="Yuichi Hattori" userId="c842edf0-40f4-4363-a2a1-86c6494c0f64" providerId="ADAL" clId="{7E0BE938-04C3-4C60-A747-C560E91923F0}" dt="2024-06-25T09:24:28.013" v="1245" actId="167"/>
-          <ac:spMkLst>
-            <pc:docMk/>
-            <pc:sldMk cId="854095543" sldId="256"/>
-            <ac:spMk id="7" creationId="{5FF2FBD2-7AAC-75A1-0707-A6A27601C2C2}"/>
-          </ac:spMkLst>
-        </pc:spChg>
-        <pc:spChg chg="add mod">
-          <ac:chgData name="Yuichi Hattori" userId="c842edf0-40f4-4363-a2a1-86c6494c0f64" providerId="ADAL" clId="{7E0BE938-04C3-4C60-A747-C560E91923F0}" dt="2024-06-25T08:30:22.453" v="871" actId="1035"/>
-          <ac:spMkLst>
-            <pc:docMk/>
-            <pc:sldMk cId="854095543" sldId="256"/>
-            <ac:spMk id="8" creationId="{B792E04A-5400-2C95-448B-C6B2650E1C8A}"/>
-          </ac:spMkLst>
-        </pc:spChg>
-        <pc:spChg chg="add mod">
-          <ac:chgData name="Yuichi Hattori" userId="c842edf0-40f4-4363-a2a1-86c6494c0f64" providerId="ADAL" clId="{7E0BE938-04C3-4C60-A747-C560E91923F0}" dt="2024-06-25T08:30:22.453" v="871" actId="1035"/>
-          <ac:spMkLst>
-            <pc:docMk/>
-            <pc:sldMk cId="854095543" sldId="256"/>
-            <ac:spMk id="9" creationId="{B7A81D8E-98BB-8667-8382-AD85E45F70F5}"/>
-          </ac:spMkLst>
-        </pc:spChg>
-        <pc:spChg chg="add mod">
-          <ac:chgData name="Yuichi Hattori" userId="c842edf0-40f4-4363-a2a1-86c6494c0f64" providerId="ADAL" clId="{7E0BE938-04C3-4C60-A747-C560E91923F0}" dt="2024-06-25T08:46:06.574" v="1100" actId="20577"/>
-          <ac:spMkLst>
-            <pc:docMk/>
-            <pc:sldMk cId="854095543" sldId="256"/>
-            <ac:spMk id="10" creationId="{E194CB0D-41BC-9E3C-800F-ACB0ADD132BC}"/>
-          </ac:spMkLst>
-        </pc:spChg>
-        <pc:spChg chg="add mod">
-          <ac:chgData name="Yuichi Hattori" userId="c842edf0-40f4-4363-a2a1-86c6494c0f64" providerId="ADAL" clId="{7E0BE938-04C3-4C60-A747-C560E91923F0}" dt="2024-06-25T08:30:22.453" v="871" actId="1035"/>
-          <ac:spMkLst>
-            <pc:docMk/>
-            <pc:sldMk cId="854095543" sldId="256"/>
-            <ac:spMk id="11" creationId="{63D6FE52-82CF-21F4-0D62-32CB297BBC7E}"/>
-          </ac:spMkLst>
-        </pc:spChg>
-        <pc:spChg chg="add mod">
-          <ac:chgData name="Yuichi Hattori" userId="c842edf0-40f4-4363-a2a1-86c6494c0f64" providerId="ADAL" clId="{7E0BE938-04C3-4C60-A747-C560E91923F0}" dt="2024-06-25T08:38:13.276" v="895" actId="404"/>
-          <ac:spMkLst>
-            <pc:docMk/>
-            <pc:sldMk cId="854095543" sldId="256"/>
-            <ac:spMk id="12" creationId="{E5C9C006-4A67-8AC6-2330-45916F5BFB3B}"/>
-          </ac:spMkLst>
-        </pc:spChg>
-        <pc:spChg chg="add mod">
-          <ac:chgData name="Yuichi Hattori" userId="c842edf0-40f4-4363-a2a1-86c6494c0f64" providerId="ADAL" clId="{7E0BE938-04C3-4C60-A747-C560E91923F0}" dt="2024-06-25T08:38:18.428" v="896" actId="1076"/>
-          <ac:spMkLst>
-            <pc:docMk/>
-            <pc:sldMk cId="854095543" sldId="256"/>
-            <ac:spMk id="13" creationId="{B7FFE671-5460-1AA2-90B2-8B616F6A45EE}"/>
-          </ac:spMkLst>
-        </pc:spChg>
-        <pc:spChg chg="add mod">
-          <ac:chgData name="Yuichi Hattori" userId="c842edf0-40f4-4363-a2a1-86c6494c0f64" providerId="ADAL" clId="{7E0BE938-04C3-4C60-A747-C560E91923F0}" dt="2024-06-25T09:26:23.375" v="1329" actId="20577"/>
-          <ac:spMkLst>
-            <pc:docMk/>
-            <pc:sldMk cId="854095543" sldId="256"/>
-            <ac:spMk id="14" creationId="{F9D6C107-45ED-2AC5-FAA7-454EAEAA6A99}"/>
-          </ac:spMkLst>
-        </pc:spChg>
-        <pc:spChg chg="add mod">
-          <ac:chgData name="Yuichi Hattori" userId="c842edf0-40f4-4363-a2a1-86c6494c0f64" providerId="ADAL" clId="{7E0BE938-04C3-4C60-A747-C560E91923F0}" dt="2024-06-25T08:41:52.227" v="1029" actId="20577"/>
-          <ac:spMkLst>
-            <pc:docMk/>
-            <pc:sldMk cId="854095543" sldId="256"/>
-            <ac:spMk id="15" creationId="{B8376F84-8A9B-A021-F029-41468E96DBD3}"/>
-          </ac:spMkLst>
-        </pc:spChg>
-        <pc:spChg chg="add mod ord">
-          <ac:chgData name="Yuichi Hattori" userId="c842edf0-40f4-4363-a2a1-86c6494c0f64" providerId="ADAL" clId="{7E0BE938-04C3-4C60-A747-C560E91923F0}" dt="2024-06-25T08:47:20.057" v="1110" actId="14100"/>
-          <ac:spMkLst>
-            <pc:docMk/>
-            <pc:sldMk cId="854095543" sldId="256"/>
-            <ac:spMk id="16" creationId="{3DCF894B-6CAA-8AEF-6CBF-3883243F681B}"/>
-          </ac:spMkLst>
-        </pc:spChg>
-        <pc:spChg chg="add del">
-          <ac:chgData name="Yuichi Hattori" userId="c842edf0-40f4-4363-a2a1-86c6494c0f64" providerId="ADAL" clId="{7E0BE938-04C3-4C60-A747-C560E91923F0}" dt="2024-06-09T13:12:27.394" v="277" actId="22"/>
-          <ac:spMkLst>
-            <pc:docMk/>
-            <pc:sldMk cId="854095543" sldId="256"/>
-            <ac:spMk id="16" creationId="{9CBEA6B5-0B17-16ED-01A9-1FEE2DB3F7B1}"/>
-          </ac:spMkLst>
-        </pc:spChg>
-        <pc:spChg chg="add mod">
-          <ac:chgData name="Yuichi Hattori" userId="c842edf0-40f4-4363-a2a1-86c6494c0f64" providerId="ADAL" clId="{7E0BE938-04C3-4C60-A747-C560E91923F0}" dt="2024-06-25T08:34:01.510" v="883" actId="14100"/>
-          <ac:spMkLst>
-            <pc:docMk/>
-            <pc:sldMk cId="854095543" sldId="256"/>
-            <ac:spMk id="17" creationId="{4AF3BE93-18DC-B112-0497-CAFFEDDD16B1}"/>
-          </ac:spMkLst>
-        </pc:spChg>
-        <pc:spChg chg="add del mod">
-          <ac:chgData name="Yuichi Hattori" userId="c842edf0-40f4-4363-a2a1-86c6494c0f64" providerId="ADAL" clId="{7E0BE938-04C3-4C60-A747-C560E91923F0}" dt="2024-06-25T08:52:49.883" v="1199" actId="478"/>
-          <ac:spMkLst>
-            <pc:docMk/>
-            <pc:sldMk cId="854095543" sldId="256"/>
-            <ac:spMk id="18" creationId="{93427BBA-7348-828C-9F27-604F785EBEE1}"/>
-          </ac:spMkLst>
-        </pc:spChg>
-        <pc:spChg chg="add mod">
-          <ac:chgData name="Yuichi Hattori" userId="c842edf0-40f4-4363-a2a1-86c6494c0f64" providerId="ADAL" clId="{7E0BE938-04C3-4C60-A747-C560E91923F0}" dt="2024-06-25T08:49:17.383" v="1157" actId="404"/>
-          <ac:spMkLst>
-            <pc:docMk/>
-            <pc:sldMk cId="854095543" sldId="256"/>
-            <ac:spMk id="19" creationId="{4B33A1A1-1482-2C67-EFA2-6FE3062DF2E2}"/>
-          </ac:spMkLst>
-        </pc:spChg>
-        <pc:spChg chg="add mod">
-          <ac:chgData name="Yuichi Hattori" userId="c842edf0-40f4-4363-a2a1-86c6494c0f64" providerId="ADAL" clId="{7E0BE938-04C3-4C60-A747-C560E91923F0}" dt="2024-06-25T08:47:38.850" v="1115" actId="403"/>
-          <ac:spMkLst>
-            <pc:docMk/>
-            <pc:sldMk cId="854095543" sldId="256"/>
-            <ac:spMk id="20" creationId="{472DCB68-BD79-6F43-6B2B-49CADD2683DE}"/>
-          </ac:spMkLst>
-        </pc:spChg>
-        <pc:spChg chg="add del mod">
-          <ac:chgData name="Yuichi Hattori" userId="c842edf0-40f4-4363-a2a1-86c6494c0f64" providerId="ADAL" clId="{7E0BE938-04C3-4C60-A747-C560E91923F0}" dt="2024-06-25T08:52:52.058" v="1200" actId="478"/>
-          <ac:spMkLst>
-            <pc:docMk/>
-            <pc:sldMk cId="854095543" sldId="256"/>
-            <ac:spMk id="21" creationId="{5DE2C9FD-D43C-5D84-7DEA-68E6C2D09C37}"/>
-          </ac:spMkLst>
-        </pc:spChg>
-        <pc:spChg chg="add mod">
-          <ac:chgData name="Yuichi Hattori" userId="c842edf0-40f4-4363-a2a1-86c6494c0f64" providerId="ADAL" clId="{7E0BE938-04C3-4C60-A747-C560E91923F0}" dt="2024-06-25T09:24:40.335" v="1247" actId="1076"/>
-          <ac:spMkLst>
-            <pc:docMk/>
-            <pc:sldMk cId="854095543" sldId="256"/>
-            <ac:spMk id="22" creationId="{6941B6DE-D326-2F14-9300-2495EB3A31F6}"/>
-          </ac:spMkLst>
-        </pc:spChg>
-        <pc:spChg chg="add mod">
-          <ac:chgData name="Yuichi Hattori" userId="c842edf0-40f4-4363-a2a1-86c6494c0f64" providerId="ADAL" clId="{7E0BE938-04C3-4C60-A747-C560E91923F0}" dt="2024-06-25T08:53:02.010" v="1202" actId="1076"/>
-          <ac:spMkLst>
-            <pc:docMk/>
-            <pc:sldMk cId="854095543" sldId="256"/>
-            <ac:spMk id="23" creationId="{716B227C-9872-4D92-B385-1300B118EEE7}"/>
-          </ac:spMkLst>
-        </pc:spChg>
-        <pc:spChg chg="add del mod">
-          <ac:chgData name="Yuichi Hattori" userId="c842edf0-40f4-4363-a2a1-86c6494c0f64" providerId="ADAL" clId="{7E0BE938-04C3-4C60-A747-C560E91923F0}" dt="2024-06-09T13:18:33.983" v="540" actId="21"/>
-          <ac:spMkLst>
-            <pc:docMk/>
-            <pc:sldMk cId="854095543" sldId="256"/>
-            <ac:spMk id="23" creationId="{C551629D-B6BF-4A0F-17A8-8A1EB5FB7D55}"/>
-          </ac:spMkLst>
-        </pc:spChg>
-        <pc:spChg chg="add mod">
-          <ac:chgData name="Yuichi Hattori" userId="c842edf0-40f4-4363-a2a1-86c6494c0f64" providerId="ADAL" clId="{7E0BE938-04C3-4C60-A747-C560E91923F0}" dt="2024-06-25T08:45:56.626" v="1078" actId="14100"/>
-          <ac:spMkLst>
-            <pc:docMk/>
-            <pc:sldMk cId="854095543" sldId="256"/>
-            <ac:spMk id="24" creationId="{1B11573A-8199-7EDA-C27B-8F442BEC3541}"/>
-          </ac:spMkLst>
-        </pc:spChg>
-        <pc:spChg chg="add del mod">
-          <ac:chgData name="Yuichi Hattori" userId="c842edf0-40f4-4363-a2a1-86c6494c0f64" providerId="ADAL" clId="{7E0BE938-04C3-4C60-A747-C560E91923F0}" dt="2024-06-25T08:33:36.477" v="882" actId="478"/>
-          <ac:spMkLst>
-            <pc:docMk/>
-            <pc:sldMk cId="854095543" sldId="256"/>
-            <ac:spMk id="25" creationId="{AF1DBD12-D178-7A4F-DD20-EA56AEC38CD0}"/>
-          </ac:spMkLst>
-        </pc:spChg>
-        <pc:spChg chg="add mod">
-          <ac:chgData name="Yuichi Hattori" userId="c842edf0-40f4-4363-a2a1-86c6494c0f64" providerId="ADAL" clId="{7E0BE938-04C3-4C60-A747-C560E91923F0}" dt="2024-06-25T08:47:08.855" v="1109" actId="404"/>
-          <ac:spMkLst>
-            <pc:docMk/>
-            <pc:sldMk cId="854095543" sldId="256"/>
-            <ac:spMk id="26" creationId="{782E8FB4-5743-C5D1-A438-374CD5D45378}"/>
-          </ac:spMkLst>
-        </pc:spChg>
-        <pc:spChg chg="add mod">
-          <ac:chgData name="Yuichi Hattori" userId="c842edf0-40f4-4363-a2a1-86c6494c0f64" providerId="ADAL" clId="{7E0BE938-04C3-4C60-A747-C560E91923F0}" dt="2024-06-25T08:46:46.194" v="1105" actId="1076"/>
-          <ac:spMkLst>
-            <pc:docMk/>
-            <pc:sldMk cId="854095543" sldId="256"/>
-            <ac:spMk id="27" creationId="{07B0B8F4-E8A7-5AA6-4E71-D12391340D4F}"/>
-          </ac:spMkLst>
-        </pc:spChg>
-        <pc:spChg chg="add mod">
-          <ac:chgData name="Yuichi Hattori" userId="c842edf0-40f4-4363-a2a1-86c6494c0f64" providerId="ADAL" clId="{7E0BE938-04C3-4C60-A747-C560E91923F0}" dt="2024-06-25T09:24:35.895" v="1246" actId="1076"/>
-          <ac:spMkLst>
-            <pc:docMk/>
-            <pc:sldMk cId="854095543" sldId="256"/>
-            <ac:spMk id="28" creationId="{E111E584-CAE6-0464-5BC1-D05A8874BC5B}"/>
-          </ac:spMkLst>
-        </pc:spChg>
-        <pc:spChg chg="add del mod">
-          <ac:chgData name="Yuichi Hattori" userId="c842edf0-40f4-4363-a2a1-86c6494c0f64" providerId="ADAL" clId="{7E0BE938-04C3-4C60-A747-C560E91923F0}" dt="2024-06-09T13:31:58.896" v="663" actId="21"/>
-          <ac:spMkLst>
-            <pc:docMk/>
-            <pc:sldMk cId="854095543" sldId="256"/>
-            <ac:spMk id="29" creationId="{C09230DB-34E6-DFDC-77CF-4C1D8C940D36}"/>
-          </ac:spMkLst>
-        </pc:spChg>
-        <pc:spChg chg="add mod ord">
-          <ac:chgData name="Yuichi Hattori" userId="c842edf0-40f4-4363-a2a1-86c6494c0f64" providerId="ADAL" clId="{7E0BE938-04C3-4C60-A747-C560E91923F0}" dt="2024-06-25T08:49:37.552" v="1160" actId="207"/>
-          <ac:spMkLst>
-            <pc:docMk/>
-            <pc:sldMk cId="854095543" sldId="256"/>
-            <ac:spMk id="29" creationId="{F3D620B3-214B-F0E4-68BA-0BE198152276}"/>
-          </ac:spMkLst>
-        </pc:spChg>
-        <pc:spChg chg="add mod">
-          <ac:chgData name="Yuichi Hattori" userId="c842edf0-40f4-4363-a2a1-86c6494c0f64" providerId="ADAL" clId="{7E0BE938-04C3-4C60-A747-C560E91923F0}" dt="2024-06-25T09:24:43.822" v="1248" actId="1076"/>
-          <ac:spMkLst>
-            <pc:docMk/>
-            <pc:sldMk cId="854095543" sldId="256"/>
-            <ac:spMk id="30" creationId="{CAC70A18-77DE-724C-BB7F-6D52062E27B9}"/>
-          </ac:spMkLst>
-        </pc:spChg>
-        <pc:spChg chg="add mod ord">
-          <ac:chgData name="Yuichi Hattori" userId="c842edf0-40f4-4363-a2a1-86c6494c0f64" providerId="ADAL" clId="{7E0BE938-04C3-4C60-A747-C560E91923F0}" dt="2024-06-25T08:56:15.899" v="1208" actId="20577"/>
-          <ac:spMkLst>
-            <pc:docMk/>
-            <pc:sldMk cId="854095543" sldId="256"/>
-            <ac:spMk id="31" creationId="{2FDCE38D-35FE-6355-2B91-87E25B1A6842}"/>
-          </ac:spMkLst>
-        </pc:spChg>
-        <pc:spChg chg="add mod ord">
-          <ac:chgData name="Yuichi Hattori" userId="c842edf0-40f4-4363-a2a1-86c6494c0f64" providerId="ADAL" clId="{7E0BE938-04C3-4C60-A747-C560E91923F0}" dt="2024-06-25T09:17:03.082" v="1237" actId="1035"/>
-          <ac:spMkLst>
-            <pc:docMk/>
-            <pc:sldMk cId="854095543" sldId="256"/>
-            <ac:spMk id="32" creationId="{B186B924-59C7-DFEF-9A68-D688879BB6AE}"/>
-          </ac:spMkLst>
-        </pc:spChg>
-        <pc:spChg chg="add mod">
-          <ac:chgData name="Yuichi Hattori" userId="c842edf0-40f4-4363-a2a1-86c6494c0f64" providerId="ADAL" clId="{7E0BE938-04C3-4C60-A747-C560E91923F0}" dt="2024-06-25T08:49:11.905" v="1156" actId="1076"/>
-          <ac:spMkLst>
-            <pc:docMk/>
-            <pc:sldMk cId="854095543" sldId="256"/>
-            <ac:spMk id="33" creationId="{1E4096BD-4D45-625D-22AD-F82F12FE734E}"/>
-          </ac:spMkLst>
-        </pc:spChg>
-        <pc:spChg chg="add mod">
-          <ac:chgData name="Yuichi Hattori" userId="c842edf0-40f4-4363-a2a1-86c6494c0f64" providerId="ADAL" clId="{7E0BE938-04C3-4C60-A747-C560E91923F0}" dt="2024-06-25T09:24:06.416" v="1240" actId="207"/>
-          <ac:spMkLst>
-            <pc:docMk/>
-            <pc:sldMk cId="854095543" sldId="256"/>
-            <ac:spMk id="34" creationId="{29E40156-3ABE-B912-F921-399BBA685CE5}"/>
-          </ac:spMkLst>
-        </pc:spChg>
-        <pc:spChg chg="add mod">
-          <ac:chgData name="Yuichi Hattori" userId="c842edf0-40f4-4363-a2a1-86c6494c0f64" providerId="ADAL" clId="{7E0BE938-04C3-4C60-A747-C560E91923F0}" dt="2024-06-25T08:56:03.892" v="1204" actId="1076"/>
-          <ac:spMkLst>
-            <pc:docMk/>
-            <pc:sldMk cId="854095543" sldId="256"/>
-            <ac:spMk id="35" creationId="{1009087B-4511-EC85-6566-7FD6FC402B2C}"/>
-          </ac:spMkLst>
-        </pc:spChg>
-        <pc:spChg chg="add mod">
-          <ac:chgData name="Yuichi Hattori" userId="c842edf0-40f4-4363-a2a1-86c6494c0f64" providerId="ADAL" clId="{7E0BE938-04C3-4C60-A747-C560E91923F0}" dt="2024-06-25T09:17:07.054" v="1238" actId="14100"/>
-          <ac:spMkLst>
-            <pc:docMk/>
-            <pc:sldMk cId="854095543" sldId="256"/>
-            <ac:spMk id="36" creationId="{7334DB38-816D-720D-0FD1-36379171817E}"/>
-          </ac:spMkLst>
-        </pc:spChg>
-        <pc:spChg chg="add mod ord">
-          <ac:chgData name="Yuichi Hattori" userId="c842edf0-40f4-4363-a2a1-86c6494c0f64" providerId="ADAL" clId="{7E0BE938-04C3-4C60-A747-C560E91923F0}" dt="2024-06-25T09:25:00.317" v="1251" actId="207"/>
-          <ac:spMkLst>
-            <pc:docMk/>
-            <pc:sldMk cId="854095543" sldId="256"/>
-            <ac:spMk id="37" creationId="{ADD97D49-A59F-757C-E2C0-C85CEA1E66FB}"/>
-          </ac:spMkLst>
-        </pc:spChg>
-        <pc:spChg chg="add mod">
-          <ac:chgData name="Yuichi Hattori" userId="c842edf0-40f4-4363-a2a1-86c6494c0f64" providerId="ADAL" clId="{7E0BE938-04C3-4C60-A747-C560E91923F0}" dt="2024-06-25T09:25:52.423" v="1302" actId="1035"/>
-          <ac:spMkLst>
-            <pc:docMk/>
-            <pc:sldMk cId="854095543" sldId="256"/>
-            <ac:spMk id="38" creationId="{36A955E5-CCFF-4A12-0EB4-5ED6BE8A5E6C}"/>
+            <pc:sldMk cId="619417360" sldId="257"/>
+            <ac:spMk id="50" creationId="{53EDBA3E-E7AF-4DD1-6B52-BFB7BA4AF879}"/>
           </ac:spMkLst>
         </pc:spChg>
       </pc:sldChg>
@@ -498,134 +194,6 @@
           <pc:docMk/>
           <pc:sldMk cId="854095543" sldId="256"/>
         </pc:sldMkLst>
-        <pc:spChg chg="mod">
-          <ac:chgData name="Yuichi Hattori" userId="c842edf0-40f4-4363-a2a1-86c6494c0f64" providerId="ADAL" clId="{1F004791-01D8-42AB-AC0B-527DC6BE7D58}" dt="2024-08-13T12:19:21.040" v="2482" actId="20577"/>
-          <ac:spMkLst>
-            <pc:docMk/>
-            <pc:sldMk cId="854095543" sldId="256"/>
-            <ac:spMk id="12" creationId="{E5C9C006-4A67-8AC6-2330-45916F5BFB3B}"/>
-          </ac:spMkLst>
-        </pc:spChg>
-        <pc:spChg chg="mod">
-          <ac:chgData name="Yuichi Hattori" userId="c842edf0-40f4-4363-a2a1-86c6494c0f64" providerId="ADAL" clId="{1F004791-01D8-42AB-AC0B-527DC6BE7D58}" dt="2024-08-13T12:19:25.568" v="2487" actId="20577"/>
-          <ac:spMkLst>
-            <pc:docMk/>
-            <pc:sldMk cId="854095543" sldId="256"/>
-            <ac:spMk id="13" creationId="{B7FFE671-5460-1AA2-90B2-8B616F6A45EE}"/>
-          </ac:spMkLst>
-        </pc:spChg>
-        <pc:spChg chg="mod">
-          <ac:chgData name="Yuichi Hattori" userId="c842edf0-40f4-4363-a2a1-86c6494c0f64" providerId="ADAL" clId="{1F004791-01D8-42AB-AC0B-527DC6BE7D58}" dt="2024-08-13T12:19:57.013" v="2521" actId="20577"/>
-          <ac:spMkLst>
-            <pc:docMk/>
-            <pc:sldMk cId="854095543" sldId="256"/>
-            <ac:spMk id="14" creationId="{F9D6C107-45ED-2AC5-FAA7-454EAEAA6A99}"/>
-          </ac:spMkLst>
-        </pc:spChg>
-        <pc:spChg chg="mod">
-          <ac:chgData name="Yuichi Hattori" userId="c842edf0-40f4-4363-a2a1-86c6494c0f64" providerId="ADAL" clId="{1F004791-01D8-42AB-AC0B-527DC6BE7D58}" dt="2024-08-13T12:19:34.272" v="2497" actId="20577"/>
-          <ac:spMkLst>
-            <pc:docMk/>
-            <pc:sldMk cId="854095543" sldId="256"/>
-            <ac:spMk id="15" creationId="{B8376F84-8A9B-A021-F029-41468E96DBD3}"/>
-          </ac:spMkLst>
-        </pc:spChg>
-        <pc:spChg chg="mod">
-          <ac:chgData name="Yuichi Hattori" userId="c842edf0-40f4-4363-a2a1-86c6494c0f64" providerId="ADAL" clId="{1F004791-01D8-42AB-AC0B-527DC6BE7D58}" dt="2024-08-13T12:19:09.527" v="2477" actId="20577"/>
-          <ac:spMkLst>
-            <pc:docMk/>
-            <pc:sldMk cId="854095543" sldId="256"/>
-            <ac:spMk id="17" creationId="{4AF3BE93-18DC-B112-0497-CAFFEDDD16B1}"/>
-          </ac:spMkLst>
-        </pc:spChg>
-        <pc:spChg chg="mod">
-          <ac:chgData name="Yuichi Hattori" userId="c842edf0-40f4-4363-a2a1-86c6494c0f64" providerId="ADAL" clId="{1F004791-01D8-42AB-AC0B-527DC6BE7D58}" dt="2024-08-13T12:18:59.323" v="2468" actId="20577"/>
-          <ac:spMkLst>
-            <pc:docMk/>
-            <pc:sldMk cId="854095543" sldId="256"/>
-            <ac:spMk id="19" creationId="{4B33A1A1-1482-2C67-EFA2-6FE3062DF2E2}"/>
-          </ac:spMkLst>
-        </pc:spChg>
-        <pc:spChg chg="mod">
-          <ac:chgData name="Yuichi Hattori" userId="c842edf0-40f4-4363-a2a1-86c6494c0f64" providerId="ADAL" clId="{1F004791-01D8-42AB-AC0B-527DC6BE7D58}" dt="2024-08-13T12:18:24.552" v="2448" actId="20577"/>
-          <ac:spMkLst>
-            <pc:docMk/>
-            <pc:sldMk cId="854095543" sldId="256"/>
-            <ac:spMk id="20" creationId="{472DCB68-BD79-6F43-6B2B-49CADD2683DE}"/>
-          </ac:spMkLst>
-        </pc:spChg>
-        <pc:spChg chg="mod">
-          <ac:chgData name="Yuichi Hattori" userId="c842edf0-40f4-4363-a2a1-86c6494c0f64" providerId="ADAL" clId="{1F004791-01D8-42AB-AC0B-527DC6BE7D58}" dt="2024-08-13T12:19:45.311" v="2509" actId="20577"/>
-          <ac:spMkLst>
-            <pc:docMk/>
-            <pc:sldMk cId="854095543" sldId="256"/>
-            <ac:spMk id="22" creationId="{6941B6DE-D326-2F14-9300-2495EB3A31F6}"/>
-          </ac:spMkLst>
-        </pc:spChg>
-        <pc:spChg chg="mod">
-          <ac:chgData name="Yuichi Hattori" userId="c842edf0-40f4-4363-a2a1-86c6494c0f64" providerId="ADAL" clId="{1F004791-01D8-42AB-AC0B-527DC6BE7D58}" dt="2024-08-13T12:17:58.550" v="2423" actId="404"/>
-          <ac:spMkLst>
-            <pc:docMk/>
-            <pc:sldMk cId="854095543" sldId="256"/>
-            <ac:spMk id="24" creationId="{1B11573A-8199-7EDA-C27B-8F442BEC3541}"/>
-          </ac:spMkLst>
-        </pc:spChg>
-        <pc:spChg chg="mod">
-          <ac:chgData name="Yuichi Hattori" userId="c842edf0-40f4-4363-a2a1-86c6494c0f64" providerId="ADAL" clId="{1F004791-01D8-42AB-AC0B-527DC6BE7D58}" dt="2024-08-13T12:18:13.585" v="2441" actId="20577"/>
-          <ac:spMkLst>
-            <pc:docMk/>
-            <pc:sldMk cId="854095543" sldId="256"/>
-            <ac:spMk id="26" creationId="{782E8FB4-5743-C5D1-A438-374CD5D45378}"/>
-          </ac:spMkLst>
-        </pc:spChg>
-        <pc:spChg chg="mod">
-          <ac:chgData name="Yuichi Hattori" userId="c842edf0-40f4-4363-a2a1-86c6494c0f64" providerId="ADAL" clId="{1F004791-01D8-42AB-AC0B-527DC6BE7D58}" dt="2024-08-13T12:18:07.114" v="2436" actId="20577"/>
-          <ac:spMkLst>
-            <pc:docMk/>
-            <pc:sldMk cId="854095543" sldId="256"/>
-            <ac:spMk id="27" creationId="{07B0B8F4-E8A7-5AA6-4E71-D12391340D4F}"/>
-          </ac:spMkLst>
-        </pc:spChg>
-        <pc:spChg chg="mod">
-          <ac:chgData name="Yuichi Hattori" userId="c842edf0-40f4-4363-a2a1-86c6494c0f64" providerId="ADAL" clId="{1F004791-01D8-42AB-AC0B-527DC6BE7D58}" dt="2024-08-13T12:19:41.021" v="2504" actId="20577"/>
-          <ac:spMkLst>
-            <pc:docMk/>
-            <pc:sldMk cId="854095543" sldId="256"/>
-            <ac:spMk id="28" creationId="{E111E584-CAE6-0464-5BC1-D05A8874BC5B}"/>
-          </ac:spMkLst>
-        </pc:spChg>
-        <pc:spChg chg="mod">
-          <ac:chgData name="Yuichi Hattori" userId="c842edf0-40f4-4363-a2a1-86c6494c0f64" providerId="ADAL" clId="{1F004791-01D8-42AB-AC0B-527DC6BE7D58}" dt="2024-08-13T12:19:51.801" v="2514" actId="20577"/>
-          <ac:spMkLst>
-            <pc:docMk/>
-            <pc:sldMk cId="854095543" sldId="256"/>
-            <ac:spMk id="30" creationId="{CAC70A18-77DE-724C-BB7F-6D52062E27B9}"/>
-          </ac:spMkLst>
-        </pc:spChg>
-        <pc:spChg chg="mod">
-          <ac:chgData name="Yuichi Hattori" userId="c842edf0-40f4-4363-a2a1-86c6494c0f64" providerId="ADAL" clId="{1F004791-01D8-42AB-AC0B-527DC6BE7D58}" dt="2024-08-13T12:18:43.642" v="2463" actId="20577"/>
-          <ac:spMkLst>
-            <pc:docMk/>
-            <pc:sldMk cId="854095543" sldId="256"/>
-            <ac:spMk id="31" creationId="{2FDCE38D-35FE-6355-2B91-87E25B1A6842}"/>
-          </ac:spMkLst>
-        </pc:spChg>
-        <pc:spChg chg="mod">
-          <ac:chgData name="Yuichi Hattori" userId="c842edf0-40f4-4363-a2a1-86c6494c0f64" providerId="ADAL" clId="{1F004791-01D8-42AB-AC0B-527DC6BE7D58}" dt="2024-08-13T12:18:33.839" v="2453" actId="20577"/>
-          <ac:spMkLst>
-            <pc:docMk/>
-            <pc:sldMk cId="854095543" sldId="256"/>
-            <ac:spMk id="32" creationId="{B186B924-59C7-DFEF-9A68-D688879BB6AE}"/>
-          </ac:spMkLst>
-        </pc:spChg>
-        <pc:spChg chg="mod">
-          <ac:chgData name="Yuichi Hattori" userId="c842edf0-40f4-4363-a2a1-86c6494c0f64" providerId="ADAL" clId="{1F004791-01D8-42AB-AC0B-527DC6BE7D58}" dt="2024-08-13T12:18:37.975" v="2458" actId="20577"/>
-          <ac:spMkLst>
-            <pc:docMk/>
-            <pc:sldMk cId="854095543" sldId="256"/>
-            <ac:spMk id="36" creationId="{7334DB38-816D-720D-0FD1-36379171817E}"/>
-          </ac:spMkLst>
-        </pc:spChg>
       </pc:sldChg>
       <pc:sldChg chg="addSp delSp modSp new del mod">
         <pc:chgData name="Yuichi Hattori" userId="c842edf0-40f4-4363-a2a1-86c6494c0f64" providerId="ADAL" clId="{1F004791-01D8-42AB-AC0B-527DC6BE7D58}" dt="2024-08-13T12:31:11.577" v="2522" actId="47"/>
@@ -633,30 +201,6 @@
           <pc:docMk/>
           <pc:sldMk cId="731119452" sldId="257"/>
         </pc:sldMkLst>
-        <pc:spChg chg="mod">
-          <ac:chgData name="Yuichi Hattori" userId="c842edf0-40f4-4363-a2a1-86c6494c0f64" providerId="ADAL" clId="{1F004791-01D8-42AB-AC0B-527DC6BE7D58}" dt="2024-08-07T06:45:48.369" v="15" actId="1076"/>
-          <ac:spMkLst>
-            <pc:docMk/>
-            <pc:sldMk cId="731119452" sldId="257"/>
-            <ac:spMk id="2" creationId="{A5D8ACF6-6BB1-708D-DE6C-C32D5B3361A0}"/>
-          </ac:spMkLst>
-        </pc:spChg>
-        <pc:spChg chg="del mod">
-          <ac:chgData name="Yuichi Hattori" userId="c842edf0-40f4-4363-a2a1-86c6494c0f64" providerId="ADAL" clId="{1F004791-01D8-42AB-AC0B-527DC6BE7D58}" dt="2024-08-07T06:45:28.127" v="10" actId="478"/>
-          <ac:spMkLst>
-            <pc:docMk/>
-            <pc:sldMk cId="731119452" sldId="257"/>
-            <ac:spMk id="3" creationId="{5AE622C4-F73D-1636-CA1C-5B17F175A739}"/>
-          </ac:spMkLst>
-        </pc:spChg>
-        <pc:spChg chg="add mod">
-          <ac:chgData name="Yuichi Hattori" userId="c842edf0-40f4-4363-a2a1-86c6494c0f64" providerId="ADAL" clId="{1F004791-01D8-42AB-AC0B-527DC6BE7D58}" dt="2024-08-07T11:23:25.082" v="2409" actId="20577"/>
-          <ac:spMkLst>
-            <pc:docMk/>
-            <pc:sldMk cId="731119452" sldId="257"/>
-            <ac:spMk id="4" creationId="{BBBEC10A-94ED-336A-A2EB-8A5EF40E2505}"/>
-          </ac:spMkLst>
-        </pc:spChg>
       </pc:sldChg>
       <pc:sldChg chg="modSp add del mod">
         <pc:chgData name="Yuichi Hattori" userId="c842edf0-40f4-4363-a2a1-86c6494c0f64" providerId="ADAL" clId="{1F004791-01D8-42AB-AC0B-527DC6BE7D58}" dt="2024-08-13T12:32:31.682" v="2523" actId="47"/>
@@ -664,22 +208,22 @@
           <pc:docMk/>
           <pc:sldMk cId="4031894111" sldId="258"/>
         </pc:sldMkLst>
-        <pc:spChg chg="mod">
-          <ac:chgData name="Yuichi Hattori" userId="c842edf0-40f4-4363-a2a1-86c6494c0f64" providerId="ADAL" clId="{1F004791-01D8-42AB-AC0B-527DC6BE7D58}" dt="2024-08-07T06:50:56.706" v="144" actId="20577"/>
-          <ac:spMkLst>
-            <pc:docMk/>
-            <pc:sldMk cId="4031894111" sldId="258"/>
-            <ac:spMk id="2" creationId="{A5D8ACF6-6BB1-708D-DE6C-C32D5B3361A0}"/>
-          </ac:spMkLst>
-        </pc:spChg>
-        <pc:spChg chg="mod">
-          <ac:chgData name="Yuichi Hattori" userId="c842edf0-40f4-4363-a2a1-86c6494c0f64" providerId="ADAL" clId="{1F004791-01D8-42AB-AC0B-527DC6BE7D58}" dt="2024-08-07T11:02:27.999" v="1668" actId="20577"/>
-          <ac:spMkLst>
-            <pc:docMk/>
-            <pc:sldMk cId="4031894111" sldId="258"/>
-            <ac:spMk id="4" creationId="{BBBEC10A-94ED-336A-A2EB-8A5EF40E2505}"/>
-          </ac:spMkLst>
-        </pc:spChg>
+      </pc:sldChg>
+    </pc:docChg>
+  </pc:docChgLst>
+  <pc:docChgLst>
+    <pc:chgData name="Yuichi Hattori" userId="c842edf0-40f4-4363-a2a1-86c6494c0f64" providerId="ADAL" clId="{7E0BE938-04C3-4C60-A747-C560E91923F0}"/>
+    <pc:docChg chg="undo custSel modSld">
+      <pc:chgData name="Yuichi Hattori" userId="c842edf0-40f4-4363-a2a1-86c6494c0f64" providerId="ADAL" clId="{7E0BE938-04C3-4C60-A747-C560E91923F0}" dt="2024-06-25T09:26:23.375" v="1329" actId="20577"/>
+      <pc:docMkLst>
+        <pc:docMk/>
+      </pc:docMkLst>
+      <pc:sldChg chg="addSp delSp modSp mod">
+        <pc:chgData name="Yuichi Hattori" userId="c842edf0-40f4-4363-a2a1-86c6494c0f64" providerId="ADAL" clId="{7E0BE938-04C3-4C60-A747-C560E91923F0}" dt="2024-06-25T09:26:23.375" v="1329" actId="20577"/>
+        <pc:sldMkLst>
+          <pc:docMk/>
+          <pc:sldMk cId="854095543" sldId="256"/>
+        </pc:sldMkLst>
       </pc:sldChg>
     </pc:docChg>
   </pc:docChgLst>
@@ -768,7 +312,7 @@
           <a:p>
             <a:fld id="{7B734C14-2306-2545-BC6B-4C22FF154C55}" type="datetimeFigureOut">
               <a:rPr kumimoji="1" lang="ja-JP" altLang="en-US" smtClean="0"/>
-              <a:t>2025/1/31</a:t>
+              <a:t>2025/2/20</a:t>
             </a:fld>
             <a:endParaRPr kumimoji="1" lang="ja-JP" altLang="en-US"/>
           </a:p>
@@ -1282,7 +826,7 @@
           <a:p>
             <a:fld id="{981E291A-47F3-4D59-B164-DD7DAEA1944A}" type="datetimeFigureOut">
               <a:rPr kumimoji="1" lang="ja-JP" altLang="en-US" smtClean="0"/>
-              <a:t>2025/1/31</a:t>
+              <a:t>2025/2/20</a:t>
             </a:fld>
             <a:endParaRPr kumimoji="1" lang="ja-JP" altLang="en-US"/>
           </a:p>
@@ -1484,7 +1028,7 @@
           <a:p>
             <a:fld id="{981E291A-47F3-4D59-B164-DD7DAEA1944A}" type="datetimeFigureOut">
               <a:rPr kumimoji="1" lang="ja-JP" altLang="en-US" smtClean="0"/>
-              <a:t>2025/1/31</a:t>
+              <a:t>2025/2/20</a:t>
             </a:fld>
             <a:endParaRPr kumimoji="1" lang="ja-JP" altLang="en-US"/>
           </a:p>
@@ -1696,7 +1240,7 @@
           <a:p>
             <a:fld id="{981E291A-47F3-4D59-B164-DD7DAEA1944A}" type="datetimeFigureOut">
               <a:rPr kumimoji="1" lang="ja-JP" altLang="en-US" smtClean="0"/>
-              <a:t>2025/1/31</a:t>
+              <a:t>2025/2/20</a:t>
             </a:fld>
             <a:endParaRPr kumimoji="1" lang="ja-JP" altLang="en-US"/>
           </a:p>
@@ -1898,7 +1442,7 @@
           <a:p>
             <a:fld id="{981E291A-47F3-4D59-B164-DD7DAEA1944A}" type="datetimeFigureOut">
               <a:rPr kumimoji="1" lang="ja-JP" altLang="en-US" smtClean="0"/>
-              <a:t>2025/1/31</a:t>
+              <a:t>2025/2/20</a:t>
             </a:fld>
             <a:endParaRPr kumimoji="1" lang="ja-JP" altLang="en-US"/>
           </a:p>
@@ -2144,7 +1688,7 @@
           <a:p>
             <a:fld id="{981E291A-47F3-4D59-B164-DD7DAEA1944A}" type="datetimeFigureOut">
               <a:rPr kumimoji="1" lang="ja-JP" altLang="en-US" smtClean="0"/>
-              <a:t>2025/1/31</a:t>
+              <a:t>2025/2/20</a:t>
             </a:fld>
             <a:endParaRPr kumimoji="1" lang="ja-JP" altLang="en-US"/>
           </a:p>
@@ -2440,7 +1984,7 @@
           <a:p>
             <a:fld id="{981E291A-47F3-4D59-B164-DD7DAEA1944A}" type="datetimeFigureOut">
               <a:rPr kumimoji="1" lang="ja-JP" altLang="en-US" smtClean="0"/>
-              <a:t>2025/1/31</a:t>
+              <a:t>2025/2/20</a:t>
             </a:fld>
             <a:endParaRPr kumimoji="1" lang="ja-JP" altLang="en-US"/>
           </a:p>
@@ -2871,7 +2415,7 @@
           <a:p>
             <a:fld id="{981E291A-47F3-4D59-B164-DD7DAEA1944A}" type="datetimeFigureOut">
               <a:rPr kumimoji="1" lang="ja-JP" altLang="en-US" smtClean="0"/>
-              <a:t>2025/1/31</a:t>
+              <a:t>2025/2/20</a:t>
             </a:fld>
             <a:endParaRPr kumimoji="1" lang="ja-JP" altLang="en-US"/>
           </a:p>
@@ -2989,7 +2533,7 @@
           <a:p>
             <a:fld id="{981E291A-47F3-4D59-B164-DD7DAEA1944A}" type="datetimeFigureOut">
               <a:rPr kumimoji="1" lang="ja-JP" altLang="en-US" smtClean="0"/>
-              <a:t>2025/1/31</a:t>
+              <a:t>2025/2/20</a:t>
             </a:fld>
             <a:endParaRPr kumimoji="1" lang="ja-JP" altLang="en-US"/>
           </a:p>
@@ -3084,7 +2628,7 @@
           <a:p>
             <a:fld id="{981E291A-47F3-4D59-B164-DD7DAEA1944A}" type="datetimeFigureOut">
               <a:rPr kumimoji="1" lang="ja-JP" altLang="en-US" smtClean="0"/>
-              <a:t>2025/1/31</a:t>
+              <a:t>2025/2/20</a:t>
             </a:fld>
             <a:endParaRPr kumimoji="1" lang="ja-JP" altLang="en-US"/>
           </a:p>
@@ -3393,7 +2937,7 @@
           <a:p>
             <a:fld id="{981E291A-47F3-4D59-B164-DD7DAEA1944A}" type="datetimeFigureOut">
               <a:rPr kumimoji="1" lang="ja-JP" altLang="en-US" smtClean="0"/>
-              <a:t>2025/1/31</a:t>
+              <a:t>2025/2/20</a:t>
             </a:fld>
             <a:endParaRPr kumimoji="1" lang="ja-JP" altLang="en-US"/>
           </a:p>
@@ -3650,7 +3194,7 @@
           <a:p>
             <a:fld id="{981E291A-47F3-4D59-B164-DD7DAEA1944A}" type="datetimeFigureOut">
               <a:rPr kumimoji="1" lang="ja-JP" altLang="en-US" smtClean="0"/>
-              <a:t>2025/1/31</a:t>
+              <a:t>2025/2/20</a:t>
             </a:fld>
             <a:endParaRPr kumimoji="1" lang="ja-JP" altLang="en-US"/>
           </a:p>
@@ -3895,7 +3439,7 @@
           <a:p>
             <a:fld id="{981E291A-47F3-4D59-B164-DD7DAEA1944A}" type="datetimeFigureOut">
               <a:rPr kumimoji="1" lang="ja-JP" altLang="en-US" smtClean="0"/>
-              <a:t>2025/1/31</a:t>
+              <a:t>2025/2/20</a:t>
             </a:fld>
             <a:endParaRPr kumimoji="1" lang="ja-JP" altLang="en-US"/>
           </a:p>
@@ -5374,7 +4918,7 @@
         <p:spPr>
           <a:xfrm>
             <a:off x="3205334" y="1536425"/>
-            <a:ext cx="4140000" cy="432000"/>
+            <a:ext cx="8388000" cy="432000"/>
           </a:xfrm>
           <a:prstGeom prst="roundRect">
             <a:avLst>
@@ -5439,7 +4983,7 @@
         <p:spPr>
           <a:xfrm>
             <a:off x="3205334" y="2056921"/>
-            <a:ext cx="4140000" cy="432000"/>
+            <a:ext cx="8388000" cy="432000"/>
           </a:xfrm>
           <a:prstGeom prst="roundRect">
             <a:avLst>
@@ -6420,8 +5964,8 @@
         </p:nvSpPr>
         <p:spPr>
           <a:xfrm>
-            <a:off x="9702972" y="745657"/>
-            <a:ext cx="1812386" cy="307777"/>
+            <a:off x="9702972" y="645907"/>
+            <a:ext cx="1812386" cy="523220"/>
           </a:xfrm>
           <a:prstGeom prst="rect">
             <a:avLst/>
@@ -6441,7 +5985,22 @@
                   <a:schemeClr val="bg1"/>
                 </a:solidFill>
               </a:rPr>
-              <a:t>モデルの自社開発</a:t>
+              <a:t>自組織向け</a:t>
+            </a:r>
+            <a:br>
+              <a:rPr kumimoji="1" lang="en-US" altLang="ja-JP" sz="1400" b="1" dirty="0">
+                <a:solidFill>
+                  <a:schemeClr val="bg1"/>
+                </a:solidFill>
+              </a:rPr>
+            </a:br>
+            <a:r>
+              <a:rPr kumimoji="1" lang="ja-JP" altLang="en-US" sz="1400" b="1" dirty="0">
+                <a:solidFill>
+                  <a:schemeClr val="bg1"/>
+                </a:solidFill>
+              </a:rPr>
+              <a:t>モデルの開発</a:t>
             </a:r>
           </a:p>
         </p:txBody>
@@ -6460,8 +6019,8 @@
         </p:nvSpPr>
         <p:spPr>
           <a:xfrm>
-            <a:off x="7610756" y="745657"/>
-            <a:ext cx="1704098" cy="307777"/>
+            <a:off x="7610756" y="645907"/>
+            <a:ext cx="1704098" cy="523220"/>
           </a:xfrm>
           <a:prstGeom prst="rect">
             <a:avLst/>
@@ -6481,7 +6040,22 @@
                   <a:schemeClr val="bg1"/>
                 </a:solidFill>
               </a:rPr>
-              <a:t>自社データの利用</a:t>
+              <a:t>自組織データの</a:t>
+            </a:r>
+            <a:br>
+              <a:rPr kumimoji="1" lang="en-US" altLang="ja-JP" sz="1400" b="1" dirty="0">
+                <a:solidFill>
+                  <a:schemeClr val="bg1"/>
+                </a:solidFill>
+              </a:rPr>
+            </a:br>
+            <a:r>
+              <a:rPr kumimoji="1" lang="ja-JP" altLang="en-US" sz="1400" b="1" dirty="0">
+                <a:solidFill>
+                  <a:schemeClr val="bg1"/>
+                </a:solidFill>
+              </a:rPr>
+              <a:t>利用</a:t>
             </a:r>
           </a:p>
         </p:txBody>
